--- a/courses/theory/2021-fall/slides/review-lecture/review-02-2021-Fall.pptx
+++ b/courses/theory/2021-fall/slides/review-lecture/review-02-2021-Fall.pptx
@@ -3475,7 +3475,7 @@
         <a:spcBef>
           <a:spcPts val="1000"/>
         </a:spcBef>
-        <a:buFont typeface="Arial" panose="020B0604020202090204" pitchFamily="34" charset="0"/>
+        <a:buFont typeface="Arial" panose="020B0604020202020204" pitchFamily="34" charset="0"/>
         <a:buChar char="•"/>
         <a:defRPr sz="2400" kern="1200">
           <a:solidFill>
@@ -3493,7 +3493,7 @@
         <a:spcBef>
           <a:spcPts val="500"/>
         </a:spcBef>
-        <a:buFont typeface="Arial" panose="020B0604020202090204" pitchFamily="34" charset="0"/>
+        <a:buFont typeface="Arial" panose="020B0604020202020204" pitchFamily="34" charset="0"/>
         <a:buChar char="•"/>
         <a:defRPr sz="2000" kern="1200">
           <a:solidFill>
@@ -3511,7 +3511,7 @@
         <a:spcBef>
           <a:spcPts val="500"/>
         </a:spcBef>
-        <a:buFont typeface="Arial" panose="020B0604020202090204" pitchFamily="34" charset="0"/>
+        <a:buFont typeface="Arial" panose="020B0604020202020204" pitchFamily="34" charset="0"/>
         <a:buChar char="•"/>
         <a:defRPr sz="1800" kern="1200">
           <a:solidFill>
@@ -3529,7 +3529,7 @@
         <a:spcBef>
           <a:spcPts val="500"/>
         </a:spcBef>
-        <a:buFont typeface="Arial" panose="020B0604020202090204" pitchFamily="34" charset="0"/>
+        <a:buFont typeface="Arial" panose="020B0604020202020204" pitchFamily="34" charset="0"/>
         <a:buChar char="•"/>
         <a:defRPr sz="1800" kern="1200">
           <a:solidFill>
@@ -3547,7 +3547,7 @@
         <a:spcBef>
           <a:spcPts val="500"/>
         </a:spcBef>
-        <a:buFont typeface="Arial" panose="020B0604020202090204" pitchFamily="34" charset="0"/>
+        <a:buFont typeface="Arial" panose="020B0604020202020204" pitchFamily="34" charset="0"/>
         <a:buChar char="•"/>
         <a:defRPr sz="1800" kern="1200">
           <a:solidFill>
@@ -3565,7 +3565,7 @@
         <a:spcBef>
           <a:spcPts val="500"/>
         </a:spcBef>
-        <a:buFont typeface="Arial" panose="020B0604020202090204" pitchFamily="34" charset="0"/>
+        <a:buFont typeface="Arial" panose="020B0604020202020204" pitchFamily="34" charset="0"/>
         <a:buChar char="•"/>
         <a:defRPr sz="1800" kern="1200">
           <a:solidFill>
@@ -3583,7 +3583,7 @@
         <a:spcBef>
           <a:spcPts val="500"/>
         </a:spcBef>
-        <a:buFont typeface="Arial" panose="020B0604020202090204" pitchFamily="34" charset="0"/>
+        <a:buFont typeface="Arial" panose="020B0604020202020204" pitchFamily="34" charset="0"/>
         <a:buChar char="•"/>
         <a:defRPr sz="1800" kern="1200">
           <a:solidFill>
@@ -3601,7 +3601,7 @@
         <a:spcBef>
           <a:spcPts val="500"/>
         </a:spcBef>
-        <a:buFont typeface="Arial" panose="020B0604020202090204" pitchFamily="34" charset="0"/>
+        <a:buFont typeface="Arial" panose="020B0604020202020204" pitchFamily="34" charset="0"/>
         <a:buChar char="•"/>
         <a:defRPr sz="1800" kern="1200">
           <a:solidFill>
@@ -3619,7 +3619,7 @@
         <a:spcBef>
           <a:spcPts val="500"/>
         </a:spcBef>
-        <a:buFont typeface="Arial" panose="020B0604020202090204" pitchFamily="34" charset="0"/>
+        <a:buFont typeface="Arial" panose="020B0604020202020204" pitchFamily="34" charset="0"/>
         <a:buChar char="•"/>
         <a:defRPr sz="1800" kern="1200">
           <a:solidFill>
@@ -3777,7 +3777,11 @@
             </a:r>
             <a:r>
               <a:rPr lang="en-US" altLang="en-US" sz="4800" dirty="0"/>
-              <a:t>-Spring</a:t>
+              <a:t>-F</a:t>
+            </a:r>
+            <a:r>
+              <a:rPr lang="en-US" altLang="en-US" sz="4800" dirty="0"/>
+              <a:t>all</a:t>
             </a:r>
             <a:endParaRPr lang="en-US" altLang="en-US" sz="4800" dirty="0"/>
           </a:p>
@@ -3932,7 +3936,7 @@
               </a:bodyPr>
               <a:p>
                 <a:pPr marL="285750" indent="-285750">
-                  <a:buFont typeface="Arial" panose="020B0604020202090204" pitchFamily="34" charset="0"/>
+                  <a:buFont typeface="Arial" panose="020B0604020202020204" pitchFamily="34" charset="0"/>
                   <a:buChar char="•"/>
                 </a:pPr>
                 <a:r>
@@ -4007,7 +4011,7 @@
               </a:p>
               <a:p>
                 <a:pPr marL="285750" indent="-285750">
-                  <a:buFont typeface="Arial" panose="020B0604020202090204" pitchFamily="34" charset="0"/>
+                  <a:buFont typeface="Arial" panose="020B0604020202020204" pitchFamily="34" charset="0"/>
                   <a:buChar char="•"/>
                 </a:pPr>
                 <a:r>
@@ -4038,7 +4042,7 @@
               </a:p>
               <a:p>
                 <a:pPr marL="742950" lvl="1" indent="-285750">
-                  <a:buFont typeface="Arial" panose="020B0604020202090204" pitchFamily="34" charset="0"/>
+                  <a:buFont typeface="Arial" panose="020B0604020202020204" pitchFamily="34" charset="0"/>
                   <a:buChar char="•"/>
                 </a:pPr>
                 <a:r>
@@ -4072,7 +4076,7 @@
               </a:p>
               <a:p>
                 <a:pPr marL="742950" lvl="1" indent="-285750">
-                  <a:buFont typeface="Arial" panose="020B0604020202090204" pitchFamily="34" charset="0"/>
+                  <a:buFont typeface="Arial" panose="020B0604020202020204" pitchFamily="34" charset="0"/>
                   <a:buChar char="•"/>
                 </a:pPr>
                 <a:r>
@@ -4088,7 +4092,7 @@
                     <m:r>
                       <a:rPr kumimoji="1" lang="en-US" altLang="zh-CN" sz="3200" i="1" smtClean="0">
                         <a:latin typeface="Cambria Math" panose="02040503050406030204" pitchFamily="18" charset="0"/>
-                        <a:ea typeface="宋体" charset="0"/>
+                        <a:ea typeface="宋体" panose="02010600030101010101" pitchFamily="2" charset="-122"/>
                         <a:cs typeface="Cambria Math" panose="02040503050406030204" pitchFamily="18" charset="0"/>
                       </a:rPr>
                       <m:t>𝜋</m:t>
@@ -4096,7 +4100,7 @@
                     <m:r>
                       <a:rPr kumimoji="1" lang="en-US" altLang="zh-CN" sz="3200" i="1" smtClean="0">
                         <a:latin typeface="Cambria Math" panose="02040503050406030204" pitchFamily="18" charset="0"/>
-                        <a:ea typeface="宋体" charset="0"/>
+                        <a:ea typeface="宋体" panose="02010600030101010101" pitchFamily="2" charset="-122"/>
                         <a:cs typeface="Cambria Math" panose="02040503050406030204" pitchFamily="18" charset="0"/>
                       </a:rPr>
                       <m:t> </m:t>
@@ -4104,7 +4108,7 @@
                     <m:r>
                       <a:rPr kumimoji="1" lang="zh-CN" altLang="en-US" sz="3200" i="1" smtClean="0">
                         <a:latin typeface="Cambria Math" panose="02040503050406030204" pitchFamily="18" charset="0"/>
-                        <a:ea typeface="宋体" charset="0"/>
+                        <a:ea typeface="宋体" panose="02010600030101010101" pitchFamily="2" charset="-122"/>
                         <a:cs typeface="Cambria Math" panose="02040503050406030204" pitchFamily="18" charset="0"/>
                       </a:rPr>
                       <m:t>中有</m:t>
@@ -4112,7 +4116,7 @@
                     <m:r>
                       <a:rPr kumimoji="1" lang="en-US" altLang="zh-CN" sz="3200" i="1" smtClean="0">
                         <a:latin typeface="Cambria Math" panose="02040503050406030204" pitchFamily="18" charset="0"/>
-                        <a:ea typeface="宋体" charset="0"/>
+                        <a:ea typeface="宋体" panose="02010600030101010101" pitchFamily="2" charset="-122"/>
                         <a:cs typeface="Cambria Math" panose="02040503050406030204" pitchFamily="18" charset="0"/>
                       </a:rPr>
                       <m:t>100</m:t>
@@ -4120,7 +4124,7 @@
                     <m:r>
                       <a:rPr kumimoji="1" lang="zh-CN" altLang="en-US" sz="3200" i="1" smtClean="0">
                         <a:latin typeface="Cambria Math" panose="02040503050406030204" pitchFamily="18" charset="0"/>
-                        <a:ea typeface="宋体" charset="0"/>
+                        <a:ea typeface="宋体" panose="02010600030101010101" pitchFamily="2" charset="-122"/>
                         <a:cs typeface="Cambria Math" panose="02040503050406030204" pitchFamily="18" charset="0"/>
                       </a:rPr>
                       <m:t>个连续的</m:t>
@@ -4128,7 +4132,7 @@
                     <m:r>
                       <a:rPr kumimoji="1" lang="en-US" altLang="zh-CN" sz="3200" i="1" smtClean="0">
                         <a:latin typeface="Cambria Math" panose="02040503050406030204" pitchFamily="18" charset="0"/>
-                        <a:ea typeface="宋体" charset="0"/>
+                        <a:ea typeface="宋体" panose="02010600030101010101" pitchFamily="2" charset="-122"/>
                         <a:cs typeface="Cambria Math" panose="02040503050406030204" pitchFamily="18" charset="0"/>
                       </a:rPr>
                       <m:t>0</m:t>
@@ -4183,7 +4187,7 @@
                   <a:rPr lang="zh-CN" altLang="en-US">
                     <a:noFill/>
                   </a:rPr>
-                  <a:t> </a:t>
+                  <a:t> </a:t>
                 </a:r>
               </a:p>
             </p:txBody>
@@ -4435,7 +4439,7 @@
                         <m:r>
                           <a:rPr kumimoji="1" lang="en-US" altLang="zh-CN" sz="3200" b="0" i="1" smtClean="0">
                             <a:latin typeface="Cambria Math" panose="02040503050406030204" pitchFamily="18" charset="0"/>
-                            <a:ea typeface="宋体" charset="0"/>
+                            <a:ea typeface="宋体" panose="02010600030101010101" pitchFamily="2" charset="-122"/>
                             <a:cs typeface="Cambria Math" panose="02040503050406030204" pitchFamily="18" charset="0"/>
                           </a:rPr>
                           <m:t>2</m:t>
@@ -4542,7 +4546,7 @@
                             <m:r>
                               <a:rPr kumimoji="1" lang="en-US" altLang="zh-CN" sz="3200" i="1">
                                 <a:latin typeface="Cambria Math" panose="02040503050406030204" pitchFamily="18" charset="0"/>
-                                <a:ea typeface="宋体" charset="0"/>
+                                <a:ea typeface="宋体" panose="02010600030101010101" pitchFamily="2" charset="-122"/>
                                 <a:cs typeface="Cambria Math" panose="02040503050406030204" pitchFamily="18" charset="0"/>
                               </a:rPr>
                               <m:t>2</m:t>
@@ -4566,7 +4570,7 @@
                             <m:r>
                               <a:rPr kumimoji="1" lang="en-US" altLang="zh-CN" sz="3200" i="1">
                                 <a:latin typeface="Cambria Math" panose="02040503050406030204" pitchFamily="18" charset="0"/>
-                                <a:ea typeface="宋体" charset="0"/>
+                                <a:ea typeface="宋体" panose="02010600030101010101" pitchFamily="2" charset="-122"/>
                                 <a:cs typeface="Cambria Math" panose="02040503050406030204" pitchFamily="18" charset="0"/>
                               </a:rPr>
                               <m:t>2</m:t>
@@ -4578,7 +4582,7 @@
                     <m:r>
                       <a:rPr kumimoji="1" lang="en-US" altLang="zh-CN" sz="3200" i="1">
                         <a:latin typeface="Cambria Math" panose="02040503050406030204" pitchFamily="18" charset="0"/>
-                        <a:ea typeface="宋体" charset="0"/>
+                        <a:ea typeface="宋体" panose="02010600030101010101" pitchFamily="2" charset="-122"/>
                         <a:cs typeface="Cambria Math" panose="02040503050406030204" pitchFamily="18" charset="0"/>
                       </a:rPr>
                       <m:t> </m:t>
@@ -4662,7 +4666,7 @@
                         <m:r>
                           <a:rPr kumimoji="1" lang="en-US" altLang="zh-CN" sz="3200" b="0" i="1" smtClean="0">
                             <a:latin typeface="Cambria Math" panose="02040503050406030204" pitchFamily="18" charset="0"/>
-                            <a:ea typeface="宋体" charset="0"/>
+                            <a:ea typeface="宋体" panose="02010600030101010101" pitchFamily="2" charset="-122"/>
                             <a:cs typeface="Cambria Math" panose="02040503050406030204" pitchFamily="18" charset="0"/>
                           </a:rPr>
                           <m:t>2</m:t>
@@ -4672,7 +4676,7 @@
                     <m:r>
                       <a:rPr kumimoji="1" lang="en-US" altLang="zh-CN" sz="3200" b="0" i="1" smtClean="0">
                         <a:latin typeface="Cambria Math" panose="02040503050406030204" pitchFamily="18" charset="0"/>
-                        <a:ea typeface="宋体" charset="0"/>
+                        <a:ea typeface="宋体" panose="02010600030101010101" pitchFamily="2" charset="-122"/>
                         <a:cs typeface="Cambria Math" panose="02040503050406030204" pitchFamily="18" charset="0"/>
                       </a:rPr>
                       <m:t> </m:t>
@@ -4794,7 +4798,7 @@
                                 <m:r>
                                   <a:rPr kumimoji="1" lang="en-US" altLang="zh-CN" sz="3200" i="1">
                                     <a:latin typeface="Cambria Math" panose="02040503050406030204" pitchFamily="18" charset="0"/>
-                                    <a:ea typeface="宋体" charset="0"/>
+                                    <a:ea typeface="宋体" panose="02010600030101010101" pitchFamily="2" charset="-122"/>
                                     <a:cs typeface="Cambria Math" panose="02040503050406030204" pitchFamily="18" charset="0"/>
                                   </a:rPr>
                                   <m:t>2</m:t>
@@ -4826,7 +4830,7 @@
                             <m:r>
                               <a:rPr kumimoji="1" lang="en-US" altLang="zh-CN" sz="3200" i="1">
                                 <a:latin typeface="Cambria Math" panose="02040503050406030204" pitchFamily="18" charset="0"/>
-                                <a:ea typeface="宋体" charset="0"/>
+                                <a:ea typeface="宋体" panose="02010600030101010101" pitchFamily="2" charset="-122"/>
                                 <a:cs typeface="Cambria Math" panose="02040503050406030204" pitchFamily="18" charset="0"/>
                               </a:rPr>
                               <m:t>2</m:t>
@@ -4850,7 +4854,7 @@
                             <m:r>
                               <a:rPr kumimoji="1" lang="en-US" altLang="zh-CN" sz="3200" i="1">
                                 <a:latin typeface="Cambria Math" panose="02040503050406030204" pitchFamily="18" charset="0"/>
-                                <a:ea typeface="宋体" charset="0"/>
+                                <a:ea typeface="宋体" panose="02010600030101010101" pitchFamily="2" charset="-122"/>
                                 <a:cs typeface="Cambria Math" panose="02040503050406030204" pitchFamily="18" charset="0"/>
                               </a:rPr>
                               <m:t>2</m:t>
@@ -4890,7 +4894,7 @@
                             <m:r>
                               <a:rPr kumimoji="1" lang="en-US" altLang="zh-CN" sz="3200" b="0" i="1" smtClean="0">
                                 <a:latin typeface="Cambria Math" panose="02040503050406030204" pitchFamily="18" charset="0"/>
-                                <a:ea typeface="宋体" charset="0"/>
+                                <a:ea typeface="宋体" panose="02010600030101010101" pitchFamily="2" charset="-122"/>
                                 <a:cs typeface="Cambria Math" panose="02040503050406030204" pitchFamily="18" charset="0"/>
                               </a:rPr>
                               <m:t>(</m:t>
@@ -4910,7 +4914,7 @@
                                 <m:r>
                                   <a:rPr kumimoji="1" lang="en-US" altLang="zh-CN" sz="3200" i="1">
                                     <a:latin typeface="Cambria Math" panose="02040503050406030204" pitchFamily="18" charset="0"/>
-                                    <a:ea typeface="宋体" charset="0"/>
+                                    <a:ea typeface="宋体" panose="02010600030101010101" pitchFamily="2" charset="-122"/>
                                     <a:cs typeface="Cambria Math" panose="02040503050406030204" pitchFamily="18" charset="0"/>
                                   </a:rPr>
                                   <m:t>2</m:t>
@@ -4934,7 +4938,7 @@
                                 <m:r>
                                   <a:rPr kumimoji="1" lang="en-US" altLang="zh-CN" sz="3200" i="1">
                                     <a:latin typeface="Cambria Math" panose="02040503050406030204" pitchFamily="18" charset="0"/>
-                                    <a:ea typeface="宋体" charset="0"/>
+                                    <a:ea typeface="宋体" panose="02010600030101010101" pitchFamily="2" charset="-122"/>
                                     <a:cs typeface="Cambria Math" panose="02040503050406030204" pitchFamily="18" charset="0"/>
                                   </a:rPr>
                                   <m:t>2</m:t>
@@ -4946,7 +4950,7 @@
                         <m:r>
                           <a:rPr kumimoji="1" lang="en-US" altLang="zh-CN" sz="3200" b="0" i="1" smtClean="0">
                             <a:latin typeface="Cambria Math" panose="02040503050406030204" pitchFamily="18" charset="0"/>
-                            <a:ea typeface="宋体" charset="0"/>
+                            <a:ea typeface="宋体" panose="02010600030101010101" pitchFamily="2" charset="-122"/>
                             <a:cs typeface="Cambria Math" panose="02040503050406030204" pitchFamily="18" charset="0"/>
                           </a:rPr>
                           <m:t>)</m:t>
@@ -4968,7 +4972,7 @@
                             <m:r>
                               <a:rPr kumimoji="1" lang="en-US" altLang="zh-CN" sz="3200" i="1">
                                 <a:latin typeface="Cambria Math" panose="02040503050406030204" pitchFamily="18" charset="0"/>
-                                <a:ea typeface="宋体" charset="0"/>
+                                <a:ea typeface="宋体" panose="02010600030101010101" pitchFamily="2" charset="-122"/>
                                 <a:cs typeface="Cambria Math" panose="02040503050406030204" pitchFamily="18" charset="0"/>
                               </a:rPr>
                               <m:t>2</m:t>
@@ -5038,7 +5042,7 @@
                             <m:r>
                               <a:rPr kumimoji="1" lang="en-US" altLang="zh-CN" sz="3200" i="1">
                                 <a:latin typeface="Cambria Math" panose="02040503050406030204" pitchFamily="18" charset="0"/>
-                                <a:ea typeface="宋体" charset="0"/>
+                                <a:ea typeface="宋体" panose="02010600030101010101" pitchFamily="2" charset="-122"/>
                                 <a:cs typeface="Cambria Math" panose="02040503050406030204" pitchFamily="18" charset="0"/>
                               </a:rPr>
                               <m:t>2</m:t>
@@ -5062,7 +5066,7 @@
                             <m:r>
                               <a:rPr kumimoji="1" lang="en-US" altLang="zh-CN" sz="3200" i="1">
                                 <a:latin typeface="Cambria Math" panose="02040503050406030204" pitchFamily="18" charset="0"/>
-                                <a:ea typeface="宋体" charset="0"/>
+                                <a:ea typeface="宋体" panose="02010600030101010101" pitchFamily="2" charset="-122"/>
                                 <a:cs typeface="Cambria Math" panose="02040503050406030204" pitchFamily="18" charset="0"/>
                               </a:rPr>
                               <m:t>2</m:t>
@@ -5074,7 +5078,7 @@
                     <m:r>
                       <a:rPr kumimoji="1" lang="en-US" altLang="zh-CN" sz="3200" i="1">
                         <a:latin typeface="Cambria Math" panose="02040503050406030204" pitchFamily="18" charset="0"/>
-                        <a:ea typeface="宋体" charset="0"/>
+                        <a:ea typeface="宋体" panose="02010600030101010101" pitchFamily="2" charset="-122"/>
                         <a:cs typeface="Cambria Math" panose="02040503050406030204" pitchFamily="18" charset="0"/>
                       </a:rPr>
                       <m:t> </m:t>
@@ -5084,7 +5088,7 @@
                 <a:r>
                   <a:rPr kumimoji="1" lang="en-US" altLang="zh-CN" sz="3200">
                     <a:latin typeface="Cambria Math" panose="02040503050406030204" pitchFamily="18" charset="0"/>
-                    <a:ea typeface="宋体" charset="0"/>
+                    <a:ea typeface="宋体" panose="02010600030101010101" pitchFamily="2" charset="-122"/>
                     <a:cs typeface="Cambria Math" panose="02040503050406030204" pitchFamily="18" charset="0"/>
                   </a:rPr>
                   <a:t>q = </a:t>
@@ -5106,7 +5110,7 @@
                         <m:r>
                           <a:rPr kumimoji="1" lang="en-US" altLang="zh-CN" sz="3200" b="0" i="1" smtClean="0">
                             <a:latin typeface="Cambria Math" panose="02040503050406030204" pitchFamily="18" charset="0"/>
-                            <a:ea typeface="宋体" charset="0"/>
+                            <a:ea typeface="宋体" panose="02010600030101010101" pitchFamily="2" charset="-122"/>
                             <a:cs typeface="Cambria Math" panose="02040503050406030204" pitchFamily="18" charset="0"/>
                           </a:rPr>
                           <m:t>2</m:t>
@@ -5116,7 +5120,7 @@
                     <m:r>
                       <a:rPr kumimoji="1" lang="en-US" altLang="zh-CN" sz="3200" b="0" i="1" smtClean="0">
                         <a:latin typeface="Cambria Math" panose="02040503050406030204" pitchFamily="18" charset="0"/>
-                        <a:ea typeface="宋体" charset="0"/>
+                        <a:ea typeface="宋体" panose="02010600030101010101" pitchFamily="2" charset="-122"/>
                         <a:cs typeface="Cambria Math" panose="02040503050406030204" pitchFamily="18" charset="0"/>
                       </a:rPr>
                       <m:t> </m:t>
@@ -5126,7 +5130,7 @@
                 <a:r>
                   <a:rPr kumimoji="1" lang="zh-CN" altLang="en-US" sz="3200" smtClean="0">
                     <a:latin typeface="Cambria Math" panose="02040503050406030204" pitchFamily="18" charset="0"/>
-                    <a:ea typeface="宋体" charset="0"/>
+                    <a:ea typeface="宋体" panose="02010600030101010101" pitchFamily="2" charset="-122"/>
                     <a:cs typeface="Cambria Math" panose="02040503050406030204" pitchFamily="18" charset="0"/>
                   </a:rPr>
                   <a:t>，所以</a:t>
@@ -5134,7 +5138,7 @@
                 <a:r>
                   <a:rPr kumimoji="1" lang="en-US" altLang="zh-CN" sz="3200" smtClean="0">
                     <a:latin typeface="Cambria Math" panose="02040503050406030204" pitchFamily="18" charset="0"/>
-                    <a:ea typeface="宋体" charset="0"/>
+                    <a:ea typeface="宋体" panose="02010600030101010101" pitchFamily="2" charset="-122"/>
                     <a:cs typeface="Cambria Math" panose="02040503050406030204" pitchFamily="18" charset="0"/>
                   </a:rPr>
                   <a:t>p,q</a:t>
@@ -5142,7 +5146,7 @@
                 <a:r>
                   <a:rPr kumimoji="1" lang="zh-CN" altLang="en-US" sz="3200" smtClean="0">
                     <a:latin typeface="Cambria Math" panose="02040503050406030204" pitchFamily="18" charset="0"/>
-                    <a:ea typeface="宋体" charset="0"/>
+                    <a:ea typeface="宋体" panose="02010600030101010101" pitchFamily="2" charset="-122"/>
                     <a:cs typeface="Cambria Math" panose="02040503050406030204" pitchFamily="18" charset="0"/>
                   </a:rPr>
                   <a:t>为无理数，</a:t>
@@ -5200,7 +5204,7 @@
                 </a:r>
                 <a:endParaRPr kumimoji="1" lang="zh-CN" altLang="en-US" sz="3200" smtClean="0">
                   <a:latin typeface="Cambria Math" panose="02040503050406030204" pitchFamily="18" charset="0"/>
-                  <a:ea typeface="宋体" charset="0"/>
+                  <a:ea typeface="宋体" panose="02010600030101010101" pitchFamily="2" charset="-122"/>
                   <a:cs typeface="Cambria Math" panose="02040503050406030204" pitchFamily="18" charset="0"/>
                 </a:endParaRPr>
               </a:p>
@@ -5239,7 +5243,7 @@
                   <a:rPr lang="zh-CN" altLang="en-US">
                     <a:noFill/>
                   </a:rPr>
-                  <a:t> </a:t>
+                  <a:t> </a:t>
                 </a:r>
               </a:p>
             </p:txBody>
@@ -5394,7 +5398,7 @@
                     <m:r>
                       <a:rPr kumimoji="1" lang="zh-CN" altLang="en-US" sz="3200" b="0" i="0" smtClean="0">
                         <a:latin typeface="Cambria Math" panose="02040503050406030204" pitchFamily="18" charset="0"/>
-                        <a:ea typeface="宋体" charset="0"/>
+                        <a:ea typeface="宋体" panose="02010600030101010101" pitchFamily="2" charset="-122"/>
                         <a:cs typeface="Cambria Math" panose="02040503050406030204" pitchFamily="18" charset="0"/>
                       </a:rPr>
                       <m:t> </m:t>
@@ -5454,7 +5458,7 @@
                     <m:r>
                       <a:rPr kumimoji="1" lang="en-US" altLang="zh-CN" sz="3200" i="1" smtClean="0">
                         <a:latin typeface="Cambria Math" panose="02040503050406030204" pitchFamily="18" charset="0"/>
-                        <a:ea typeface="宋体" charset="0"/>
+                        <a:ea typeface="宋体" panose="02010600030101010101" pitchFamily="2" charset="-122"/>
                         <a:cs typeface="Cambria Math" panose="02040503050406030204" pitchFamily="18" charset="0"/>
                       </a:rPr>
                       <m:t>⊥</m:t>
@@ -5515,7 +5519,7 @@
                     <m:r>
                       <a:rPr kumimoji="1" lang="zh-CN" altLang="en-US" sz="3200" i="1">
                         <a:latin typeface="Cambria Math" panose="02040503050406030204" pitchFamily="18" charset="0"/>
-                        <a:ea typeface="宋体" charset="0"/>
+                        <a:ea typeface="宋体" panose="02010600030101010101" pitchFamily="2" charset="-122"/>
                         <a:cs typeface="Cambria Math" panose="02040503050406030204" pitchFamily="18" charset="0"/>
                       </a:rPr>
                       <m:t>∨</m:t>
@@ -5559,7 +5563,7 @@
                         </m:rPr>
                         <a:rPr kumimoji="1" lang="zh-CN" altLang="en-US" sz="3200" b="0" i="0" dirty="0" smtClean="0">
                           <a:latin typeface="Cambria Math" panose="02040503050406030204" pitchFamily="18" charset="0"/>
-                          <a:ea typeface="宋体" charset="0"/>
+                          <a:ea typeface="宋体" panose="02010600030101010101" pitchFamily="2" charset="-122"/>
                           <a:cs typeface="Cambria Math" panose="02040503050406030204" pitchFamily="18" charset="0"/>
                         </a:rPr>
                         <m:t>            </m:t>
@@ -5570,7 +5574,7 @@
                         </m:rPr>
                         <a:rPr kumimoji="1" lang="en-US" altLang="zh-CN" sz="3200" b="0" i="0" dirty="0" smtClean="0">
                           <a:latin typeface="Cambria Math" panose="02040503050406030204" pitchFamily="18" charset="0"/>
-                          <a:ea typeface="宋体" charset="0"/>
+                          <a:ea typeface="宋体" panose="02010600030101010101" pitchFamily="2" charset="-122"/>
                           <a:cs typeface="Cambria Math" panose="02040503050406030204" pitchFamily="18" charset="0"/>
                         </a:rPr>
                         <m:t>      </m:t>
@@ -5581,7 +5585,7 @@
                         </m:rPr>
                         <a:rPr kumimoji="1" lang="zh-CN" altLang="en-US" sz="3200" b="0" i="0" dirty="0" smtClean="0">
                           <a:latin typeface="Cambria Math" panose="02040503050406030204" pitchFamily="18" charset="0"/>
-                          <a:ea typeface="宋体" charset="0"/>
+                          <a:ea typeface="宋体" panose="02010600030101010101" pitchFamily="2" charset="-122"/>
                           <a:cs typeface="Cambria Math" panose="02040503050406030204" pitchFamily="18" charset="0"/>
                         </a:rPr>
                         <m:t>   </m:t>
@@ -5592,7 +5596,7 @@
                         </m:rPr>
                         <a:rPr kumimoji="1" lang="en-US" altLang="zh-CN" sz="3200" dirty="0">
                           <a:latin typeface="Cambria Math" panose="02040503050406030204" pitchFamily="18" charset="0"/>
-                          <a:ea typeface="宋体" charset="0"/>
+                          <a:ea typeface="宋体" panose="02010600030101010101" pitchFamily="2" charset="-122"/>
                           <a:cs typeface="Cambria Math" panose="02040503050406030204" pitchFamily="18" charset="0"/>
                         </a:rPr>
                         <m:t>|</m:t>
@@ -5603,7 +5607,7 @@
                         </m:rPr>
                         <a:rPr kumimoji="1" lang="zh-CN" altLang="en-US" sz="3200" dirty="0">
                           <a:latin typeface="Cambria Math" panose="02040503050406030204" pitchFamily="18" charset="0"/>
-                          <a:ea typeface="宋体" charset="0"/>
+                          <a:ea typeface="宋体" panose="02010600030101010101" pitchFamily="2" charset="-122"/>
                           <a:cs typeface="Cambria Math" panose="02040503050406030204" pitchFamily="18" charset="0"/>
                         </a:rPr>
                         <m:t> </m:t>
@@ -5621,7 +5625,7 @@
                       <m:r>
                         <a:rPr kumimoji="1" lang="zh-CN" altLang="en-US" sz="3200" i="1">
                           <a:latin typeface="Cambria Math" panose="02040503050406030204" pitchFamily="18" charset="0"/>
-                          <a:ea typeface="宋体" charset="0"/>
+                          <a:ea typeface="宋体" panose="02010600030101010101" pitchFamily="2" charset="-122"/>
                           <a:cs typeface="Cambria Math" panose="02040503050406030204" pitchFamily="18" charset="0"/>
                         </a:rPr>
                         <m:t>∧</m:t>
@@ -5660,7 +5664,7 @@
                         </m:rPr>
                         <a:rPr kumimoji="1" lang="zh-CN" altLang="en-US" sz="3200" b="0" i="0" dirty="0" smtClean="0">
                           <a:latin typeface="Cambria Math" panose="02040503050406030204" pitchFamily="18" charset="0"/>
-                          <a:ea typeface="宋体" charset="0"/>
+                          <a:ea typeface="宋体" panose="02010600030101010101" pitchFamily="2" charset="-122"/>
                           <a:cs typeface="Cambria Math" panose="02040503050406030204" pitchFamily="18" charset="0"/>
                         </a:rPr>
                         <m:t>               </m:t>
@@ -5671,7 +5675,7 @@
                         </m:rPr>
                         <a:rPr kumimoji="1" lang="en-US" altLang="zh-CN" sz="3200" b="0" i="0" dirty="0" smtClean="0">
                           <a:latin typeface="Cambria Math" panose="02040503050406030204" pitchFamily="18" charset="0"/>
-                          <a:ea typeface="宋体" charset="0"/>
+                          <a:ea typeface="宋体" panose="02010600030101010101" pitchFamily="2" charset="-122"/>
                           <a:cs typeface="Cambria Math" panose="02040503050406030204" pitchFamily="18" charset="0"/>
                         </a:rPr>
                         <m:t>      </m:t>
@@ -5682,7 +5686,7 @@
                         </m:rPr>
                         <a:rPr kumimoji="1" lang="en-US" altLang="zh-CN" sz="3200" dirty="0">
                           <a:latin typeface="Cambria Math" panose="02040503050406030204" pitchFamily="18" charset="0"/>
-                          <a:ea typeface="宋体" charset="0"/>
+                          <a:ea typeface="宋体" panose="02010600030101010101" pitchFamily="2" charset="-122"/>
                           <a:cs typeface="Cambria Math" panose="02040503050406030204" pitchFamily="18" charset="0"/>
                         </a:rPr>
                         <m:t>|</m:t>
@@ -5693,7 +5697,7 @@
                         </m:rPr>
                         <a:rPr kumimoji="1" lang="zh-CN" altLang="en-US" sz="3200" dirty="0">
                           <a:latin typeface="Cambria Math" panose="02040503050406030204" pitchFamily="18" charset="0"/>
-                          <a:ea typeface="宋体" charset="0"/>
+                          <a:ea typeface="宋体" panose="02010600030101010101" pitchFamily="2" charset="-122"/>
                           <a:cs typeface="Cambria Math" panose="02040503050406030204" pitchFamily="18" charset="0"/>
                         </a:rPr>
                         <m:t> </m:t>
@@ -5711,7 +5715,7 @@
                       <m:r>
                         <a:rPr kumimoji="1" lang="zh-CN" altLang="en-US" sz="3200" i="1" smtClean="0">
                           <a:latin typeface="Cambria Math" panose="02040503050406030204" pitchFamily="18" charset="0"/>
-                          <a:ea typeface="宋体" charset="0"/>
+                          <a:ea typeface="宋体" panose="02010600030101010101" pitchFamily="2" charset="-122"/>
                           <a:cs typeface="Cambria Math" panose="02040503050406030204" pitchFamily="18" charset="0"/>
                         </a:rPr>
                         <m:t>→</m:t>
@@ -5771,7 +5775,7 @@
                     <m:r>
                       <a:rPr kumimoji="1" lang="zh-CN" altLang="en-US" sz="3200" i="1" smtClean="0">
                         <a:latin typeface="Cambria Math" panose="02040503050406030204" pitchFamily="18" charset="0"/>
-                        <a:ea typeface="宋体" charset="0"/>
+                        <a:ea typeface="宋体" panose="02010600030101010101" pitchFamily="2" charset="-122"/>
                         <a:cs typeface="Cambria Math" panose="02040503050406030204" pitchFamily="18" charset="0"/>
                       </a:rPr>
                       <m:t>→</m:t>
@@ -5779,7 +5783,7 @@
                     <m:r>
                       <a:rPr kumimoji="1" lang="en-US" altLang="zh-CN" sz="3200" i="1" smtClean="0">
                         <a:latin typeface="Cambria Math" panose="02040503050406030204" pitchFamily="18" charset="0"/>
-                        <a:ea typeface="宋体" charset="0"/>
+                        <a:ea typeface="宋体" panose="02010600030101010101" pitchFamily="2" charset="-122"/>
                         <a:cs typeface="Cambria Math" panose="02040503050406030204" pitchFamily="18" charset="0"/>
                       </a:rPr>
                       <m:t>⊥</m:t>
@@ -5821,7 +5825,7 @@
                   <a:rPr lang="zh-CN" altLang="en-US">
                     <a:noFill/>
                   </a:rPr>
-                  <a:t> </a:t>
+                  <a:t> </a:t>
                 </a:r>
               </a:p>
             </p:txBody>
@@ -7124,7 +7128,7 @@
                   <a:rPr lang="zh-CN" altLang="en-US">
                     <a:noFill/>
                   </a:rPr>
-                  <a:t> </a:t>
+                  <a:t> </a:t>
                 </a:r>
               </a:p>
             </p:txBody>
@@ -7275,7 +7279,7 @@
                   <a:rPr lang="zh-CN" altLang="en-US">
                     <a:noFill/>
                   </a:rPr>
-                  <a:t> </a:t>
+                  <a:t> </a:t>
                 </a:r>
               </a:p>
             </p:txBody>
@@ -7470,7 +7474,7 @@
                   <a:rPr lang="zh-CN" altLang="en-US">
                     <a:noFill/>
                   </a:rPr>
-                  <a:t> </a:t>
+                  <a:t> </a:t>
                 </a:r>
               </a:p>
             </p:txBody>
@@ -7573,7 +7577,7 @@
                   <a:rPr lang="zh-CN" altLang="en-US">
                     <a:noFill/>
                   </a:rPr>
-                  <a:t> </a:t>
+                  <a:t> </a:t>
                 </a:r>
               </a:p>
             </p:txBody>
@@ -7732,7 +7736,7 @@
                   <a:rPr lang="zh-CN" altLang="en-US">
                     <a:noFill/>
                   </a:rPr>
-                  <a:t> </a:t>
+                  <a:t> </a:t>
                 </a:r>
               </a:p>
             </p:txBody>
@@ -7870,7 +7874,7 @@
                   <a:rPr lang="zh-CN" altLang="en-US">
                     <a:noFill/>
                   </a:rPr>
-                  <a:t> </a:t>
+                  <a:t> </a:t>
                 </a:r>
               </a:p>
             </p:txBody>
@@ -7973,7 +7977,7 @@
                   <a:rPr lang="zh-CN" altLang="en-US">
                     <a:noFill/>
                   </a:rPr>
-                  <a:t> </a:t>
+                  <a:t> </a:t>
                 </a:r>
               </a:p>
             </p:txBody>
@@ -8172,7 +8176,7 @@
                   <a:rPr lang="zh-CN" altLang="en-US">
                     <a:noFill/>
                   </a:rPr>
-                  <a:t> </a:t>
+                  <a:t> </a:t>
                 </a:r>
               </a:p>
             </p:txBody>
@@ -8335,7 +8339,7 @@
                   <a:rPr lang="zh-CN" altLang="en-US">
                     <a:noFill/>
                   </a:rPr>
-                  <a:t> </a:t>
+                  <a:t> </a:t>
                 </a:r>
               </a:p>
             </p:txBody>
@@ -8542,7 +8546,7 @@
                   <a:rPr lang="zh-CN" altLang="en-US">
                     <a:noFill/>
                   </a:rPr>
-                  <a:t> </a:t>
+                  <a:t> </a:t>
                 </a:r>
               </a:p>
             </p:txBody>
@@ -8645,7 +8649,7 @@
                   <a:rPr lang="zh-CN" altLang="en-US">
                     <a:noFill/>
                   </a:rPr>
-                  <a:t> </a:t>
+                  <a:t> </a:t>
                 </a:r>
               </a:p>
             </p:txBody>
@@ -8789,7 +8793,7 @@
                   <a:rPr lang="zh-CN" altLang="en-US">
                     <a:noFill/>
                   </a:rPr>
-                  <a:t> </a:t>
+                  <a:t> </a:t>
                 </a:r>
               </a:p>
             </p:txBody>
@@ -8927,7 +8931,7 @@
                   <a:rPr lang="zh-CN" altLang="en-US">
                     <a:noFill/>
                   </a:rPr>
-                  <a:t> </a:t>
+                  <a:t> </a:t>
                 </a:r>
               </a:p>
             </p:txBody>
@@ -9035,7 +9039,7 @@
                   <a:rPr lang="zh-CN" altLang="en-US">
                     <a:noFill/>
                   </a:rPr>
-                  <a:t> </a:t>
+                  <a:t> </a:t>
                 </a:r>
               </a:p>
             </p:txBody>
@@ -9144,7 +9148,7 @@
                   <a:rPr lang="zh-CN" altLang="en-US">
                     <a:noFill/>
                   </a:rPr>
-                  <a:t> </a:t>
+                  <a:t> </a:t>
                 </a:r>
               </a:p>
             </p:txBody>
@@ -9287,7 +9291,7 @@
                   <a:rPr lang="zh-CN" altLang="en-US">
                     <a:noFill/>
                   </a:rPr>
-                  <a:t> </a:t>
+                  <a:t> </a:t>
                 </a:r>
               </a:p>
             </p:txBody>
@@ -9408,7 +9412,7 @@
                   <a:rPr lang="zh-CN" altLang="en-US">
                     <a:noFill/>
                   </a:rPr>
-                  <a:t> </a:t>
+                  <a:t> </a:t>
                 </a:r>
               </a:p>
             </p:txBody>
@@ -9546,7 +9550,7 @@
                   <a:rPr lang="zh-CN" altLang="en-US">
                     <a:noFill/>
                   </a:rPr>
-                  <a:t> </a:t>
+                  <a:t> </a:t>
                 </a:r>
               </a:p>
             </p:txBody>
@@ -9666,7 +9670,7 @@
                   <a:rPr lang="zh-CN" altLang="en-US">
                     <a:noFill/>
                   </a:rPr>
-                  <a:t> </a:t>
+                  <a:t> </a:t>
                 </a:r>
               </a:p>
             </p:txBody>
@@ -9804,7 +9808,7 @@
                   <a:rPr lang="zh-CN" altLang="en-US">
                     <a:noFill/>
                   </a:rPr>
-                  <a:t> </a:t>
+                  <a:t> </a:t>
                 </a:r>
               </a:p>
             </p:txBody>
@@ -12418,29 +12422,29 @@
           <a:p>
             <a:r>
               <a:rPr kumimoji="1" lang="en-US" altLang="zh-CN" sz="2000" dirty="0">
-                <a:latin typeface="SimHei" panose="02010609060101010101" pitchFamily="49" charset="-122"/>
-                <a:ea typeface="SimHei" panose="02010609060101010101" pitchFamily="49" charset="-122"/>
+                <a:latin typeface="黑体" panose="02010609060101010101" pitchFamily="49" charset="-122"/>
+                <a:ea typeface="黑体" panose="02010609060101010101" pitchFamily="49" charset="-122"/>
               </a:rPr>
               <a:t>-</a:t>
             </a:r>
             <a:r>
               <a:rPr kumimoji="1" lang="zh-CN" altLang="en-US" sz="2000" dirty="0">
-                <a:latin typeface="SimHei" panose="02010609060101010101" pitchFamily="49" charset="-122"/>
-                <a:ea typeface="SimHei" panose="02010609060101010101" pitchFamily="49" charset="-122"/>
+                <a:latin typeface="黑体" panose="02010609060101010101" pitchFamily="49" charset="-122"/>
+                <a:ea typeface="黑体" panose="02010609060101010101" pitchFamily="49" charset="-122"/>
               </a:rPr>
               <a:t> 这是</a:t>
             </a:r>
             <a:r>
               <a:rPr kumimoji="1" lang="en-US" altLang="zh-CN" sz="2000" dirty="0">
-                <a:latin typeface="SimHei" panose="02010609060101010101" pitchFamily="49" charset="-122"/>
-                <a:ea typeface="SimHei" panose="02010609060101010101" pitchFamily="49" charset="-122"/>
+                <a:latin typeface="黑体" panose="02010609060101010101" pitchFamily="49" charset="-122"/>
+                <a:ea typeface="黑体" panose="02010609060101010101" pitchFamily="49" charset="-122"/>
               </a:rPr>
               <a:t>CNF</a:t>
             </a:r>
             <a:r>
               <a:rPr kumimoji="1" lang="zh-CN" altLang="en-US" sz="2000" dirty="0">
-                <a:latin typeface="SimHei" panose="02010609060101010101" pitchFamily="49" charset="-122"/>
-                <a:ea typeface="SimHei" panose="02010609060101010101" pitchFamily="49" charset="-122"/>
+                <a:latin typeface="黑体" panose="02010609060101010101" pitchFamily="49" charset="-122"/>
+                <a:ea typeface="黑体" panose="02010609060101010101" pitchFamily="49" charset="-122"/>
               </a:rPr>
               <a:t>吗？ </a:t>
             </a:r>
@@ -12508,8 +12512,8 @@
               <a:solidFill>
                 <a:srgbClr val="C00000"/>
               </a:solidFill>
-              <a:latin typeface="SimHei" panose="02010609060101010101" pitchFamily="49" charset="-122"/>
-              <a:ea typeface="SimHei" panose="02010609060101010101" pitchFamily="49" charset="-122"/>
+              <a:latin typeface="黑体" panose="02010609060101010101" pitchFamily="49" charset="-122"/>
+              <a:ea typeface="黑体" panose="02010609060101010101" pitchFamily="49" charset="-122"/>
             </a:endParaRPr>
           </a:p>
         </p:txBody>
@@ -12538,15 +12542,15 @@
           <a:p>
             <a:r>
               <a:rPr kumimoji="1" lang="en-US" altLang="zh-CN" sz="2000" dirty="0">
-                <a:latin typeface="SimHei" panose="02010609060101010101" pitchFamily="49" charset="-122"/>
-                <a:ea typeface="SimHei" panose="02010609060101010101" pitchFamily="49" charset="-122"/>
+                <a:latin typeface="黑体" panose="02010609060101010101" pitchFamily="49" charset="-122"/>
+                <a:ea typeface="黑体" panose="02010609060101010101" pitchFamily="49" charset="-122"/>
               </a:rPr>
               <a:t>-</a:t>
             </a:r>
             <a:r>
               <a:rPr kumimoji="1" lang="zh-CN" altLang="en-US" sz="2000" dirty="0">
-                <a:latin typeface="SimHei" panose="02010609060101010101" pitchFamily="49" charset="-122"/>
-                <a:ea typeface="SimHei" panose="02010609060101010101" pitchFamily="49" charset="-122"/>
+                <a:latin typeface="黑体" panose="02010609060101010101" pitchFamily="49" charset="-122"/>
+                <a:ea typeface="黑体" panose="02010609060101010101" pitchFamily="49" charset="-122"/>
               </a:rPr>
               <a:t> 或者是 </a:t>
             </a:r>
@@ -12657,8 +12661,8 @@
               <a:solidFill>
                 <a:srgbClr val="C00000"/>
               </a:solidFill>
-              <a:latin typeface="SimHei" panose="02010609060101010101" pitchFamily="49" charset="-122"/>
-              <a:ea typeface="SimHei" panose="02010609060101010101" pitchFamily="49" charset="-122"/>
+              <a:latin typeface="黑体" panose="02010609060101010101" pitchFamily="49" charset="-122"/>
+              <a:ea typeface="黑体" panose="02010609060101010101" pitchFamily="49" charset="-122"/>
             </a:endParaRPr>
           </a:p>
         </p:txBody>
@@ -12687,29 +12691,29 @@
           <a:p>
             <a:r>
               <a:rPr kumimoji="1" lang="en-US" altLang="zh-CN" sz="2000" dirty="0">
-                <a:latin typeface="SimHei" panose="02010609060101010101" pitchFamily="49" charset="-122"/>
-                <a:ea typeface="SimHei" panose="02010609060101010101" pitchFamily="49" charset="-122"/>
+                <a:latin typeface="黑体" panose="02010609060101010101" pitchFamily="49" charset="-122"/>
+                <a:ea typeface="黑体" panose="02010609060101010101" pitchFamily="49" charset="-122"/>
               </a:rPr>
               <a:t>-</a:t>
             </a:r>
             <a:r>
               <a:rPr kumimoji="1" lang="zh-CN" altLang="en-US" sz="2000" dirty="0">
-                <a:latin typeface="SimHei" panose="02010609060101010101" pitchFamily="49" charset="-122"/>
-                <a:ea typeface="SimHei" panose="02010609060101010101" pitchFamily="49" charset="-122"/>
+                <a:latin typeface="黑体" panose="02010609060101010101" pitchFamily="49" charset="-122"/>
+                <a:ea typeface="黑体" panose="02010609060101010101" pitchFamily="49" charset="-122"/>
               </a:rPr>
               <a:t> 那么这是</a:t>
             </a:r>
             <a:r>
               <a:rPr kumimoji="1" lang="en-US" altLang="zh-CN" sz="2000" dirty="0">
-                <a:latin typeface="SimHei" panose="02010609060101010101" pitchFamily="49" charset="-122"/>
-                <a:ea typeface="SimHei" panose="02010609060101010101" pitchFamily="49" charset="-122"/>
+                <a:latin typeface="黑体" panose="02010609060101010101" pitchFamily="49" charset="-122"/>
+                <a:ea typeface="黑体" panose="02010609060101010101" pitchFamily="49" charset="-122"/>
               </a:rPr>
               <a:t>CNF</a:t>
             </a:r>
             <a:r>
               <a:rPr kumimoji="1" lang="zh-CN" altLang="en-US" sz="2000" dirty="0">
-                <a:latin typeface="SimHei" panose="02010609060101010101" pitchFamily="49" charset="-122"/>
-                <a:ea typeface="SimHei" panose="02010609060101010101" pitchFamily="49" charset="-122"/>
+                <a:latin typeface="黑体" panose="02010609060101010101" pitchFamily="49" charset="-122"/>
+                <a:ea typeface="黑体" panose="02010609060101010101" pitchFamily="49" charset="-122"/>
               </a:rPr>
               <a:t>吗？</a:t>
             </a:r>
@@ -12718,8 +12722,8 @@
                 <a:solidFill>
                   <a:srgbClr val="C00000"/>
                 </a:solidFill>
-                <a:latin typeface="SimHei" panose="02010609060101010101" pitchFamily="49" charset="-122"/>
-                <a:ea typeface="SimHei" panose="02010609060101010101" pitchFamily="49" charset="-122"/>
+                <a:latin typeface="黑体" panose="02010609060101010101" pitchFamily="49" charset="-122"/>
+                <a:ea typeface="黑体" panose="02010609060101010101" pitchFamily="49" charset="-122"/>
               </a:rPr>
               <a:t> </a:t>
             </a:r>
@@ -12755,8 +12759,8 @@
               <a:solidFill>
                 <a:srgbClr val="C00000"/>
               </a:solidFill>
-              <a:latin typeface="SimHei" panose="02010609060101010101" pitchFamily="49" charset="-122"/>
-              <a:ea typeface="SimHei" panose="02010609060101010101" pitchFamily="49" charset="-122"/>
+              <a:latin typeface="黑体" panose="02010609060101010101" pitchFamily="49" charset="-122"/>
+              <a:ea typeface="黑体" panose="02010609060101010101" pitchFamily="49" charset="-122"/>
             </a:endParaRPr>
           </a:p>
         </p:txBody>
@@ -12785,15 +12789,15 @@
           <a:p>
             <a:r>
               <a:rPr kumimoji="1" lang="en-US" altLang="zh-CN" sz="2000" dirty="0">
-                <a:latin typeface="SimHei" panose="02010609060101010101" pitchFamily="49" charset="-122"/>
-                <a:ea typeface="SimHei" panose="02010609060101010101" pitchFamily="49" charset="-122"/>
+                <a:latin typeface="黑体" panose="02010609060101010101" pitchFamily="49" charset="-122"/>
+                <a:ea typeface="黑体" panose="02010609060101010101" pitchFamily="49" charset="-122"/>
               </a:rPr>
               <a:t>-</a:t>
             </a:r>
             <a:r>
               <a:rPr kumimoji="1" lang="zh-CN" altLang="en-US" sz="2000" dirty="0">
-                <a:latin typeface="SimHei" panose="02010609060101010101" pitchFamily="49" charset="-122"/>
-                <a:ea typeface="SimHei" panose="02010609060101010101" pitchFamily="49" charset="-122"/>
+                <a:latin typeface="黑体" panose="02010609060101010101" pitchFamily="49" charset="-122"/>
+                <a:ea typeface="黑体" panose="02010609060101010101" pitchFamily="49" charset="-122"/>
               </a:rPr>
               <a:t> 或者是 </a:t>
             </a:r>
@@ -12829,8 +12833,8 @@
               <a:solidFill>
                 <a:srgbClr val="C00000"/>
               </a:solidFill>
-              <a:latin typeface="SimHei" panose="02010609060101010101" pitchFamily="49" charset="-122"/>
-              <a:ea typeface="SimHei" panose="02010609060101010101" pitchFamily="49" charset="-122"/>
+              <a:latin typeface="黑体" panose="02010609060101010101" pitchFamily="49" charset="-122"/>
+              <a:ea typeface="黑体" panose="02010609060101010101" pitchFamily="49" charset="-122"/>
             </a:endParaRPr>
           </a:p>
         </p:txBody>
@@ -13580,7 +13584,7 @@
                   <a:rPr lang="zh-CN" altLang="en-US">
                     <a:noFill/>
                   </a:rPr>
-                  <a:t> </a:t>
+                  <a:t> </a:t>
                 </a:r>
               </a:p>
             </p:txBody>
@@ -13860,7 +13864,7 @@
                   <a:rPr lang="zh-CN" altLang="en-US">
                     <a:noFill/>
                   </a:rPr>
-                  <a:t> </a:t>
+                  <a:t> </a:t>
                 </a:r>
               </a:p>
             </p:txBody>
@@ -14192,7 +14196,7 @@
                   <a:rPr lang="zh-CN" altLang="en-US">
                     <a:noFill/>
                   </a:rPr>
-                  <a:t> </a:t>
+                  <a:t> </a:t>
                 </a:r>
               </a:p>
             </p:txBody>
@@ -14736,7 +14740,7 @@
                   <a:rPr lang="zh-CN" altLang="en-US">
                     <a:noFill/>
                   </a:rPr>
-                  <a:t> </a:t>
+                  <a:t> </a:t>
                 </a:r>
               </a:p>
             </p:txBody>
@@ -14820,7 +14824,7 @@
                   <a:rPr lang="zh-CN" altLang="en-US">
                     <a:noFill/>
                   </a:rPr>
-                  <a:t> </a:t>
+                  <a:t> </a:t>
                 </a:r>
               </a:p>
             </p:txBody>
@@ -15128,7 +15132,7 @@
                     <a:lumOff val="5000"/>
                   </a:schemeClr>
                 </a:solidFill>
-                <a:ea typeface="SimHei" panose="02010609060101010101" pitchFamily="49" charset="-122"/>
+                <a:ea typeface="黑体" panose="02010609060101010101" pitchFamily="49" charset="-122"/>
               </a:rPr>
               <a:t>集合论</a:t>
             </a:r>
@@ -15139,7 +15143,7 @@
                   <a:lumOff val="5000"/>
                 </a:schemeClr>
               </a:solidFill>
-              <a:ea typeface="SimHei" panose="02010609060101010101" pitchFamily="49" charset="-122"/>
+              <a:ea typeface="黑体" panose="02010609060101010101" pitchFamily="49" charset="-122"/>
             </a:endParaRPr>
           </a:p>
         </p:txBody>
@@ -15199,7 +15203,7 @@
                     <a:lumOff val="5000"/>
                   </a:schemeClr>
                 </a:solidFill>
-                <a:ea typeface="SimHei" panose="02010609060101010101" pitchFamily="49" charset="-122"/>
+                <a:ea typeface="黑体" panose="02010609060101010101" pitchFamily="49" charset="-122"/>
               </a:rPr>
               <a:t>计算复杂性理论</a:t>
             </a:r>
@@ -15210,7 +15214,7 @@
                   <a:lumOff val="5000"/>
                 </a:schemeClr>
               </a:solidFill>
-              <a:ea typeface="SimHei" panose="02010609060101010101" pitchFamily="49" charset="-122"/>
+              <a:ea typeface="黑体" panose="02010609060101010101" pitchFamily="49" charset="-122"/>
             </a:endParaRPr>
           </a:p>
         </p:txBody>
@@ -15270,7 +15274,7 @@
                     <a:lumOff val="5000"/>
                   </a:schemeClr>
                 </a:solidFill>
-                <a:ea typeface="SimHei" panose="02010609060101010101" pitchFamily="49" charset="-122"/>
+                <a:ea typeface="黑体" panose="02010609060101010101" pitchFamily="49" charset="-122"/>
               </a:rPr>
               <a:t>形式文法</a:t>
             </a:r>
@@ -15281,7 +15285,7 @@
                   <a:lumOff val="5000"/>
                 </a:schemeClr>
               </a:solidFill>
-              <a:ea typeface="SimHei" panose="02010609060101010101" pitchFamily="49" charset="-122"/>
+              <a:ea typeface="黑体" panose="02010609060101010101" pitchFamily="49" charset="-122"/>
             </a:endParaRPr>
           </a:p>
         </p:txBody>
@@ -15341,7 +15345,7 @@
                     <a:lumOff val="5000"/>
                   </a:schemeClr>
                 </a:solidFill>
-                <a:ea typeface="SimHei" panose="02010609060101010101" pitchFamily="49" charset="-122"/>
+                <a:ea typeface="黑体" panose="02010609060101010101" pitchFamily="49" charset="-122"/>
               </a:rPr>
               <a:t>结构化归纳法</a:t>
             </a:r>
@@ -15352,7 +15356,7 @@
                   <a:lumOff val="5000"/>
                 </a:schemeClr>
               </a:solidFill>
-              <a:ea typeface="SimHei" panose="02010609060101010101" pitchFamily="49" charset="-122"/>
+              <a:ea typeface="黑体" panose="02010609060101010101" pitchFamily="49" charset="-122"/>
             </a:endParaRPr>
           </a:p>
         </p:txBody>
@@ -15523,7 +15527,7 @@
               <a:blipFill rotWithShape="1">
                 <a:blip r:embed="rId1"/>
                 <a:stretch>
-                  <a:fillRect l="-15" t="-117" r="4" b="-2630"/>
+                  <a:fillRect l="-15" t="-117" r="4" b="121"/>
                 </a:stretch>
               </a:blipFill>
             </p:spPr>
@@ -15535,7 +15539,7 @@
                   <a:rPr lang="zh-CN" altLang="en-US">
                     <a:noFill/>
                   </a:rPr>
-                  <a:t> </a:t>
+                  <a:t> </a:t>
                 </a:r>
               </a:p>
             </p:txBody>
@@ -15716,7 +15720,7 @@
               <a:blipFill rotWithShape="1">
                 <a:blip r:embed="rId1"/>
                 <a:stretch>
-                  <a:fillRect l="-15" t="-117" r="4" b="-2630"/>
+                  <a:fillRect l="-15" t="-117" r="4" b="121"/>
                 </a:stretch>
               </a:blipFill>
             </p:spPr>
@@ -15728,7 +15732,7 @@
                   <a:rPr lang="zh-CN" altLang="en-US">
                     <a:noFill/>
                   </a:rPr>
-                  <a:t> </a:t>
+                  <a:t> </a:t>
                 </a:r>
               </a:p>
             </p:txBody>
@@ -16136,7 +16140,7 @@
               <a:blipFill rotWithShape="1">
                 <a:blip r:embed="rId1"/>
                 <a:stretch>
-                  <a:fillRect l="-15" t="-117" r="4" b="-2630"/>
+                  <a:fillRect l="-15" t="-117" r="4" b="121"/>
                 </a:stretch>
               </a:blipFill>
             </p:spPr>
@@ -16148,7 +16152,7 @@
                   <a:rPr lang="zh-CN" altLang="en-US">
                     <a:noFill/>
                   </a:rPr>
-                  <a:t> </a:t>
+                  <a:t> </a:t>
                 </a:r>
               </a:p>
             </p:txBody>
@@ -17535,7 +17539,7 @@
                     <a:lumOff val="5000"/>
                   </a:schemeClr>
                 </a:solidFill>
-                <a:ea typeface="SimHei" panose="02010609060101010101" pitchFamily="49" charset="-122"/>
+                <a:ea typeface="黑体" panose="02010609060101010101" pitchFamily="49" charset="-122"/>
               </a:rPr>
               <a:t>集合论</a:t>
             </a:r>
@@ -17546,7 +17550,7 @@
                   <a:lumOff val="5000"/>
                 </a:schemeClr>
               </a:solidFill>
-              <a:ea typeface="SimHei" panose="02010609060101010101" pitchFamily="49" charset="-122"/>
+              <a:ea typeface="黑体" panose="02010609060101010101" pitchFamily="49" charset="-122"/>
             </a:endParaRPr>
           </a:p>
         </p:txBody>
@@ -17606,7 +17610,7 @@
                     <a:lumOff val="5000"/>
                   </a:schemeClr>
                 </a:solidFill>
-                <a:ea typeface="SimHei" panose="02010609060101010101" pitchFamily="49" charset="-122"/>
+                <a:ea typeface="黑体" panose="02010609060101010101" pitchFamily="49" charset="-122"/>
               </a:rPr>
               <a:t>计算复杂性理论</a:t>
             </a:r>
@@ -17617,7 +17621,7 @@
                   <a:lumOff val="5000"/>
                 </a:schemeClr>
               </a:solidFill>
-              <a:ea typeface="SimHei" panose="02010609060101010101" pitchFamily="49" charset="-122"/>
+              <a:ea typeface="黑体" panose="02010609060101010101" pitchFamily="49" charset="-122"/>
             </a:endParaRPr>
           </a:p>
         </p:txBody>
@@ -17677,7 +17681,7 @@
                     <a:lumOff val="5000"/>
                   </a:schemeClr>
                 </a:solidFill>
-                <a:ea typeface="SimHei" panose="02010609060101010101" pitchFamily="49" charset="-122"/>
+                <a:ea typeface="黑体" panose="02010609060101010101" pitchFamily="49" charset="-122"/>
               </a:rPr>
               <a:t>形式文法</a:t>
             </a:r>
@@ -17688,7 +17692,7 @@
                   <a:lumOff val="5000"/>
                 </a:schemeClr>
               </a:solidFill>
-              <a:ea typeface="SimHei" panose="02010609060101010101" pitchFamily="49" charset="-122"/>
+              <a:ea typeface="黑体" panose="02010609060101010101" pitchFamily="49" charset="-122"/>
             </a:endParaRPr>
           </a:p>
         </p:txBody>
@@ -17748,7 +17752,7 @@
                     <a:lumOff val="5000"/>
                   </a:schemeClr>
                 </a:solidFill>
-                <a:ea typeface="SimHei" panose="02010609060101010101" pitchFamily="49" charset="-122"/>
+                <a:ea typeface="黑体" panose="02010609060101010101" pitchFamily="49" charset="-122"/>
               </a:rPr>
               <a:t>结构化归纳法</a:t>
             </a:r>
@@ -17759,7 +17763,7 @@
                   <a:lumOff val="5000"/>
                 </a:schemeClr>
               </a:solidFill>
-              <a:ea typeface="SimHei" panose="02010609060101010101" pitchFamily="49" charset="-122"/>
+              <a:ea typeface="黑体" panose="02010609060101010101" pitchFamily="49" charset="-122"/>
             </a:endParaRPr>
           </a:p>
         </p:txBody>
@@ -17925,7 +17929,7 @@
                     <a:lumOff val="5000"/>
                   </a:schemeClr>
                 </a:solidFill>
-                <a:ea typeface="SimHei" panose="02010609060101010101" pitchFamily="49" charset="-122"/>
+                <a:ea typeface="黑体" panose="02010609060101010101" pitchFamily="49" charset="-122"/>
               </a:rPr>
               <a:t>命题逻辑（符号系统、证明系统、推导规则）</a:t>
             </a:r>
@@ -17936,7 +17940,7 @@
                   <a:lumOff val="5000"/>
                 </a:schemeClr>
               </a:solidFill>
-              <a:ea typeface="SimHei" panose="02010609060101010101" pitchFamily="49" charset="-122"/>
+              <a:ea typeface="黑体" panose="02010609060101010101" pitchFamily="49" charset="-122"/>
             </a:endParaRPr>
           </a:p>
         </p:txBody>
@@ -17996,7 +18000,7 @@
                     <a:lumOff val="5000"/>
                   </a:schemeClr>
                 </a:solidFill>
-                <a:ea typeface="SimHei" panose="02010609060101010101" pitchFamily="49" charset="-122"/>
+                <a:ea typeface="黑体" panose="02010609060101010101" pitchFamily="49" charset="-122"/>
               </a:rPr>
               <a:t>构造逻辑</a:t>
             </a:r>
@@ -18007,7 +18011,7 @@
                   <a:lumOff val="5000"/>
                 </a:schemeClr>
               </a:solidFill>
-              <a:ea typeface="SimHei" panose="02010609060101010101" pitchFamily="49" charset="-122"/>
+              <a:ea typeface="黑体" panose="02010609060101010101" pitchFamily="49" charset="-122"/>
             </a:endParaRPr>
           </a:p>
         </p:txBody>
@@ -18067,7 +18071,7 @@
                     <a:lumOff val="5000"/>
                   </a:schemeClr>
                 </a:solidFill>
-                <a:ea typeface="SimHei" panose="02010609060101010101" pitchFamily="49" charset="-122"/>
+                <a:ea typeface="黑体" panose="02010609060101010101" pitchFamily="49" charset="-122"/>
               </a:rPr>
               <a:t>谓词逻辑</a:t>
             </a:r>
@@ -18078,7 +18082,7 @@
                   <a:lumOff val="5000"/>
                 </a:schemeClr>
               </a:solidFill>
-              <a:ea typeface="SimHei" panose="02010609060101010101" pitchFamily="49" charset="-122"/>
+              <a:ea typeface="黑体" panose="02010609060101010101" pitchFamily="49" charset="-122"/>
             </a:endParaRPr>
           </a:p>
         </p:txBody>
@@ -18184,7 +18188,7 @@
                     <a:lumOff val="5000"/>
                   </a:schemeClr>
                 </a:solidFill>
-                <a:ea typeface="SimHei" panose="02010609060101010101" pitchFamily="49" charset="-122"/>
+                <a:ea typeface="黑体" panose="02010609060101010101" pitchFamily="49" charset="-122"/>
               </a:rPr>
               <a:t>霍尔逻辑</a:t>
             </a:r>
@@ -18195,7 +18199,7 @@
                   <a:lumOff val="5000"/>
                 </a:schemeClr>
               </a:solidFill>
-              <a:ea typeface="SimHei" panose="02010609060101010101" pitchFamily="49" charset="-122"/>
+              <a:ea typeface="黑体" panose="02010609060101010101" pitchFamily="49" charset="-122"/>
             </a:endParaRPr>
           </a:p>
         </p:txBody>
@@ -18803,7 +18807,7 @@
                   <a:spcBef>
                     <a:spcPts val="1000"/>
                   </a:spcBef>
-                  <a:buFont typeface="Arial" panose="020B0604020202090204" pitchFamily="34" charset="0"/>
+                  <a:buFont typeface="Arial" panose="020B0604020202020204" pitchFamily="34" charset="0"/>
                   <a:buChar char="•"/>
                   <a:defRPr sz="2000" kern="1200">
                     <a:solidFill>
@@ -18824,7 +18828,7 @@
                   <a:spcBef>
                     <a:spcPts val="500"/>
                   </a:spcBef>
-                  <a:buFont typeface="Arial" panose="020B0604020202090204" pitchFamily="34" charset="0"/>
+                  <a:buFont typeface="Arial" panose="020B0604020202020204" pitchFamily="34" charset="0"/>
                   <a:buChar char="•"/>
                   <a:defRPr sz="1800" kern="1200">
                     <a:solidFill>
@@ -18845,7 +18849,7 @@
                   <a:spcBef>
                     <a:spcPts val="500"/>
                   </a:spcBef>
-                  <a:buFont typeface="Arial" panose="020B0604020202090204" pitchFamily="34" charset="0"/>
+                  <a:buFont typeface="Arial" panose="020B0604020202020204" pitchFamily="34" charset="0"/>
                   <a:buChar char="•"/>
                   <a:defRPr sz="1600" kern="1200">
                     <a:solidFill>
@@ -18866,7 +18870,7 @@
                   <a:spcBef>
                     <a:spcPts val="500"/>
                   </a:spcBef>
-                  <a:buFont typeface="Arial" panose="020B0604020202090204" pitchFamily="34" charset="0"/>
+                  <a:buFont typeface="Arial" panose="020B0604020202020204" pitchFamily="34" charset="0"/>
                   <a:buChar char="•"/>
                   <a:defRPr sz="1600" kern="1200">
                     <a:solidFill>
@@ -18887,7 +18891,7 @@
                   <a:spcBef>
                     <a:spcPts val="500"/>
                   </a:spcBef>
-                  <a:buFont typeface="Arial" panose="020B0604020202090204" pitchFamily="34" charset="0"/>
+                  <a:buFont typeface="Arial" panose="020B0604020202020204" pitchFamily="34" charset="0"/>
                   <a:buChar char="•"/>
                   <a:defRPr sz="1600" kern="1200">
                     <a:solidFill>
@@ -18908,7 +18912,7 @@
                   <a:spcBef>
                     <a:spcPts val="500"/>
                   </a:spcBef>
-                  <a:buFont typeface="Arial" panose="020B0604020202090204" pitchFamily="34" charset="0"/>
+                  <a:buFont typeface="Arial" panose="020B0604020202020204" pitchFamily="34" charset="0"/>
                   <a:buChar char="•"/>
                   <a:defRPr sz="1800" kern="1200">
                     <a:solidFill>
@@ -18926,7 +18930,7 @@
                   <a:spcBef>
                     <a:spcPts val="500"/>
                   </a:spcBef>
-                  <a:buFont typeface="Arial" panose="020B0604020202090204" pitchFamily="34" charset="0"/>
+                  <a:buFont typeface="Arial" panose="020B0604020202020204" pitchFamily="34" charset="0"/>
                   <a:buChar char="•"/>
                   <a:defRPr sz="1800" kern="1200">
                     <a:solidFill>
@@ -18944,7 +18948,7 @@
                   <a:spcBef>
                     <a:spcPts val="500"/>
                   </a:spcBef>
-                  <a:buFont typeface="Arial" panose="020B0604020202090204" pitchFamily="34" charset="0"/>
+                  <a:buFont typeface="Arial" panose="020B0604020202020204" pitchFamily="34" charset="0"/>
                   <a:buChar char="•"/>
                   <a:defRPr sz="1800" kern="1200">
                     <a:solidFill>
@@ -18962,7 +18966,7 @@
                   <a:spcBef>
                     <a:spcPts val="500"/>
                   </a:spcBef>
-                  <a:buFont typeface="Arial" panose="020B0604020202090204" pitchFamily="34" charset="0"/>
+                  <a:buFont typeface="Arial" panose="020B0604020202020204" pitchFamily="34" charset="0"/>
                   <a:buChar char="•"/>
                   <a:defRPr sz="1800" kern="1200">
                     <a:solidFill>
@@ -19626,7 +19630,7 @@
               <a:blipFill rotWithShape="1">
                 <a:blip r:embed="rId1"/>
                 <a:stretch>
-                  <a:fillRect l="-4" t="-3" r="4" b="-7902"/>
+                  <a:fillRect l="-4" t="-3" r="4" b="-958"/>
                 </a:stretch>
               </a:blipFill>
             </p:spPr>
@@ -19638,7 +19642,7 @@
                   <a:rPr lang="zh-CN" altLang="en-US">
                     <a:noFill/>
                   </a:rPr>
-                  <a:t> </a:t>
+                  <a:t> </a:t>
                 </a:r>
               </a:p>
             </p:txBody>
@@ -19676,7 +19680,7 @@
                   <a:spcBef>
                     <a:spcPts val="1000"/>
                   </a:spcBef>
-                  <a:buFont typeface="Arial" panose="020B0604020202090204" pitchFamily="34" charset="0"/>
+                  <a:buFont typeface="Arial" panose="020B0604020202020204" pitchFamily="34" charset="0"/>
                   <a:buChar char="•"/>
                   <a:defRPr sz="2000" kern="1200">
                     <a:solidFill>
@@ -19697,7 +19701,7 @@
                   <a:spcBef>
                     <a:spcPts val="500"/>
                   </a:spcBef>
-                  <a:buFont typeface="Arial" panose="020B0604020202090204" pitchFamily="34" charset="0"/>
+                  <a:buFont typeface="Arial" panose="020B0604020202020204" pitchFamily="34" charset="0"/>
                   <a:buChar char="•"/>
                   <a:defRPr sz="1800" kern="1200">
                     <a:solidFill>
@@ -19718,7 +19722,7 @@
                   <a:spcBef>
                     <a:spcPts val="500"/>
                   </a:spcBef>
-                  <a:buFont typeface="Arial" panose="020B0604020202090204" pitchFamily="34" charset="0"/>
+                  <a:buFont typeface="Arial" panose="020B0604020202020204" pitchFamily="34" charset="0"/>
                   <a:buChar char="•"/>
                   <a:defRPr sz="1600" kern="1200">
                     <a:solidFill>
@@ -19739,7 +19743,7 @@
                   <a:spcBef>
                     <a:spcPts val="500"/>
                   </a:spcBef>
-                  <a:buFont typeface="Arial" panose="020B0604020202090204" pitchFamily="34" charset="0"/>
+                  <a:buFont typeface="Arial" panose="020B0604020202020204" pitchFamily="34" charset="0"/>
                   <a:buChar char="•"/>
                   <a:defRPr sz="1600" kern="1200">
                     <a:solidFill>
@@ -19760,7 +19764,7 @@
                   <a:spcBef>
                     <a:spcPts val="500"/>
                   </a:spcBef>
-                  <a:buFont typeface="Arial" panose="020B0604020202090204" pitchFamily="34" charset="0"/>
+                  <a:buFont typeface="Arial" panose="020B0604020202020204" pitchFamily="34" charset="0"/>
                   <a:buChar char="•"/>
                   <a:defRPr sz="1600" kern="1200">
                     <a:solidFill>
@@ -19781,7 +19785,7 @@
                   <a:spcBef>
                     <a:spcPts val="500"/>
                   </a:spcBef>
-                  <a:buFont typeface="Arial" panose="020B0604020202090204" pitchFamily="34" charset="0"/>
+                  <a:buFont typeface="Arial" panose="020B0604020202020204" pitchFamily="34" charset="0"/>
                   <a:buChar char="•"/>
                   <a:defRPr sz="1800" kern="1200">
                     <a:solidFill>
@@ -19799,7 +19803,7 @@
                   <a:spcBef>
                     <a:spcPts val="500"/>
                   </a:spcBef>
-                  <a:buFont typeface="Arial" panose="020B0604020202090204" pitchFamily="34" charset="0"/>
+                  <a:buFont typeface="Arial" panose="020B0604020202020204" pitchFamily="34" charset="0"/>
                   <a:buChar char="•"/>
                   <a:defRPr sz="1800" kern="1200">
                     <a:solidFill>
@@ -19817,7 +19821,7 @@
                   <a:spcBef>
                     <a:spcPts val="500"/>
                   </a:spcBef>
-                  <a:buFont typeface="Arial" panose="020B0604020202090204" pitchFamily="34" charset="0"/>
+                  <a:buFont typeface="Arial" panose="020B0604020202020204" pitchFamily="34" charset="0"/>
                   <a:buChar char="•"/>
                   <a:defRPr sz="1800" kern="1200">
                     <a:solidFill>
@@ -19835,7 +19839,7 @@
                   <a:spcBef>
                     <a:spcPts val="500"/>
                   </a:spcBef>
-                  <a:buFont typeface="Arial" panose="020B0604020202090204" pitchFamily="34" charset="0"/>
+                  <a:buFont typeface="Arial" panose="020B0604020202020204" pitchFamily="34" charset="0"/>
                   <a:buChar char="•"/>
                   <a:defRPr sz="1800" kern="1200">
                     <a:solidFill>
@@ -20075,7 +20079,7 @@
                   <a:rPr lang="zh-CN" altLang="en-US">
                     <a:noFill/>
                   </a:rPr>
-                  <a:t> </a:t>
+                  <a:t> </a:t>
                 </a:r>
               </a:p>
             </p:txBody>
@@ -20235,7 +20239,7 @@
                   <a:rPr lang="zh-CN" altLang="en-US">
                     <a:noFill/>
                   </a:rPr>
-                  <a:t> </a:t>
+                  <a:t> </a:t>
                 </a:r>
               </a:p>
             </p:txBody>
@@ -20343,7 +20347,7 @@
                   <a:rPr lang="zh-CN" altLang="en-US">
                     <a:noFill/>
                   </a:rPr>
-                  <a:t> </a:t>
+                  <a:t> </a:t>
                 </a:r>
               </a:p>
             </p:txBody>
@@ -20468,7 +20472,7 @@
                   <a:rPr lang="zh-CN" altLang="en-US">
                     <a:noFill/>
                   </a:rPr>
-                  <a:t> </a:t>
+                  <a:t> </a:t>
                 </a:r>
               </a:p>
             </p:txBody>
@@ -20607,7 +20611,7 @@
                   <a:rPr lang="zh-CN" altLang="en-US">
                     <a:noFill/>
                   </a:rPr>
-                  <a:t> </a:t>
+                  <a:t> </a:t>
                 </a:r>
               </a:p>
             </p:txBody>
@@ -20712,7 +20716,7 @@
                   <a:rPr lang="zh-CN" altLang="en-US">
                     <a:noFill/>
                   </a:rPr>
-                  <a:t> </a:t>
+                  <a:t> </a:t>
                 </a:r>
               </a:p>
             </p:txBody>
@@ -20830,7 +20834,7 @@
                   <a:rPr lang="zh-CN" altLang="en-US">
                     <a:noFill/>
                   </a:rPr>
-                  <a:t> </a:t>
+                  <a:t> </a:t>
                 </a:r>
               </a:p>
             </p:txBody>
@@ -21074,7 +21078,7 @@
                   <a:rPr lang="zh-CN" altLang="en-US">
                     <a:noFill/>
                   </a:rPr>
-                  <a:t> </a:t>
+                  <a:t> </a:t>
                 </a:r>
               </a:p>
             </p:txBody>
@@ -21199,7 +21203,7 @@
                   <a:rPr lang="zh-CN" altLang="en-US">
                     <a:noFill/>
                   </a:rPr>
-                  <a:t> </a:t>
+                  <a:t> </a:t>
                 </a:r>
               </a:p>
             </p:txBody>
@@ -21307,7 +21311,7 @@
                   <a:rPr lang="zh-CN" altLang="en-US">
                     <a:noFill/>
                   </a:rPr>
-                  <a:t> </a:t>
+                  <a:t> </a:t>
                 </a:r>
               </a:p>
             </p:txBody>
@@ -21432,7 +21436,7 @@
                   <a:rPr lang="zh-CN" altLang="en-US">
                     <a:noFill/>
                   </a:rPr>
-                  <a:t> </a:t>
+                  <a:t> </a:t>
                 </a:r>
               </a:p>
             </p:txBody>
@@ -21561,7 +21565,7 @@
                   <a:rPr lang="zh-CN" altLang="en-US">
                     <a:noFill/>
                   </a:rPr>
-                  <a:t> </a:t>
+                  <a:t> </a:t>
                 </a:r>
               </a:p>
             </p:txBody>
@@ -21662,7 +21666,7 @@
                   <a:rPr lang="zh-CN" altLang="en-US">
                     <a:noFill/>
                   </a:rPr>
-                  <a:t> </a:t>
+                  <a:t> </a:t>
                 </a:r>
               </a:p>
             </p:txBody>
@@ -21767,7 +21771,7 @@
                   <a:rPr lang="zh-CN" altLang="en-US">
                     <a:noFill/>
                   </a:rPr>
-                  <a:t> </a:t>
+                  <a:t> </a:t>
                 </a:r>
               </a:p>
             </p:txBody>
@@ -22086,7 +22090,7 @@
                   <a:rPr lang="zh-CN" altLang="en-US">
                     <a:noFill/>
                   </a:rPr>
-                  <a:t> </a:t>
+                  <a:t> </a:t>
                 </a:r>
               </a:p>
             </p:txBody>
@@ -22189,7 +22193,7 @@
                   <a:rPr lang="zh-CN" altLang="en-US">
                     <a:noFill/>
                   </a:rPr>
-                  <a:t> </a:t>
+                  <a:t> </a:t>
                 </a:r>
               </a:p>
             </p:txBody>
@@ -22366,7 +22370,7 @@
                   <a:rPr lang="zh-CN" altLang="en-US">
                     <a:noFill/>
                   </a:rPr>
-                  <a:t> </a:t>
+                  <a:t> </a:t>
                 </a:r>
               </a:p>
             </p:txBody>
@@ -22469,7 +22473,7 @@
                   <a:rPr lang="zh-CN" altLang="en-US">
                     <a:noFill/>
                   </a:rPr>
-                  <a:t> </a:t>
+                  <a:t> </a:t>
                 </a:r>
               </a:p>
             </p:txBody>
@@ -22694,7 +22698,7 @@
                   <a:rPr lang="zh-CN" altLang="en-US">
                     <a:noFill/>
                   </a:rPr>
-                  <a:t> </a:t>
+                  <a:t> </a:t>
                 </a:r>
               </a:p>
             </p:txBody>
@@ -22927,7 +22931,7 @@
                   <a:rPr lang="zh-CN" altLang="en-US">
                     <a:noFill/>
                   </a:rPr>
-                  <a:t> </a:t>
+                  <a:t> </a:t>
                 </a:r>
               </a:p>
             </p:txBody>
@@ -23174,7 +23178,7 @@
                   <a:rPr lang="zh-CN" altLang="en-US">
                     <a:noFill/>
                   </a:rPr>
-                  <a:t> </a:t>
+                  <a:t> </a:t>
                 </a:r>
               </a:p>
             </p:txBody>
@@ -23424,7 +23428,7 @@
               <a:blipFill rotWithShape="1">
                 <a:blip r:embed="rId7"/>
                 <a:stretch>
-                  <a:fillRect l="-9" t="-86" r="9" b="-6414"/>
+                  <a:fillRect l="-9" t="-86" r="9" b="71"/>
                 </a:stretch>
               </a:blipFill>
             </p:spPr>
@@ -23436,7 +23440,7 @@
                   <a:rPr lang="zh-CN" altLang="en-US">
                     <a:noFill/>
                   </a:rPr>
-                  <a:t> </a:t>
+                  <a:t> </a:t>
                 </a:r>
               </a:p>
             </p:txBody>
@@ -23742,7 +23746,7 @@
               <a:blipFill rotWithShape="1">
                 <a:blip r:embed="rId8"/>
                 <a:stretch>
-                  <a:fillRect t="-60" b="-6440"/>
+                  <a:fillRect t="-60" b="44"/>
                 </a:stretch>
               </a:blipFill>
             </p:spPr>
@@ -23754,7 +23758,7 @@
                   <a:rPr lang="zh-CN" altLang="en-US">
                     <a:noFill/>
                   </a:rPr>
-                  <a:t> </a:t>
+                  <a:t> </a:t>
                 </a:r>
               </a:p>
             </p:txBody>
@@ -24038,7 +24042,7 @@
               <a:blipFill rotWithShape="1">
                 <a:blip r:embed="rId9"/>
                 <a:stretch>
-                  <a:fillRect l="-12" t="-6" r="12" b="-7550"/>
+                  <a:fillRect l="-12" t="-6" r="12" b="90"/>
                 </a:stretch>
               </a:blipFill>
             </p:spPr>
@@ -24050,7 +24054,7 @@
                   <a:rPr lang="zh-CN" altLang="en-US">
                     <a:noFill/>
                   </a:rPr>
-                  <a:t> </a:t>
+                  <a:t> </a:t>
                 </a:r>
               </a:p>
             </p:txBody>
@@ -24260,7 +24264,7 @@
                   <a:rPr lang="zh-CN" altLang="en-US">
                     <a:noFill/>
                   </a:rPr>
-                  <a:t> </a:t>
+                  <a:t> </a:t>
                 </a:r>
               </a:p>
             </p:txBody>
@@ -24365,7 +24369,7 @@
                   <a:rPr lang="zh-CN" altLang="en-US">
                     <a:noFill/>
                   </a:rPr>
-                  <a:t> </a:t>
+                  <a:t> </a:t>
                 </a:r>
               </a:p>
             </p:txBody>
@@ -24636,7 +24640,7 @@
               <a:blipFill rotWithShape="1">
                 <a:blip r:embed="rId12"/>
                 <a:stretch>
-                  <a:fillRect l="-2" t="-93" r="2" b="-6407"/>
+                  <a:fillRect l="-2" t="-93" r="2" b="78"/>
                 </a:stretch>
               </a:blipFill>
             </p:spPr>
@@ -24648,7 +24652,7 @@
                   <a:rPr lang="zh-CN" altLang="en-US">
                     <a:noFill/>
                   </a:rPr>
-                  <a:t> </a:t>
+                  <a:t> </a:t>
                 </a:r>
               </a:p>
             </p:txBody>
@@ -24746,7 +24750,7 @@
                   <a:rPr lang="zh-CN" altLang="en-US">
                     <a:noFill/>
                   </a:rPr>
-                  <a:t> </a:t>
+                  <a:t> </a:t>
                 </a:r>
               </a:p>
             </p:txBody>
@@ -25352,7 +25356,7 @@
                   <a:rPr lang="zh-CN" altLang="en-US">
                     <a:noFill/>
                   </a:rPr>
-                  <a:t> </a:t>
+                  <a:t> </a:t>
                 </a:r>
               </a:p>
             </p:txBody>
@@ -25455,7 +25459,7 @@
                   <a:rPr lang="zh-CN" altLang="en-US">
                     <a:noFill/>
                   </a:rPr>
-                  <a:t> </a:t>
+                  <a:t> </a:t>
                 </a:r>
               </a:p>
             </p:txBody>
@@ -25630,7 +25634,7 @@
                   <a:rPr lang="zh-CN" altLang="en-US">
                     <a:noFill/>
                   </a:rPr>
-                  <a:t> </a:t>
+                  <a:t> </a:t>
                 </a:r>
               </a:p>
             </p:txBody>
@@ -25733,7 +25737,7 @@
                   <a:rPr lang="zh-CN" altLang="en-US">
                     <a:noFill/>
                   </a:rPr>
-                  <a:t> </a:t>
+                  <a:t> </a:t>
                 </a:r>
               </a:p>
             </p:txBody>
@@ -26067,7 +26071,7 @@
                   <a:rPr lang="zh-CN" altLang="en-US">
                     <a:noFill/>
                   </a:rPr>
-                  <a:t> </a:t>
+                  <a:t> </a:t>
                 </a:r>
               </a:p>
             </p:txBody>
@@ -26355,7 +26359,7 @@
                   <a:rPr lang="zh-CN" altLang="en-US">
                     <a:noFill/>
                   </a:rPr>
-                  <a:t> </a:t>
+                  <a:t> </a:t>
                 </a:r>
               </a:p>
             </p:txBody>
@@ -26502,7 +26506,7 @@
                   <a:rPr lang="zh-CN" altLang="en-US">
                     <a:noFill/>
                   </a:rPr>
-                  <a:t> </a:t>
+                  <a:t> </a:t>
                 </a:r>
               </a:p>
             </p:txBody>
@@ -26776,7 +26780,7 @@
                   <a:rPr lang="zh-CN" altLang="en-US">
                     <a:noFill/>
                   </a:rPr>
-                  <a:t> </a:t>
+                  <a:t> </a:t>
                 </a:r>
               </a:p>
             </p:txBody>
@@ -27153,7 +27157,7 @@
               <a:blipFill rotWithShape="1">
                 <a:blip r:embed="rId8"/>
                 <a:stretch>
-                  <a:fillRect l="-6" t="-26" r="9" b="-906"/>
+                  <a:fillRect l="-6" t="-26" r="9" b="25"/>
                 </a:stretch>
               </a:blipFill>
             </p:spPr>
@@ -27165,7 +27169,7 @@
                   <a:rPr lang="zh-CN" altLang="en-US">
                     <a:noFill/>
                   </a:rPr>
-                  <a:t> </a:t>
+                  <a:t> </a:t>
                 </a:r>
               </a:p>
             </p:txBody>
@@ -27496,7 +27500,7 @@
               <a:blipFill rotWithShape="1">
                 <a:blip r:embed="rId9"/>
                 <a:stretch>
-                  <a:fillRect l="-13" t="-34" r="2" b="-898"/>
+                  <a:fillRect l="-13" t="-34" r="2" b="33"/>
                 </a:stretch>
               </a:blipFill>
             </p:spPr>
@@ -27508,7 +27512,7 @@
                   <a:rPr lang="zh-CN" altLang="en-US">
                     <a:noFill/>
                   </a:rPr>
-                  <a:t> </a:t>
+                  <a:t> </a:t>
                 </a:r>
               </a:p>
             </p:txBody>
@@ -27606,7 +27610,7 @@
                   <a:rPr lang="zh-CN" altLang="en-US">
                     <a:noFill/>
                   </a:rPr>
-                  <a:t> </a:t>
+                  <a:t> </a:t>
                 </a:r>
               </a:p>
             </p:txBody>
@@ -27746,7 +27750,7 @@
                   <a:rPr lang="zh-CN" altLang="en-US">
                     <a:noFill/>
                   </a:rPr>
-                  <a:t> </a:t>
+                  <a:t> </a:t>
                 </a:r>
               </a:p>
             </p:txBody>
@@ -28087,7 +28091,7 @@
                   <a:rPr lang="zh-CN" altLang="en-US">
                     <a:noFill/>
                   </a:rPr>
-                  <a:t> </a:t>
+                  <a:t> </a:t>
                 </a:r>
               </a:p>
             </p:txBody>
@@ -28372,7 +28376,7 @@
               <a:blipFill rotWithShape="1">
                 <a:blip r:embed="rId13"/>
                 <a:stretch>
-                  <a:fillRect l="6" t="-56" r="7" b="-876"/>
+                  <a:fillRect l="6" t="-56" r="7" b="55"/>
                 </a:stretch>
               </a:blipFill>
             </p:spPr>
@@ -28384,7 +28388,7 @@
                   <a:rPr lang="zh-CN" altLang="en-US">
                     <a:noFill/>
                   </a:rPr>
-                  <a:t> </a:t>
+                  <a:t> </a:t>
                 </a:r>
               </a:p>
             </p:txBody>
@@ -28777,7 +28781,7 @@
                   <a:rPr lang="zh-CN" altLang="en-US">
                     <a:noFill/>
                   </a:rPr>
-                  <a:t> </a:t>
+                  <a:t> </a:t>
                 </a:r>
               </a:p>
             </p:txBody>
@@ -28880,7 +28884,7 @@
                   <a:rPr lang="zh-CN" altLang="en-US">
                     <a:noFill/>
                   </a:rPr>
-                  <a:t> </a:t>
+                  <a:t> </a:t>
                 </a:r>
               </a:p>
             </p:txBody>
@@ -29055,7 +29059,7 @@
                   <a:rPr lang="zh-CN" altLang="en-US">
                     <a:noFill/>
                   </a:rPr>
-                  <a:t> </a:t>
+                  <a:t> </a:t>
                 </a:r>
               </a:p>
             </p:txBody>
@@ -29188,7 +29192,7 @@
                   <a:rPr lang="zh-CN" altLang="en-US">
                     <a:noFill/>
                   </a:rPr>
-                  <a:t> </a:t>
+                  <a:t> </a:t>
                 </a:r>
               </a:p>
             </p:txBody>
@@ -29487,7 +29491,7 @@
                   <a:rPr lang="zh-CN" altLang="en-US">
                     <a:noFill/>
                   </a:rPr>
-                  <a:t> </a:t>
+                  <a:t> </a:t>
                 </a:r>
               </a:p>
             </p:txBody>
@@ -29775,7 +29779,7 @@
                   <a:rPr lang="zh-CN" altLang="en-US">
                     <a:noFill/>
                   </a:rPr>
-                  <a:t> </a:t>
+                  <a:t> </a:t>
                 </a:r>
               </a:p>
             </p:txBody>
@@ -30060,7 +30064,7 @@
               <a:blipFill rotWithShape="1">
                 <a:blip r:embed="rId6"/>
                 <a:stretch>
-                  <a:fillRect l="5" t="-16" r="11" b="-916"/>
+                  <a:fillRect l="5" t="-16" r="11" b="15"/>
                 </a:stretch>
               </a:blipFill>
             </p:spPr>
@@ -30072,7 +30076,7 @@
                   <a:rPr lang="zh-CN" altLang="en-US">
                     <a:noFill/>
                   </a:rPr>
-                  <a:t> </a:t>
+                  <a:t> </a:t>
                 </a:r>
               </a:p>
             </p:txBody>
@@ -30417,7 +30421,7 @@
               <a:blipFill rotWithShape="1">
                 <a:blip r:embed="rId7"/>
                 <a:stretch>
-                  <a:fillRect l="-7" t="-36" r="10" b="-896"/>
+                  <a:fillRect l="-7" t="-36" r="10" b="35"/>
                 </a:stretch>
               </a:blipFill>
             </p:spPr>
@@ -30429,7 +30433,7 @@
                   <a:rPr lang="zh-CN" altLang="en-US">
                     <a:noFill/>
                   </a:rPr>
-                  <a:t> </a:t>
+                  <a:t> </a:t>
                 </a:r>
               </a:p>
             </p:txBody>
@@ -30534,7 +30538,7 @@
                   <a:rPr lang="zh-CN" altLang="en-US">
                     <a:noFill/>
                   </a:rPr>
-                  <a:t> </a:t>
+                  <a:t> </a:t>
                 </a:r>
               </a:p>
             </p:txBody>
@@ -30681,7 +30685,7 @@
                   <a:rPr lang="zh-CN" altLang="en-US">
                     <a:noFill/>
                   </a:rPr>
-                  <a:t> </a:t>
+                  <a:t> </a:t>
                 </a:r>
               </a:p>
             </p:txBody>
@@ -31012,7 +31016,7 @@
               <a:blipFill rotWithShape="1">
                 <a:blip r:embed="rId10"/>
                 <a:stretch>
-                  <a:fillRect t="-11" r="3" b="-921"/>
+                  <a:fillRect t="-11" r="3" b="10"/>
                 </a:stretch>
               </a:blipFill>
             </p:spPr>
@@ -31024,7 +31028,7 @@
                   <a:rPr lang="zh-CN" altLang="en-US">
                     <a:noFill/>
                   </a:rPr>
-                  <a:t> </a:t>
+                  <a:t> </a:t>
                 </a:r>
               </a:p>
             </p:txBody>
@@ -31164,7 +31168,7 @@
                   <a:rPr lang="zh-CN" altLang="en-US">
                     <a:noFill/>
                   </a:rPr>
-                  <a:t> </a:t>
+                  <a:t> </a:t>
                 </a:r>
               </a:p>
             </p:txBody>
@@ -31534,7 +31538,7 @@
               <a:blipFill rotWithShape="1">
                 <a:blip r:embed="rId12"/>
                 <a:stretch>
-                  <a:fillRect l="-6" t="-51" r="8" b="-881"/>
+                  <a:fillRect l="-6" t="-51" r="8" b="50"/>
                 </a:stretch>
               </a:blipFill>
             </p:spPr>
@@ -31546,7 +31550,7 @@
                   <a:rPr lang="zh-CN" altLang="en-US">
                     <a:noFill/>
                   </a:rPr>
-                  <a:t> </a:t>
+                  <a:t> </a:t>
                 </a:r>
               </a:p>
             </p:txBody>
@@ -31877,7 +31881,7 @@
               <a:blipFill rotWithShape="1">
                 <a:blip r:embed="rId13"/>
                 <a:stretch>
-                  <a:fillRect l="-10" t="-10" r="12" b="-923"/>
+                  <a:fillRect l="-10" t="-10" r="12" b="9"/>
                 </a:stretch>
               </a:blipFill>
             </p:spPr>
@@ -31889,7 +31893,7 @@
                   <a:rPr lang="zh-CN" altLang="en-US">
                     <a:noFill/>
                   </a:rPr>
-                  <a:t> </a:t>
+                  <a:t> </a:t>
                 </a:r>
               </a:p>
             </p:txBody>
@@ -32057,7 +32061,7 @@
                     <a:lumOff val="5000"/>
                   </a:schemeClr>
                 </a:solidFill>
-                <a:ea typeface="SimHei" panose="02010609060101010101" pitchFamily="49" charset="-122"/>
+                <a:ea typeface="黑体" panose="02010609060101010101" pitchFamily="49" charset="-122"/>
               </a:rPr>
               <a:t>集合论</a:t>
             </a:r>
@@ -32068,7 +32072,7 @@
                   <a:lumOff val="5000"/>
                 </a:schemeClr>
               </a:solidFill>
-              <a:ea typeface="SimHei" panose="02010609060101010101" pitchFamily="49" charset="-122"/>
+              <a:ea typeface="黑体" panose="02010609060101010101" pitchFamily="49" charset="-122"/>
             </a:endParaRPr>
           </a:p>
         </p:txBody>
@@ -32128,7 +32132,7 @@
                     <a:lumOff val="5000"/>
                   </a:schemeClr>
                 </a:solidFill>
-                <a:ea typeface="SimHei" panose="02010609060101010101" pitchFamily="49" charset="-122"/>
+                <a:ea typeface="黑体" panose="02010609060101010101" pitchFamily="49" charset="-122"/>
               </a:rPr>
               <a:t>计算复杂性理论</a:t>
             </a:r>
@@ -32139,7 +32143,7 @@
                   <a:lumOff val="5000"/>
                 </a:schemeClr>
               </a:solidFill>
-              <a:ea typeface="SimHei" panose="02010609060101010101" pitchFamily="49" charset="-122"/>
+              <a:ea typeface="黑体" panose="02010609060101010101" pitchFamily="49" charset="-122"/>
             </a:endParaRPr>
           </a:p>
         </p:txBody>
@@ -32199,7 +32203,7 @@
                     <a:lumOff val="5000"/>
                   </a:schemeClr>
                 </a:solidFill>
-                <a:ea typeface="SimHei" panose="02010609060101010101" pitchFamily="49" charset="-122"/>
+                <a:ea typeface="黑体" panose="02010609060101010101" pitchFamily="49" charset="-122"/>
               </a:rPr>
               <a:t>形式文法</a:t>
             </a:r>
@@ -32210,7 +32214,7 @@
                   <a:lumOff val="5000"/>
                 </a:schemeClr>
               </a:solidFill>
-              <a:ea typeface="SimHei" panose="02010609060101010101" pitchFamily="49" charset="-122"/>
+              <a:ea typeface="黑体" panose="02010609060101010101" pitchFamily="49" charset="-122"/>
             </a:endParaRPr>
           </a:p>
         </p:txBody>
@@ -32270,7 +32274,7 @@
                     <a:lumOff val="5000"/>
                   </a:schemeClr>
                 </a:solidFill>
-                <a:ea typeface="SimHei" panose="02010609060101010101" pitchFamily="49" charset="-122"/>
+                <a:ea typeface="黑体" panose="02010609060101010101" pitchFamily="49" charset="-122"/>
               </a:rPr>
               <a:t>结构化归纳法</a:t>
             </a:r>
@@ -32281,7 +32285,7 @@
                   <a:lumOff val="5000"/>
                 </a:schemeClr>
               </a:solidFill>
-              <a:ea typeface="SimHei" panose="02010609060101010101" pitchFamily="49" charset="-122"/>
+              <a:ea typeface="黑体" panose="02010609060101010101" pitchFamily="49" charset="-122"/>
             </a:endParaRPr>
           </a:p>
         </p:txBody>
@@ -32447,7 +32451,7 @@
                     <a:lumOff val="5000"/>
                   </a:schemeClr>
                 </a:solidFill>
-                <a:ea typeface="SimHei" panose="02010609060101010101" pitchFamily="49" charset="-122"/>
+                <a:ea typeface="黑体" panose="02010609060101010101" pitchFamily="49" charset="-122"/>
               </a:rPr>
               <a:t>命题逻辑（符号系统、证明系统、推导规则）</a:t>
             </a:r>
@@ -32458,7 +32462,7 @@
                   <a:lumOff val="5000"/>
                 </a:schemeClr>
               </a:solidFill>
-              <a:ea typeface="SimHei" panose="02010609060101010101" pitchFamily="49" charset="-122"/>
+              <a:ea typeface="黑体" panose="02010609060101010101" pitchFamily="49" charset="-122"/>
             </a:endParaRPr>
           </a:p>
         </p:txBody>
@@ -32518,7 +32522,7 @@
                     <a:lumOff val="5000"/>
                   </a:schemeClr>
                 </a:solidFill>
-                <a:ea typeface="SimHei" panose="02010609060101010101" pitchFamily="49" charset="-122"/>
+                <a:ea typeface="黑体" panose="02010609060101010101" pitchFamily="49" charset="-122"/>
               </a:rPr>
               <a:t>构造逻辑</a:t>
             </a:r>
@@ -32529,7 +32533,7 @@
                   <a:lumOff val="5000"/>
                 </a:schemeClr>
               </a:solidFill>
-              <a:ea typeface="SimHei" panose="02010609060101010101" pitchFamily="49" charset="-122"/>
+              <a:ea typeface="黑体" panose="02010609060101010101" pitchFamily="49" charset="-122"/>
             </a:endParaRPr>
           </a:p>
         </p:txBody>
@@ -32589,7 +32593,7 @@
                     <a:lumOff val="5000"/>
                   </a:schemeClr>
                 </a:solidFill>
-                <a:ea typeface="SimHei" panose="02010609060101010101" pitchFamily="49" charset="-122"/>
+                <a:ea typeface="黑体" panose="02010609060101010101" pitchFamily="49" charset="-122"/>
               </a:rPr>
               <a:t>谓词逻辑</a:t>
             </a:r>
@@ -32600,7 +32604,7 @@
                   <a:lumOff val="5000"/>
                 </a:schemeClr>
               </a:solidFill>
-              <a:ea typeface="SimHei" panose="02010609060101010101" pitchFamily="49" charset="-122"/>
+              <a:ea typeface="黑体" panose="02010609060101010101" pitchFamily="49" charset="-122"/>
             </a:endParaRPr>
           </a:p>
         </p:txBody>
@@ -32706,7 +32710,7 @@
                     <a:lumOff val="5000"/>
                   </a:schemeClr>
                 </a:solidFill>
-                <a:ea typeface="SimHei" panose="02010609060101010101" pitchFamily="49" charset="-122"/>
+                <a:ea typeface="黑体" panose="02010609060101010101" pitchFamily="49" charset="-122"/>
               </a:rPr>
               <a:t>霍尔逻辑</a:t>
             </a:r>
@@ -32717,7 +32721,7 @@
                   <a:lumOff val="5000"/>
                 </a:schemeClr>
               </a:solidFill>
-              <a:ea typeface="SimHei" panose="02010609060101010101" pitchFamily="49" charset="-122"/>
+              <a:ea typeface="黑体" panose="02010609060101010101" pitchFamily="49" charset="-122"/>
             </a:endParaRPr>
           </a:p>
         </p:txBody>
@@ -32837,7 +32841,7 @@
                     <a:lumOff val="5000"/>
                   </a:schemeClr>
                 </a:solidFill>
-                <a:ea typeface="SimHei" panose="02010609060101010101" pitchFamily="49" charset="-122"/>
+                <a:ea typeface="黑体" panose="02010609060101010101" pitchFamily="49" charset="-122"/>
               </a:rPr>
               <a:t>SAT</a:t>
             </a:r>
@@ -32848,7 +32852,7 @@
                   <a:lumOff val="5000"/>
                 </a:schemeClr>
               </a:solidFill>
-              <a:ea typeface="SimHei" panose="02010609060101010101" pitchFamily="49" charset="-122"/>
+              <a:ea typeface="黑体" panose="02010609060101010101" pitchFamily="49" charset="-122"/>
             </a:endParaRPr>
           </a:p>
         </p:txBody>
@@ -32908,7 +32912,7 @@
                     <a:lumOff val="5000"/>
                   </a:schemeClr>
                 </a:solidFill>
-                <a:ea typeface="SimHei" panose="02010609060101010101" pitchFamily="49" charset="-122"/>
+                <a:ea typeface="黑体" panose="02010609060101010101" pitchFamily="49" charset="-122"/>
               </a:rPr>
               <a:t>Theory</a:t>
             </a:r>
@@ -32919,7 +32923,7 @@
                   <a:lumOff val="5000"/>
                 </a:schemeClr>
               </a:solidFill>
-              <a:ea typeface="SimHei" panose="02010609060101010101" pitchFamily="49" charset="-122"/>
+              <a:ea typeface="黑体" panose="02010609060101010101" pitchFamily="49" charset="-122"/>
             </a:endParaRPr>
           </a:p>
           <a:p>
@@ -32931,7 +32935,7 @@
                   <a:lumOff val="5000"/>
                 </a:schemeClr>
               </a:solidFill>
-              <a:ea typeface="SimHei" panose="02010609060101010101" pitchFamily="49" charset="-122"/>
+              <a:ea typeface="黑体" panose="02010609060101010101" pitchFamily="49" charset="-122"/>
             </a:endParaRPr>
           </a:p>
           <a:p>
@@ -32943,7 +32947,7 @@
                   <a:lumOff val="5000"/>
                 </a:schemeClr>
               </a:solidFill>
-              <a:ea typeface="SimHei" panose="02010609060101010101" pitchFamily="49" charset="-122"/>
+              <a:ea typeface="黑体" panose="02010609060101010101" pitchFamily="49" charset="-122"/>
             </a:endParaRPr>
           </a:p>
         </p:txBody>
@@ -33058,7 +33062,7 @@
                     <a:lumMod val="95000"/>
                   </a:schemeClr>
                 </a:solidFill>
-                <a:ea typeface="SimHei" panose="02010609060101010101" pitchFamily="49" charset="-122"/>
+                <a:ea typeface="黑体" panose="02010609060101010101" pitchFamily="49" charset="-122"/>
               </a:rPr>
               <a:t>EUF</a:t>
             </a:r>
@@ -33068,7 +33072,7 @@
                   <a:lumMod val="95000"/>
                 </a:schemeClr>
               </a:solidFill>
-              <a:ea typeface="SimHei" panose="02010609060101010101" pitchFamily="49" charset="-122"/>
+              <a:ea typeface="黑体" panose="02010609060101010101" pitchFamily="49" charset="-122"/>
             </a:endParaRPr>
           </a:p>
         </p:txBody>
@@ -33126,7 +33130,7 @@
                     <a:lumMod val="95000"/>
                   </a:schemeClr>
                 </a:solidFill>
-                <a:ea typeface="SimHei" panose="02010609060101010101" pitchFamily="49" charset="-122"/>
+                <a:ea typeface="黑体" panose="02010609060101010101" pitchFamily="49" charset="-122"/>
               </a:rPr>
               <a:t>LA</a:t>
             </a:r>
@@ -33136,7 +33140,7 @@
                   <a:lumMod val="95000"/>
                 </a:schemeClr>
               </a:solidFill>
-              <a:ea typeface="SimHei" panose="02010609060101010101" pitchFamily="49" charset="-122"/>
+              <a:ea typeface="黑体" panose="02010609060101010101" pitchFamily="49" charset="-122"/>
             </a:endParaRPr>
           </a:p>
         </p:txBody>
@@ -33194,7 +33198,7 @@
                     <a:lumMod val="95000"/>
                   </a:schemeClr>
                 </a:solidFill>
-                <a:ea typeface="SimHei" panose="02010609060101010101" pitchFamily="49" charset="-122"/>
+                <a:ea typeface="黑体" panose="02010609060101010101" pitchFamily="49" charset="-122"/>
               </a:rPr>
               <a:t>Bit Vector</a:t>
             </a:r>
@@ -33204,7 +33208,7 @@
                   <a:lumMod val="95000"/>
                 </a:schemeClr>
               </a:solidFill>
-              <a:ea typeface="SimHei" panose="02010609060101010101" pitchFamily="49" charset="-122"/>
+              <a:ea typeface="黑体" panose="02010609060101010101" pitchFamily="49" charset="-122"/>
             </a:endParaRPr>
           </a:p>
         </p:txBody>
@@ -33262,7 +33266,7 @@
                     <a:lumMod val="95000"/>
                   </a:schemeClr>
                 </a:solidFill>
-                <a:ea typeface="SimHei" panose="02010609060101010101" pitchFamily="49" charset="-122"/>
+                <a:ea typeface="黑体" panose="02010609060101010101" pitchFamily="49" charset="-122"/>
               </a:rPr>
               <a:t>Arrays</a:t>
             </a:r>
@@ -33272,7 +33276,7 @@
                   <a:lumMod val="95000"/>
                 </a:schemeClr>
               </a:solidFill>
-              <a:ea typeface="SimHei" panose="02010609060101010101" pitchFamily="49" charset="-122"/>
+              <a:ea typeface="黑体" panose="02010609060101010101" pitchFamily="49" charset="-122"/>
             </a:endParaRPr>
           </a:p>
         </p:txBody>
@@ -33330,7 +33334,7 @@
                     <a:lumMod val="95000"/>
                   </a:schemeClr>
                 </a:solidFill>
-                <a:ea typeface="SimHei" panose="02010609060101010101" pitchFamily="49" charset="-122"/>
+                <a:ea typeface="黑体" panose="02010609060101010101" pitchFamily="49" charset="-122"/>
               </a:rPr>
               <a:t>Pointer</a:t>
             </a:r>
@@ -33340,7 +33344,7 @@
                   <a:lumMod val="95000"/>
                 </a:schemeClr>
               </a:solidFill>
-              <a:ea typeface="SimHei" panose="02010609060101010101" pitchFamily="49" charset="-122"/>
+              <a:ea typeface="黑体" panose="02010609060101010101" pitchFamily="49" charset="-122"/>
             </a:endParaRPr>
           </a:p>
         </p:txBody>
@@ -33401,7 +33405,7 @@
                   <a:lumMod val="95000"/>
                 </a:schemeClr>
               </a:solidFill>
-              <a:ea typeface="SimHei" panose="02010609060101010101" pitchFamily="49" charset="-122"/>
+              <a:ea typeface="黑体" panose="02010609060101010101" pitchFamily="49" charset="-122"/>
             </a:endParaRPr>
           </a:p>
         </p:txBody>
@@ -33487,14 +33491,14 @@
             </a:pPr>
             <a:r>
               <a:rPr kumimoji="1" lang="zh-CN" altLang="en-US" sz="2000" dirty="0">
-                <a:latin typeface="SimHei" panose="02010609060101010101" pitchFamily="49" charset="-122"/>
-                <a:ea typeface="SimHei" panose="02010609060101010101" pitchFamily="49" charset="-122"/>
+                <a:latin typeface="黑体" panose="02010609060101010101" pitchFamily="49" charset="-122"/>
+                <a:ea typeface="黑体" panose="02010609060101010101" pitchFamily="49" charset="-122"/>
               </a:rPr>
               <a:t>自由变量：作用域内使用却未在该作用域内定义的变量</a:t>
             </a:r>
             <a:endParaRPr kumimoji="1" lang="en-US" altLang="zh-CN" sz="2000" dirty="0">
-              <a:latin typeface="SimHei" panose="02010609060101010101" pitchFamily="49" charset="-122"/>
-              <a:ea typeface="SimHei" panose="02010609060101010101" pitchFamily="49" charset="-122"/>
+              <a:latin typeface="黑体" panose="02010609060101010101" pitchFamily="49" charset="-122"/>
+              <a:ea typeface="黑体" panose="02010609060101010101" pitchFamily="49" charset="-122"/>
             </a:endParaRPr>
           </a:p>
           <a:p>
@@ -33503,8 +33507,8 @@
               <a:buChar char="-"/>
             </a:pPr>
             <a:endParaRPr kumimoji="1" lang="en-US" altLang="zh-CN" sz="2000" dirty="0">
-              <a:latin typeface="SimHei" panose="02010609060101010101" pitchFamily="49" charset="-122"/>
-              <a:ea typeface="SimHei" panose="02010609060101010101" pitchFamily="49" charset="-122"/>
+              <a:latin typeface="黑体" panose="02010609060101010101" pitchFamily="49" charset="-122"/>
+              <a:ea typeface="黑体" panose="02010609060101010101" pitchFamily="49" charset="-122"/>
             </a:endParaRPr>
           </a:p>
           <a:p>
@@ -33514,14 +33518,14 @@
             </a:pPr>
             <a:r>
               <a:rPr kumimoji="1" lang="zh-CN" altLang="en-US" sz="2000" dirty="0">
-                <a:latin typeface="SimHei" panose="02010609060101010101" pitchFamily="49" charset="-122"/>
-                <a:ea typeface="SimHei" panose="02010609060101010101" pitchFamily="49" charset="-122"/>
+                <a:latin typeface="黑体" panose="02010609060101010101" pitchFamily="49" charset="-122"/>
+                <a:ea typeface="黑体" panose="02010609060101010101" pitchFamily="49" charset="-122"/>
               </a:rPr>
               <a:t>绑定变量：作用域内定义的变量</a:t>
             </a:r>
             <a:endParaRPr kumimoji="1" lang="en-US" altLang="zh-CN" sz="2000" dirty="0">
-              <a:latin typeface="SimHei" panose="02010609060101010101" pitchFamily="49" charset="-122"/>
-              <a:ea typeface="SimHei" panose="02010609060101010101" pitchFamily="49" charset="-122"/>
+              <a:latin typeface="黑体" panose="02010609060101010101" pitchFamily="49" charset="-122"/>
+              <a:ea typeface="黑体" panose="02010609060101010101" pitchFamily="49" charset="-122"/>
             </a:endParaRPr>
           </a:p>
           <a:p>
@@ -33530,8 +33534,8 @@
               <a:buChar char="-"/>
             </a:pPr>
             <a:endParaRPr kumimoji="1" lang="en-US" altLang="zh-CN" sz="2000" dirty="0">
-              <a:latin typeface="SimHei" panose="02010609060101010101" pitchFamily="49" charset="-122"/>
-              <a:ea typeface="SimHei" panose="02010609060101010101" pitchFamily="49" charset="-122"/>
+              <a:latin typeface="黑体" panose="02010609060101010101" pitchFamily="49" charset="-122"/>
+              <a:ea typeface="黑体" panose="02010609060101010101" pitchFamily="49" charset="-122"/>
             </a:endParaRPr>
           </a:p>
           <a:p>
@@ -33541,14 +33545,14 @@
             </a:pPr>
             <a:r>
               <a:rPr kumimoji="1" lang="zh-CN" altLang="en-US" sz="2000" dirty="0">
-                <a:latin typeface="SimHei" panose="02010609060101010101" pitchFamily="49" charset="-122"/>
-                <a:ea typeface="SimHei" panose="02010609060101010101" pitchFamily="49" charset="-122"/>
+                <a:latin typeface="黑体" panose="02010609060101010101" pitchFamily="49" charset="-122"/>
+                <a:ea typeface="黑体" panose="02010609060101010101" pitchFamily="49" charset="-122"/>
               </a:rPr>
               <a:t>绑定：自由变量被转换为绑定变量 </a:t>
             </a:r>
             <a:endParaRPr kumimoji="1" lang="en-US" altLang="zh-CN" sz="2000" dirty="0">
-              <a:latin typeface="SimHei" panose="02010609060101010101" pitchFamily="49" charset="-122"/>
-              <a:ea typeface="SimHei" panose="02010609060101010101" pitchFamily="49" charset="-122"/>
+              <a:latin typeface="黑体" panose="02010609060101010101" pitchFamily="49" charset="-122"/>
+              <a:ea typeface="黑体" panose="02010609060101010101" pitchFamily="49" charset="-122"/>
             </a:endParaRPr>
           </a:p>
           <a:p>
@@ -33557,8 +33561,8 @@
               <a:buChar char="-"/>
             </a:pPr>
             <a:endParaRPr kumimoji="1" lang="en-US" altLang="zh-CN" sz="2000" dirty="0">
-              <a:latin typeface="SimHei" panose="02010609060101010101" pitchFamily="49" charset="-122"/>
-              <a:ea typeface="SimHei" panose="02010609060101010101" pitchFamily="49" charset="-122"/>
+              <a:latin typeface="黑体" panose="02010609060101010101" pitchFamily="49" charset="-122"/>
+              <a:ea typeface="黑体" panose="02010609060101010101" pitchFamily="49" charset="-122"/>
             </a:endParaRPr>
           </a:p>
           <a:p>
@@ -33568,14 +33572,14 @@
             </a:pPr>
             <a:r>
               <a:rPr kumimoji="1" lang="zh-CN" altLang="en-US" sz="2000" dirty="0">
-                <a:latin typeface="SimHei" panose="02010609060101010101" pitchFamily="49" charset="-122"/>
-                <a:ea typeface="SimHei" panose="02010609060101010101" pitchFamily="49" charset="-122"/>
+                <a:latin typeface="黑体" panose="02010609060101010101" pitchFamily="49" charset="-122"/>
+                <a:ea typeface="黑体" panose="02010609060101010101" pitchFamily="49" charset="-122"/>
               </a:rPr>
               <a:t>替换：作用域内的变量被替换成表达式</a:t>
             </a:r>
             <a:endParaRPr kumimoji="1" lang="en-US" altLang="zh-CN" sz="2000" dirty="0">
-              <a:latin typeface="SimHei" panose="02010609060101010101" pitchFamily="49" charset="-122"/>
-              <a:ea typeface="SimHei" panose="02010609060101010101" pitchFamily="49" charset="-122"/>
+              <a:latin typeface="黑体" panose="02010609060101010101" pitchFamily="49" charset="-122"/>
+              <a:ea typeface="黑体" panose="02010609060101010101" pitchFamily="49" charset="-122"/>
             </a:endParaRPr>
           </a:p>
           <a:p>
@@ -33584,8 +33588,8 @@
               <a:buChar char="-"/>
             </a:pPr>
             <a:endParaRPr kumimoji="1" lang="en-US" altLang="zh-CN" sz="2000" dirty="0">
-              <a:latin typeface="SimHei" panose="02010609060101010101" pitchFamily="49" charset="-122"/>
-              <a:ea typeface="SimHei" panose="02010609060101010101" pitchFamily="49" charset="-122"/>
+              <a:latin typeface="黑体" panose="02010609060101010101" pitchFamily="49" charset="-122"/>
+              <a:ea typeface="黑体" panose="02010609060101010101" pitchFamily="49" charset="-122"/>
             </a:endParaRPr>
           </a:p>
           <a:p>
@@ -33595,14 +33599,14 @@
             </a:pPr>
             <a:r>
               <a:rPr kumimoji="1" lang="zh-CN" altLang="en-US" sz="2000" dirty="0">
-                <a:latin typeface="SimHei" panose="02010609060101010101" pitchFamily="49" charset="-122"/>
-                <a:ea typeface="SimHei" panose="02010609060101010101" pitchFamily="49" charset="-122"/>
+                <a:latin typeface="黑体" panose="02010609060101010101" pitchFamily="49" charset="-122"/>
+                <a:ea typeface="黑体" panose="02010609060101010101" pitchFamily="49" charset="-122"/>
               </a:rPr>
               <a:t>捕获：做变量替换时表达式中有变量与作用域内变量重名</a:t>
             </a:r>
             <a:endParaRPr kumimoji="1" lang="en-US" altLang="zh-CN" sz="2000" dirty="0">
-              <a:latin typeface="SimHei" panose="02010609060101010101" pitchFamily="49" charset="-122"/>
-              <a:ea typeface="SimHei" panose="02010609060101010101" pitchFamily="49" charset="-122"/>
+              <a:latin typeface="黑体" panose="02010609060101010101" pitchFamily="49" charset="-122"/>
+              <a:ea typeface="黑体" panose="02010609060101010101" pitchFamily="49" charset="-122"/>
             </a:endParaRPr>
           </a:p>
         </p:txBody>
@@ -33632,6 +33636,30 @@
           <a:chExt cx="0" cy="0"/>
         </a:xfrm>
       </p:grpSpPr>
+      <p:pic>
+        <p:nvPicPr>
+          <p:cNvPr id="4" name="图片 3" descr="微信图片_20211213175017"/>
+          <p:cNvPicPr>
+            <a:picLocks noChangeAspect="1"/>
+          </p:cNvPicPr>
+          <p:nvPr/>
+        </p:nvPicPr>
+        <p:blipFill>
+          <a:blip r:embed="rId1"/>
+          <a:stretch>
+            <a:fillRect/>
+          </a:stretch>
+        </p:blipFill>
+        <p:spPr>
+          <a:xfrm>
+            <a:off x="796290" y="1480820"/>
+            <a:ext cx="3490595" cy="5132705"/>
+          </a:xfrm>
+          <a:prstGeom prst="rect">
+            <a:avLst/>
+          </a:prstGeom>
+        </p:spPr>
+      </p:pic>
       <p:sp>
         <p:nvSpPr>
           <p:cNvPr id="2" name="Title 1"/>
@@ -33668,30 +33696,6 @@
           </a:p>
         </p:txBody>
       </p:sp>
-      <p:pic>
-        <p:nvPicPr>
-          <p:cNvPr id="3" name="图片 2"/>
-          <p:cNvPicPr>
-            <a:picLocks noChangeAspect="1"/>
-          </p:cNvPicPr>
-          <p:nvPr/>
-        </p:nvPicPr>
-        <p:blipFill>
-          <a:blip r:embed="rId1"/>
-          <a:stretch>
-            <a:fillRect/>
-          </a:stretch>
-        </p:blipFill>
-        <p:spPr>
-          <a:xfrm>
-            <a:off x="552611" y="1480641"/>
-            <a:ext cx="3898900" cy="5257800"/>
-          </a:xfrm>
-          <a:prstGeom prst="rect">
-            <a:avLst/>
-          </a:prstGeom>
-        </p:spPr>
-      </p:pic>
       <p:pic>
         <p:nvPicPr>
           <p:cNvPr id="5" name="图片 4"/>
@@ -35412,15 +35416,15 @@
           <a:p>
             <a:r>
               <a:rPr kumimoji="1" lang="en-US" altLang="zh-CN" sz="2000" dirty="0">
-                <a:latin typeface="SimHei" panose="02010609060101010101" pitchFamily="49" charset="-122"/>
-                <a:ea typeface="SimHei" panose="02010609060101010101" pitchFamily="49" charset="-122"/>
+                <a:latin typeface="黑体" panose="02010609060101010101" pitchFamily="49" charset="-122"/>
+                <a:ea typeface="黑体" panose="02010609060101010101" pitchFamily="49" charset="-122"/>
               </a:rPr>
               <a:t>- </a:t>
             </a:r>
             <a:r>
               <a:rPr kumimoji="1" lang="zh-CN" altLang="en-US" sz="2000" dirty="0">
-                <a:latin typeface="SimHei" panose="02010609060101010101" pitchFamily="49" charset="-122"/>
-                <a:ea typeface="SimHei" panose="02010609060101010101" pitchFamily="49" charset="-122"/>
+                <a:latin typeface="黑体" panose="02010609060101010101" pitchFamily="49" charset="-122"/>
+                <a:ea typeface="黑体" panose="02010609060101010101" pitchFamily="49" charset="-122"/>
               </a:rPr>
               <a:t>什么是未解释函数？</a:t>
             </a:r>
@@ -35428,8 +35432,8 @@
               <a:solidFill>
                 <a:srgbClr val="C00000"/>
               </a:solidFill>
-              <a:latin typeface="SimHei" panose="02010609060101010101" pitchFamily="49" charset="-122"/>
-              <a:ea typeface="SimHei" panose="02010609060101010101" pitchFamily="49" charset="-122"/>
+              <a:latin typeface="黑体" panose="02010609060101010101" pitchFamily="49" charset="-122"/>
+              <a:ea typeface="黑体" panose="02010609060101010101" pitchFamily="49" charset="-122"/>
             </a:endParaRPr>
           </a:p>
         </p:txBody>
@@ -35693,7 +35697,7 @@
                   <a:rPr lang="zh-CN" altLang="en-US">
                     <a:noFill/>
                   </a:rPr>
-                  <a:t> </a:t>
+                  <a:t> </a:t>
                 </a:r>
               </a:p>
             </p:txBody>
@@ -35749,7 +35753,7 @@
                           <a:latin typeface="Cambria Math" panose="02040503050406030204" pitchFamily="18" charset="0"/>
                           <a:ea typeface="Cambria Math" panose="02040503050406030204" pitchFamily="18" charset="0"/>
                         </a:rPr>
-                        <m:t>r</m:t>
+                        <m:t>𝑟</m:t>
                       </m:r>
                       <m:r>
                         <a:rPr kumimoji="1" lang="en-US" altLang="zh-CN" b="0" i="1" smtClean="0">
@@ -35805,7 +35809,7 @@
                   <a:rPr lang="zh-CN" altLang="en-US">
                     <a:noFill/>
                   </a:rPr>
-                  <a:t> </a:t>
+                  <a:t> </a:t>
                 </a:r>
               </a:p>
             </p:txBody>
@@ -35924,7 +35928,7 @@
                   <a:rPr lang="zh-CN" altLang="en-US">
                     <a:noFill/>
                   </a:rPr>
-                  <a:t> </a:t>
+                  <a:t> </a:t>
                 </a:r>
               </a:p>
             </p:txBody>
@@ -36036,7 +36040,7 @@
                   <a:rPr lang="zh-CN" altLang="en-US">
                     <a:noFill/>
                   </a:rPr>
-                  <a:t> </a:t>
+                  <a:t> </a:t>
                 </a:r>
               </a:p>
             </p:txBody>
@@ -36120,7 +36124,7 @@
                   <a:rPr lang="zh-CN" altLang="en-US">
                     <a:noFill/>
                   </a:rPr>
-                  <a:t> </a:t>
+                  <a:t> </a:t>
                 </a:r>
               </a:p>
             </p:txBody>
@@ -36318,7 +36322,7 @@
                     <a:lumOff val="5000"/>
                   </a:schemeClr>
                 </a:solidFill>
-                <a:ea typeface="SimHei" panose="02010609060101010101" pitchFamily="49" charset="-122"/>
+                <a:ea typeface="黑体" panose="02010609060101010101" pitchFamily="49" charset="-122"/>
               </a:rPr>
               <a:t>集合论</a:t>
             </a:r>
@@ -36329,7 +36333,7 @@
                   <a:lumOff val="5000"/>
                 </a:schemeClr>
               </a:solidFill>
-              <a:ea typeface="SimHei" panose="02010609060101010101" pitchFamily="49" charset="-122"/>
+              <a:ea typeface="黑体" panose="02010609060101010101" pitchFamily="49" charset="-122"/>
             </a:endParaRPr>
           </a:p>
         </p:txBody>
@@ -36389,7 +36393,7 @@
                     <a:lumOff val="5000"/>
                   </a:schemeClr>
                 </a:solidFill>
-                <a:ea typeface="SimHei" panose="02010609060101010101" pitchFamily="49" charset="-122"/>
+                <a:ea typeface="黑体" panose="02010609060101010101" pitchFamily="49" charset="-122"/>
               </a:rPr>
               <a:t>计算复杂性理论</a:t>
             </a:r>
@@ -36400,7 +36404,7 @@
                   <a:lumOff val="5000"/>
                 </a:schemeClr>
               </a:solidFill>
-              <a:ea typeface="SimHei" panose="02010609060101010101" pitchFamily="49" charset="-122"/>
+              <a:ea typeface="黑体" panose="02010609060101010101" pitchFamily="49" charset="-122"/>
             </a:endParaRPr>
           </a:p>
         </p:txBody>
@@ -36460,7 +36464,7 @@
                     <a:lumOff val="5000"/>
                   </a:schemeClr>
                 </a:solidFill>
-                <a:ea typeface="SimHei" panose="02010609060101010101" pitchFamily="49" charset="-122"/>
+                <a:ea typeface="黑体" panose="02010609060101010101" pitchFamily="49" charset="-122"/>
               </a:rPr>
               <a:t>形式文法</a:t>
             </a:r>
@@ -36471,7 +36475,7 @@
                   <a:lumOff val="5000"/>
                 </a:schemeClr>
               </a:solidFill>
-              <a:ea typeface="SimHei" panose="02010609060101010101" pitchFamily="49" charset="-122"/>
+              <a:ea typeface="黑体" panose="02010609060101010101" pitchFamily="49" charset="-122"/>
             </a:endParaRPr>
           </a:p>
         </p:txBody>
@@ -36531,7 +36535,7 @@
                     <a:lumOff val="5000"/>
                   </a:schemeClr>
                 </a:solidFill>
-                <a:ea typeface="SimHei" panose="02010609060101010101" pitchFamily="49" charset="-122"/>
+                <a:ea typeface="黑体" panose="02010609060101010101" pitchFamily="49" charset="-122"/>
               </a:rPr>
               <a:t>结构化归纳法</a:t>
             </a:r>
@@ -36542,7 +36546,7 @@
                   <a:lumOff val="5000"/>
                 </a:schemeClr>
               </a:solidFill>
-              <a:ea typeface="SimHei" panose="02010609060101010101" pitchFamily="49" charset="-122"/>
+              <a:ea typeface="黑体" panose="02010609060101010101" pitchFamily="49" charset="-122"/>
             </a:endParaRPr>
           </a:p>
         </p:txBody>
@@ -36708,7 +36712,7 @@
                     <a:lumOff val="5000"/>
                   </a:schemeClr>
                 </a:solidFill>
-                <a:ea typeface="SimHei" panose="02010609060101010101" pitchFamily="49" charset="-122"/>
+                <a:ea typeface="黑体" panose="02010609060101010101" pitchFamily="49" charset="-122"/>
               </a:rPr>
               <a:t>命题逻辑（符号系统、证明系统、推导规则）</a:t>
             </a:r>
@@ -36719,7 +36723,7 @@
                   <a:lumOff val="5000"/>
                 </a:schemeClr>
               </a:solidFill>
-              <a:ea typeface="SimHei" panose="02010609060101010101" pitchFamily="49" charset="-122"/>
+              <a:ea typeface="黑体" panose="02010609060101010101" pitchFamily="49" charset="-122"/>
             </a:endParaRPr>
           </a:p>
         </p:txBody>
@@ -36779,7 +36783,7 @@
                     <a:lumOff val="5000"/>
                   </a:schemeClr>
                 </a:solidFill>
-                <a:ea typeface="SimHei" panose="02010609060101010101" pitchFamily="49" charset="-122"/>
+                <a:ea typeface="黑体" panose="02010609060101010101" pitchFamily="49" charset="-122"/>
               </a:rPr>
               <a:t>构造逻辑</a:t>
             </a:r>
@@ -36790,7 +36794,7 @@
                   <a:lumOff val="5000"/>
                 </a:schemeClr>
               </a:solidFill>
-              <a:ea typeface="SimHei" panose="02010609060101010101" pitchFamily="49" charset="-122"/>
+              <a:ea typeface="黑体" panose="02010609060101010101" pitchFamily="49" charset="-122"/>
             </a:endParaRPr>
           </a:p>
         </p:txBody>
@@ -36850,7 +36854,7 @@
                     <a:lumOff val="5000"/>
                   </a:schemeClr>
                 </a:solidFill>
-                <a:ea typeface="SimHei" panose="02010609060101010101" pitchFamily="49" charset="-122"/>
+                <a:ea typeface="黑体" panose="02010609060101010101" pitchFamily="49" charset="-122"/>
               </a:rPr>
               <a:t>谓词逻辑</a:t>
             </a:r>
@@ -36861,7 +36865,7 @@
                   <a:lumOff val="5000"/>
                 </a:schemeClr>
               </a:solidFill>
-              <a:ea typeface="SimHei" panose="02010609060101010101" pitchFamily="49" charset="-122"/>
+              <a:ea typeface="黑体" panose="02010609060101010101" pitchFamily="49" charset="-122"/>
             </a:endParaRPr>
           </a:p>
         </p:txBody>
@@ -36967,7 +36971,7 @@
                     <a:lumOff val="5000"/>
                   </a:schemeClr>
                 </a:solidFill>
-                <a:ea typeface="SimHei" panose="02010609060101010101" pitchFamily="49" charset="-122"/>
+                <a:ea typeface="黑体" panose="02010609060101010101" pitchFamily="49" charset="-122"/>
               </a:rPr>
               <a:t>霍尔逻辑</a:t>
             </a:r>
@@ -36978,7 +36982,7 @@
                   <a:lumOff val="5000"/>
                 </a:schemeClr>
               </a:solidFill>
-              <a:ea typeface="SimHei" panose="02010609060101010101" pitchFamily="49" charset="-122"/>
+              <a:ea typeface="黑体" panose="02010609060101010101" pitchFamily="49" charset="-122"/>
             </a:endParaRPr>
           </a:p>
         </p:txBody>
@@ -37098,7 +37102,7 @@
                     <a:lumOff val="5000"/>
                   </a:schemeClr>
                 </a:solidFill>
-                <a:ea typeface="SimHei" panose="02010609060101010101" pitchFamily="49" charset="-122"/>
+                <a:ea typeface="黑体" panose="02010609060101010101" pitchFamily="49" charset="-122"/>
               </a:rPr>
               <a:t>SAT</a:t>
             </a:r>
@@ -37109,7 +37113,7 @@
                   <a:lumOff val="5000"/>
                 </a:schemeClr>
               </a:solidFill>
-              <a:ea typeface="SimHei" panose="02010609060101010101" pitchFamily="49" charset="-122"/>
+              <a:ea typeface="黑体" panose="02010609060101010101" pitchFamily="49" charset="-122"/>
             </a:endParaRPr>
           </a:p>
         </p:txBody>
@@ -37168,7 +37172,7 @@
                     <a:lumMod val="50000"/>
                   </a:schemeClr>
                 </a:solidFill>
-                <a:ea typeface="SimHei" panose="02010609060101010101" pitchFamily="49" charset="-122"/>
+                <a:ea typeface="黑体" panose="02010609060101010101" pitchFamily="49" charset="-122"/>
               </a:rPr>
               <a:t>Theory</a:t>
             </a:r>
@@ -37178,7 +37182,7 @@
                   <a:lumMod val="50000"/>
                 </a:schemeClr>
               </a:solidFill>
-              <a:ea typeface="SimHei" panose="02010609060101010101" pitchFamily="49" charset="-122"/>
+              <a:ea typeface="黑体" panose="02010609060101010101" pitchFamily="49" charset="-122"/>
             </a:endParaRPr>
           </a:p>
           <a:p>
@@ -37190,7 +37194,7 @@
                   <a:lumOff val="5000"/>
                 </a:schemeClr>
               </a:solidFill>
-              <a:ea typeface="SimHei" panose="02010609060101010101" pitchFamily="49" charset="-122"/>
+              <a:ea typeface="黑体" panose="02010609060101010101" pitchFamily="49" charset="-122"/>
             </a:endParaRPr>
           </a:p>
           <a:p>
@@ -37202,7 +37206,7 @@
                   <a:lumOff val="5000"/>
                 </a:schemeClr>
               </a:solidFill>
-              <a:ea typeface="SimHei" panose="02010609060101010101" pitchFamily="49" charset="-122"/>
+              <a:ea typeface="黑体" panose="02010609060101010101" pitchFamily="49" charset="-122"/>
             </a:endParaRPr>
           </a:p>
         </p:txBody>
@@ -37306,7 +37310,7 @@
                     <a:lumMod val="95000"/>
                   </a:schemeClr>
                 </a:solidFill>
-                <a:ea typeface="SimHei" panose="02010609060101010101" pitchFamily="49" charset="-122"/>
+                <a:ea typeface="黑体" panose="02010609060101010101" pitchFamily="49" charset="-122"/>
               </a:rPr>
               <a:t>EUF</a:t>
             </a:r>
@@ -37316,7 +37320,7 @@
                   <a:lumMod val="95000"/>
                 </a:schemeClr>
               </a:solidFill>
-              <a:ea typeface="SimHei" panose="02010609060101010101" pitchFamily="49" charset="-122"/>
+              <a:ea typeface="黑体" panose="02010609060101010101" pitchFamily="49" charset="-122"/>
             </a:endParaRPr>
           </a:p>
         </p:txBody>
@@ -37374,7 +37378,7 @@
                     <a:lumMod val="95000"/>
                   </a:schemeClr>
                 </a:solidFill>
-                <a:ea typeface="SimHei" panose="02010609060101010101" pitchFamily="49" charset="-122"/>
+                <a:ea typeface="黑体" panose="02010609060101010101" pitchFamily="49" charset="-122"/>
               </a:rPr>
               <a:t>LA</a:t>
             </a:r>
@@ -37384,7 +37388,7 @@
                   <a:lumMod val="95000"/>
                 </a:schemeClr>
               </a:solidFill>
-              <a:ea typeface="SimHei" panose="02010609060101010101" pitchFamily="49" charset="-122"/>
+              <a:ea typeface="黑体" panose="02010609060101010101" pitchFamily="49" charset="-122"/>
             </a:endParaRPr>
           </a:p>
         </p:txBody>
@@ -37442,7 +37446,7 @@
                     <a:lumMod val="95000"/>
                   </a:schemeClr>
                 </a:solidFill>
-                <a:ea typeface="SimHei" panose="02010609060101010101" pitchFamily="49" charset="-122"/>
+                <a:ea typeface="黑体" panose="02010609060101010101" pitchFamily="49" charset="-122"/>
               </a:rPr>
               <a:t>Bit Vector</a:t>
             </a:r>
@@ -37452,7 +37456,7 @@
                   <a:lumMod val="95000"/>
                 </a:schemeClr>
               </a:solidFill>
-              <a:ea typeface="SimHei" panose="02010609060101010101" pitchFamily="49" charset="-122"/>
+              <a:ea typeface="黑体" panose="02010609060101010101" pitchFamily="49" charset="-122"/>
             </a:endParaRPr>
           </a:p>
         </p:txBody>
@@ -37510,7 +37514,7 @@
                     <a:lumMod val="95000"/>
                   </a:schemeClr>
                 </a:solidFill>
-                <a:ea typeface="SimHei" panose="02010609060101010101" pitchFamily="49" charset="-122"/>
+                <a:ea typeface="黑体" panose="02010609060101010101" pitchFamily="49" charset="-122"/>
               </a:rPr>
               <a:t>Arrays</a:t>
             </a:r>
@@ -37520,7 +37524,7 @@
                   <a:lumMod val="95000"/>
                 </a:schemeClr>
               </a:solidFill>
-              <a:ea typeface="SimHei" panose="02010609060101010101" pitchFamily="49" charset="-122"/>
+              <a:ea typeface="黑体" panose="02010609060101010101" pitchFamily="49" charset="-122"/>
             </a:endParaRPr>
           </a:p>
         </p:txBody>
@@ -37578,7 +37582,7 @@
                     <a:lumMod val="95000"/>
                   </a:schemeClr>
                 </a:solidFill>
-                <a:ea typeface="SimHei" panose="02010609060101010101" pitchFamily="49" charset="-122"/>
+                <a:ea typeface="黑体" panose="02010609060101010101" pitchFamily="49" charset="-122"/>
               </a:rPr>
               <a:t>Pointer</a:t>
             </a:r>
@@ -37588,7 +37592,7 @@
                   <a:lumMod val="95000"/>
                 </a:schemeClr>
               </a:solidFill>
-              <a:ea typeface="SimHei" panose="02010609060101010101" pitchFamily="49" charset="-122"/>
+              <a:ea typeface="黑体" panose="02010609060101010101" pitchFamily="49" charset="-122"/>
             </a:endParaRPr>
           </a:p>
         </p:txBody>
@@ -37649,7 +37653,7 @@
                   <a:lumMod val="95000"/>
                 </a:schemeClr>
               </a:solidFill>
-              <a:ea typeface="SimHei" panose="02010609060101010101" pitchFamily="49" charset="-122"/>
+              <a:ea typeface="黑体" panose="02010609060101010101" pitchFamily="49" charset="-122"/>
             </a:endParaRPr>
           </a:p>
         </p:txBody>
@@ -37769,7 +37773,7 @@
                     <a:lumOff val="5000"/>
                   </a:schemeClr>
                 </a:solidFill>
-                <a:ea typeface="SimHei" panose="02010609060101010101" pitchFamily="49" charset="-122"/>
+                <a:ea typeface="黑体" panose="02010609060101010101" pitchFamily="49" charset="-122"/>
               </a:rPr>
               <a:t>符号执行</a:t>
             </a:r>
@@ -37781,7 +37785,7 @@
                     <a:lumOff val="5000"/>
                   </a:schemeClr>
                 </a:solidFill>
-                <a:ea typeface="SimHei" panose="02010609060101010101" pitchFamily="49" charset="-122"/>
+                <a:ea typeface="黑体" panose="02010609060101010101" pitchFamily="49" charset="-122"/>
               </a:rPr>
               <a:t>/</a:t>
             </a:r>
@@ -37793,7 +37797,7 @@
                     <a:lumOff val="5000"/>
                   </a:schemeClr>
                 </a:solidFill>
-                <a:ea typeface="SimHei" panose="02010609060101010101" pitchFamily="49" charset="-122"/>
+                <a:ea typeface="黑体" panose="02010609060101010101" pitchFamily="49" charset="-122"/>
               </a:rPr>
               <a:t>混合执行</a:t>
             </a:r>
@@ -37804,7 +37808,7 @@
                   <a:lumOff val="5000"/>
                 </a:schemeClr>
               </a:solidFill>
-              <a:ea typeface="SimHei" panose="02010609060101010101" pitchFamily="49" charset="-122"/>
+              <a:ea typeface="黑体" panose="02010609060101010101" pitchFamily="49" charset="-122"/>
             </a:endParaRPr>
           </a:p>
         </p:txBody>
@@ -37910,7 +37914,7 @@
                     <a:lumOff val="5000"/>
                   </a:schemeClr>
                 </a:solidFill>
-                <a:ea typeface="SimHei" panose="02010609060101010101" pitchFamily="49" charset="-122"/>
+                <a:ea typeface="黑体" panose="02010609060101010101" pitchFamily="49" charset="-122"/>
               </a:rPr>
               <a:t>程序验证</a:t>
             </a:r>
@@ -37921,7 +37925,7 @@
                   <a:lumOff val="5000"/>
                 </a:schemeClr>
               </a:solidFill>
-              <a:ea typeface="SimHei" panose="02010609060101010101" pitchFamily="49" charset="-122"/>
+              <a:ea typeface="黑体" panose="02010609060101010101" pitchFamily="49" charset="-122"/>
             </a:endParaRPr>
           </a:p>
         </p:txBody>
@@ -37981,7 +37985,7 @@
                     <a:lumOff val="5000"/>
                   </a:schemeClr>
                 </a:solidFill>
-                <a:ea typeface="SimHei" panose="02010609060101010101" pitchFamily="49" charset="-122"/>
+                <a:ea typeface="黑体" panose="02010609060101010101" pitchFamily="49" charset="-122"/>
               </a:rPr>
               <a:t>程序分析</a:t>
             </a:r>
@@ -37992,7 +37996,7 @@
                   <a:lumOff val="5000"/>
                 </a:schemeClr>
               </a:solidFill>
-              <a:ea typeface="SimHei" panose="02010609060101010101" pitchFamily="49" charset="-122"/>
+              <a:ea typeface="黑体" panose="02010609060101010101" pitchFamily="49" charset="-122"/>
             </a:endParaRPr>
           </a:p>
         </p:txBody>
@@ -38052,7 +38056,7 @@
                     <a:lumOff val="5000"/>
                   </a:schemeClr>
                 </a:solidFill>
-                <a:ea typeface="SimHei" panose="02010609060101010101" pitchFamily="49" charset="-122"/>
+                <a:ea typeface="黑体" panose="02010609060101010101" pitchFamily="49" charset="-122"/>
               </a:rPr>
               <a:t>程序合成</a:t>
             </a:r>
@@ -38063,7 +38067,7 @@
                   <a:lumOff val="5000"/>
                 </a:schemeClr>
               </a:solidFill>
-              <a:ea typeface="SimHei" panose="02010609060101010101" pitchFamily="49" charset="-122"/>
+              <a:ea typeface="黑体" panose="02010609060101010101" pitchFamily="49" charset="-122"/>
             </a:endParaRPr>
           </a:p>
         </p:txBody>
@@ -38144,8 +38148,8 @@
                 <a:solidFill>
                   <a:srgbClr val="0432FF"/>
                 </a:solidFill>
-                <a:latin typeface="Courier New" panose="02070409020205090404" pitchFamily="49" charset="0"/>
-                <a:cs typeface="Courier New" panose="02070409020205090404" pitchFamily="49" charset="0"/>
+                <a:latin typeface="Courier New" panose="02070309020205020404" pitchFamily="49" charset="0"/>
+                <a:cs typeface="Courier New" panose="02070309020205020404" pitchFamily="49" charset="0"/>
               </a:rPr>
               <a:t>int</a:t>
             </a:r>
@@ -38154,8 +38158,8 @@
                 <a:solidFill>
                   <a:srgbClr val="0432FF"/>
                 </a:solidFill>
-                <a:latin typeface="Courier New" panose="02070409020205090404" pitchFamily="49" charset="0"/>
-                <a:cs typeface="Courier New" panose="02070409020205090404" pitchFamily="49" charset="0"/>
+                <a:latin typeface="Courier New" panose="02070309020205020404" pitchFamily="49" charset="0"/>
+                <a:cs typeface="Courier New" panose="02070309020205020404" pitchFamily="49" charset="0"/>
               </a:rPr>
               <a:t> power3(</a:t>
             </a:r>
@@ -38164,8 +38168,8 @@
                 <a:solidFill>
                   <a:srgbClr val="0432FF"/>
                 </a:solidFill>
-                <a:latin typeface="Courier New" panose="02070409020205090404" pitchFamily="49" charset="0"/>
-                <a:cs typeface="Courier New" panose="02070409020205090404" pitchFamily="49" charset="0"/>
+                <a:latin typeface="Courier New" panose="02070309020205020404" pitchFamily="49" charset="0"/>
+                <a:cs typeface="Courier New" panose="02070309020205020404" pitchFamily="49" charset="0"/>
               </a:rPr>
               <a:t>int</a:t>
             </a:r>
@@ -38174,8 +38178,8 @@
                 <a:solidFill>
                   <a:srgbClr val="0432FF"/>
                 </a:solidFill>
-                <a:latin typeface="Courier New" panose="02070409020205090404" pitchFamily="49" charset="0"/>
-                <a:cs typeface="Courier New" panose="02070409020205090404" pitchFamily="49" charset="0"/>
+                <a:latin typeface="Courier New" panose="02070309020205020404" pitchFamily="49" charset="0"/>
+                <a:cs typeface="Courier New" panose="02070309020205020404" pitchFamily="49" charset="0"/>
               </a:rPr>
               <a:t> in){</a:t>
             </a:r>
@@ -38183,8 +38187,8 @@
               <a:solidFill>
                 <a:srgbClr val="0432FF"/>
               </a:solidFill>
-              <a:latin typeface="Courier New" panose="02070409020205090404" pitchFamily="49" charset="0"/>
-              <a:cs typeface="Courier New" panose="02070409020205090404" pitchFamily="49" charset="0"/>
+              <a:latin typeface="Courier New" panose="02070309020205020404" pitchFamily="49" charset="0"/>
+              <a:cs typeface="Courier New" panose="02070309020205020404" pitchFamily="49" charset="0"/>
             </a:endParaRPr>
           </a:p>
           <a:p>
@@ -38196,8 +38200,8 @@
                 <a:solidFill>
                   <a:srgbClr val="0432FF"/>
                 </a:solidFill>
-                <a:latin typeface="Courier New" panose="02070409020205090404" pitchFamily="49" charset="0"/>
-                <a:cs typeface="Courier New" panose="02070409020205090404" pitchFamily="49" charset="0"/>
+                <a:latin typeface="Courier New" panose="02070309020205020404" pitchFamily="49" charset="0"/>
+                <a:cs typeface="Courier New" panose="02070309020205020404" pitchFamily="49" charset="0"/>
               </a:rPr>
               <a:t>  </a:t>
             </a:r>
@@ -38206,8 +38210,8 @@
                 <a:solidFill>
                   <a:srgbClr val="0432FF"/>
                 </a:solidFill>
-                <a:latin typeface="Courier New" panose="02070409020205090404" pitchFamily="49" charset="0"/>
-                <a:cs typeface="Courier New" panose="02070409020205090404" pitchFamily="49" charset="0"/>
+                <a:latin typeface="Courier New" panose="02070309020205020404" pitchFamily="49" charset="0"/>
+                <a:cs typeface="Courier New" panose="02070309020205020404" pitchFamily="49" charset="0"/>
               </a:rPr>
               <a:t>int</a:t>
             </a:r>
@@ -38216,8 +38220,8 @@
                 <a:solidFill>
                   <a:srgbClr val="0432FF"/>
                 </a:solidFill>
-                <a:latin typeface="Courier New" panose="02070409020205090404" pitchFamily="49" charset="0"/>
-                <a:cs typeface="Courier New" panose="02070409020205090404" pitchFamily="49" charset="0"/>
+                <a:latin typeface="Courier New" panose="02070309020205020404" pitchFamily="49" charset="0"/>
+                <a:cs typeface="Courier New" panose="02070309020205020404" pitchFamily="49" charset="0"/>
               </a:rPr>
               <a:t> </a:t>
             </a:r>
@@ -38226,8 +38230,8 @@
                 <a:solidFill>
                   <a:srgbClr val="0432FF"/>
                 </a:solidFill>
-                <a:latin typeface="Courier New" panose="02070409020205090404" pitchFamily="49" charset="0"/>
-                <a:cs typeface="Courier New" panose="02070409020205090404" pitchFamily="49" charset="0"/>
+                <a:latin typeface="Courier New" panose="02070309020205020404" pitchFamily="49" charset="0"/>
+                <a:cs typeface="Courier New" panose="02070309020205020404" pitchFamily="49" charset="0"/>
               </a:rPr>
               <a:t>i</a:t>
             </a:r>
@@ -38236,8 +38240,8 @@
                 <a:solidFill>
                   <a:srgbClr val="0432FF"/>
                 </a:solidFill>
-                <a:latin typeface="Courier New" panose="02070409020205090404" pitchFamily="49" charset="0"/>
-                <a:cs typeface="Courier New" panose="02070409020205090404" pitchFamily="49" charset="0"/>
+                <a:latin typeface="Courier New" panose="02070309020205020404" pitchFamily="49" charset="0"/>
+                <a:cs typeface="Courier New" panose="02070309020205020404" pitchFamily="49" charset="0"/>
               </a:rPr>
               <a:t>, </a:t>
             </a:r>
@@ -38246,8 +38250,8 @@
                 <a:solidFill>
                   <a:srgbClr val="0432FF"/>
                 </a:solidFill>
-                <a:latin typeface="Courier New" panose="02070409020205090404" pitchFamily="49" charset="0"/>
-                <a:cs typeface="Courier New" panose="02070409020205090404" pitchFamily="49" charset="0"/>
+                <a:latin typeface="Courier New" panose="02070309020205020404" pitchFamily="49" charset="0"/>
+                <a:cs typeface="Courier New" panose="02070309020205020404" pitchFamily="49" charset="0"/>
               </a:rPr>
               <a:t>out_a</a:t>
             </a:r>
@@ -38256,8 +38260,8 @@
                 <a:solidFill>
                   <a:srgbClr val="0432FF"/>
                 </a:solidFill>
-                <a:latin typeface="Courier New" panose="02070409020205090404" pitchFamily="49" charset="0"/>
-                <a:cs typeface="Courier New" panose="02070409020205090404" pitchFamily="49" charset="0"/>
+                <a:latin typeface="Courier New" panose="02070309020205020404" pitchFamily="49" charset="0"/>
+                <a:cs typeface="Courier New" panose="02070309020205020404" pitchFamily="49" charset="0"/>
               </a:rPr>
               <a:t>;</a:t>
             </a:r>
@@ -38265,8 +38269,8 @@
               <a:solidFill>
                 <a:srgbClr val="0432FF"/>
               </a:solidFill>
-              <a:latin typeface="Courier New" panose="02070409020205090404" pitchFamily="49" charset="0"/>
-              <a:cs typeface="Courier New" panose="02070409020205090404" pitchFamily="49" charset="0"/>
+              <a:latin typeface="Courier New" panose="02070309020205020404" pitchFamily="49" charset="0"/>
+              <a:cs typeface="Courier New" panose="02070309020205020404" pitchFamily="49" charset="0"/>
             </a:endParaRPr>
           </a:p>
           <a:p>
@@ -38278,8 +38282,8 @@
                 <a:solidFill>
                   <a:srgbClr val="0432FF"/>
                 </a:solidFill>
-                <a:latin typeface="Courier New" panose="02070409020205090404" pitchFamily="49" charset="0"/>
-                <a:cs typeface="Courier New" panose="02070409020205090404" pitchFamily="49" charset="0"/>
+                <a:latin typeface="Courier New" panose="02070309020205020404" pitchFamily="49" charset="0"/>
+                <a:cs typeface="Courier New" panose="02070309020205020404" pitchFamily="49" charset="0"/>
               </a:rPr>
               <a:t>  </a:t>
             </a:r>
@@ -38288,8 +38292,8 @@
                 <a:solidFill>
                   <a:srgbClr val="0432FF"/>
                 </a:solidFill>
-                <a:latin typeface="Courier New" panose="02070409020205090404" pitchFamily="49" charset="0"/>
-                <a:cs typeface="Courier New" panose="02070409020205090404" pitchFamily="49" charset="0"/>
+                <a:latin typeface="Courier New" panose="02070309020205020404" pitchFamily="49" charset="0"/>
+                <a:cs typeface="Courier New" panose="02070309020205020404" pitchFamily="49" charset="0"/>
               </a:rPr>
               <a:t>out_a</a:t>
             </a:r>
@@ -38298,8 +38302,8 @@
                 <a:solidFill>
                   <a:srgbClr val="0432FF"/>
                 </a:solidFill>
-                <a:latin typeface="Courier New" panose="02070409020205090404" pitchFamily="49" charset="0"/>
-                <a:cs typeface="Courier New" panose="02070409020205090404" pitchFamily="49" charset="0"/>
+                <a:latin typeface="Courier New" panose="02070309020205020404" pitchFamily="49" charset="0"/>
+                <a:cs typeface="Courier New" panose="02070309020205020404" pitchFamily="49" charset="0"/>
               </a:rPr>
               <a:t> = in;</a:t>
             </a:r>
@@ -38307,8 +38311,8 @@
               <a:solidFill>
                 <a:srgbClr val="0432FF"/>
               </a:solidFill>
-              <a:latin typeface="Courier New" panose="02070409020205090404" pitchFamily="49" charset="0"/>
-              <a:cs typeface="Courier New" panose="02070409020205090404" pitchFamily="49" charset="0"/>
+              <a:latin typeface="Courier New" panose="02070309020205020404" pitchFamily="49" charset="0"/>
+              <a:cs typeface="Courier New" panose="02070309020205020404" pitchFamily="49" charset="0"/>
             </a:endParaRPr>
           </a:p>
           <a:p>
@@ -38320,8 +38324,8 @@
                 <a:solidFill>
                   <a:srgbClr val="0432FF"/>
                 </a:solidFill>
-                <a:latin typeface="Courier New" panose="02070409020205090404" pitchFamily="49" charset="0"/>
-                <a:cs typeface="Courier New" panose="02070409020205090404" pitchFamily="49" charset="0"/>
+                <a:latin typeface="Courier New" panose="02070309020205020404" pitchFamily="49" charset="0"/>
+                <a:cs typeface="Courier New" panose="02070309020205020404" pitchFamily="49" charset="0"/>
               </a:rPr>
               <a:t>  for(</a:t>
             </a:r>
@@ -38330,8 +38334,8 @@
                 <a:solidFill>
                   <a:srgbClr val="0432FF"/>
                 </a:solidFill>
-                <a:latin typeface="Courier New" panose="02070409020205090404" pitchFamily="49" charset="0"/>
-                <a:cs typeface="Courier New" panose="02070409020205090404" pitchFamily="49" charset="0"/>
+                <a:latin typeface="Courier New" panose="02070309020205020404" pitchFamily="49" charset="0"/>
+                <a:cs typeface="Courier New" panose="02070309020205020404" pitchFamily="49" charset="0"/>
               </a:rPr>
               <a:t>i</a:t>
             </a:r>
@@ -38340,8 +38344,8 @@
                 <a:solidFill>
                   <a:srgbClr val="0432FF"/>
                 </a:solidFill>
-                <a:latin typeface="Courier New" panose="02070409020205090404" pitchFamily="49" charset="0"/>
-                <a:cs typeface="Courier New" panose="02070409020205090404" pitchFamily="49" charset="0"/>
+                <a:latin typeface="Courier New" panose="02070309020205020404" pitchFamily="49" charset="0"/>
+                <a:cs typeface="Courier New" panose="02070309020205020404" pitchFamily="49" charset="0"/>
               </a:rPr>
               <a:t> = 0; </a:t>
             </a:r>
@@ -38350,8 +38354,8 @@
                 <a:solidFill>
                   <a:srgbClr val="0432FF"/>
                 </a:solidFill>
-                <a:latin typeface="Courier New" panose="02070409020205090404" pitchFamily="49" charset="0"/>
-                <a:cs typeface="Courier New" panose="02070409020205090404" pitchFamily="49" charset="0"/>
+                <a:latin typeface="Courier New" panose="02070309020205020404" pitchFamily="49" charset="0"/>
+                <a:cs typeface="Courier New" panose="02070309020205020404" pitchFamily="49" charset="0"/>
               </a:rPr>
               <a:t>i</a:t>
             </a:r>
@@ -38360,8 +38364,8 @@
                 <a:solidFill>
                   <a:srgbClr val="0432FF"/>
                 </a:solidFill>
-                <a:latin typeface="Courier New" panose="02070409020205090404" pitchFamily="49" charset="0"/>
-                <a:cs typeface="Courier New" panose="02070409020205090404" pitchFamily="49" charset="0"/>
+                <a:latin typeface="Courier New" panose="02070309020205020404" pitchFamily="49" charset="0"/>
+                <a:cs typeface="Courier New" panose="02070309020205020404" pitchFamily="49" charset="0"/>
               </a:rPr>
               <a:t> &lt; 2; </a:t>
             </a:r>
@@ -38370,8 +38374,8 @@
                 <a:solidFill>
                   <a:srgbClr val="0432FF"/>
                 </a:solidFill>
-                <a:latin typeface="Courier New" panose="02070409020205090404" pitchFamily="49" charset="0"/>
-                <a:cs typeface="Courier New" panose="02070409020205090404" pitchFamily="49" charset="0"/>
+                <a:latin typeface="Courier New" panose="02070309020205020404" pitchFamily="49" charset="0"/>
+                <a:cs typeface="Courier New" panose="02070309020205020404" pitchFamily="49" charset="0"/>
               </a:rPr>
               <a:t>i</a:t>
             </a:r>
@@ -38380,8 +38384,8 @@
                 <a:solidFill>
                   <a:srgbClr val="0432FF"/>
                 </a:solidFill>
-                <a:latin typeface="Courier New" panose="02070409020205090404" pitchFamily="49" charset="0"/>
-                <a:cs typeface="Courier New" panose="02070409020205090404" pitchFamily="49" charset="0"/>
+                <a:latin typeface="Courier New" panose="02070309020205020404" pitchFamily="49" charset="0"/>
+                <a:cs typeface="Courier New" panose="02070309020205020404" pitchFamily="49" charset="0"/>
               </a:rPr>
               <a:t>++)</a:t>
             </a:r>
@@ -38389,8 +38393,8 @@
               <a:solidFill>
                 <a:srgbClr val="0432FF"/>
               </a:solidFill>
-              <a:latin typeface="Courier New" panose="02070409020205090404" pitchFamily="49" charset="0"/>
-              <a:cs typeface="Courier New" panose="02070409020205090404" pitchFamily="49" charset="0"/>
+              <a:latin typeface="Courier New" panose="02070309020205020404" pitchFamily="49" charset="0"/>
+              <a:cs typeface="Courier New" panose="02070309020205020404" pitchFamily="49" charset="0"/>
             </a:endParaRPr>
           </a:p>
           <a:p>
@@ -38402,8 +38406,8 @@
                 <a:solidFill>
                   <a:srgbClr val="0432FF"/>
                 </a:solidFill>
-                <a:latin typeface="Courier New" panose="02070409020205090404" pitchFamily="49" charset="0"/>
-                <a:cs typeface="Courier New" panose="02070409020205090404" pitchFamily="49" charset="0"/>
+                <a:latin typeface="Courier New" panose="02070309020205020404" pitchFamily="49" charset="0"/>
+                <a:cs typeface="Courier New" panose="02070309020205020404" pitchFamily="49" charset="0"/>
               </a:rPr>
               <a:t>    </a:t>
             </a:r>
@@ -38412,8 +38416,8 @@
                 <a:solidFill>
                   <a:srgbClr val="0432FF"/>
                 </a:solidFill>
-                <a:latin typeface="Courier New" panose="02070409020205090404" pitchFamily="49" charset="0"/>
-                <a:cs typeface="Courier New" panose="02070409020205090404" pitchFamily="49" charset="0"/>
+                <a:latin typeface="Courier New" panose="02070309020205020404" pitchFamily="49" charset="0"/>
+                <a:cs typeface="Courier New" panose="02070309020205020404" pitchFamily="49" charset="0"/>
               </a:rPr>
               <a:t>out_a</a:t>
             </a:r>
@@ -38422,8 +38426,8 @@
                 <a:solidFill>
                   <a:srgbClr val="0432FF"/>
                 </a:solidFill>
-                <a:latin typeface="Courier New" panose="02070409020205090404" pitchFamily="49" charset="0"/>
-                <a:cs typeface="Courier New" panose="02070409020205090404" pitchFamily="49" charset="0"/>
+                <a:latin typeface="Courier New" panose="02070309020205020404" pitchFamily="49" charset="0"/>
+                <a:cs typeface="Courier New" panose="02070309020205020404" pitchFamily="49" charset="0"/>
               </a:rPr>
               <a:t> = </a:t>
             </a:r>
@@ -38432,8 +38436,8 @@
                 <a:solidFill>
                   <a:srgbClr val="0432FF"/>
                 </a:solidFill>
-                <a:latin typeface="Courier New" panose="02070409020205090404" pitchFamily="49" charset="0"/>
-                <a:cs typeface="Courier New" panose="02070409020205090404" pitchFamily="49" charset="0"/>
+                <a:latin typeface="Courier New" panose="02070309020205020404" pitchFamily="49" charset="0"/>
+                <a:cs typeface="Courier New" panose="02070309020205020404" pitchFamily="49" charset="0"/>
               </a:rPr>
               <a:t>out_a</a:t>
             </a:r>
@@ -38442,8 +38446,8 @@
                 <a:solidFill>
                   <a:srgbClr val="0432FF"/>
                 </a:solidFill>
-                <a:latin typeface="Courier New" panose="02070409020205090404" pitchFamily="49" charset="0"/>
-                <a:cs typeface="Courier New" panose="02070409020205090404" pitchFamily="49" charset="0"/>
+                <a:latin typeface="Courier New" panose="02070309020205020404" pitchFamily="49" charset="0"/>
+                <a:cs typeface="Courier New" panose="02070309020205020404" pitchFamily="49" charset="0"/>
               </a:rPr>
               <a:t> * in;</a:t>
             </a:r>
@@ -38451,8 +38455,8 @@
               <a:solidFill>
                 <a:srgbClr val="0432FF"/>
               </a:solidFill>
-              <a:latin typeface="Courier New" panose="02070409020205090404" pitchFamily="49" charset="0"/>
-              <a:cs typeface="Courier New" panose="02070409020205090404" pitchFamily="49" charset="0"/>
+              <a:latin typeface="Courier New" panose="02070309020205020404" pitchFamily="49" charset="0"/>
+              <a:cs typeface="Courier New" panose="02070309020205020404" pitchFamily="49" charset="0"/>
             </a:endParaRPr>
           </a:p>
           <a:p>
@@ -38464,8 +38468,8 @@
                 <a:solidFill>
                   <a:srgbClr val="0432FF"/>
                 </a:solidFill>
-                <a:latin typeface="Courier New" panose="02070409020205090404" pitchFamily="49" charset="0"/>
-                <a:cs typeface="Courier New" panose="02070409020205090404" pitchFamily="49" charset="0"/>
+                <a:latin typeface="Courier New" panose="02070309020205020404" pitchFamily="49" charset="0"/>
+                <a:cs typeface="Courier New" panose="02070309020205020404" pitchFamily="49" charset="0"/>
               </a:rPr>
               <a:t>  return </a:t>
             </a:r>
@@ -38474,8 +38478,8 @@
                 <a:solidFill>
                   <a:srgbClr val="0432FF"/>
                 </a:solidFill>
-                <a:latin typeface="Courier New" panose="02070409020205090404" pitchFamily="49" charset="0"/>
-                <a:cs typeface="Courier New" panose="02070409020205090404" pitchFamily="49" charset="0"/>
+                <a:latin typeface="Courier New" panose="02070309020205020404" pitchFamily="49" charset="0"/>
+                <a:cs typeface="Courier New" panose="02070309020205020404" pitchFamily="49" charset="0"/>
               </a:rPr>
               <a:t>out_a</a:t>
             </a:r>
@@ -38484,8 +38488,8 @@
                 <a:solidFill>
                   <a:srgbClr val="0432FF"/>
                 </a:solidFill>
-                <a:latin typeface="Courier New" panose="02070409020205090404" pitchFamily="49" charset="0"/>
-                <a:cs typeface="Courier New" panose="02070409020205090404" pitchFamily="49" charset="0"/>
+                <a:latin typeface="Courier New" panose="02070309020205020404" pitchFamily="49" charset="0"/>
+                <a:cs typeface="Courier New" panose="02070309020205020404" pitchFamily="49" charset="0"/>
               </a:rPr>
               <a:t>;</a:t>
             </a:r>
@@ -38493,8 +38497,8 @@
               <a:solidFill>
                 <a:srgbClr val="0432FF"/>
               </a:solidFill>
-              <a:latin typeface="Courier New" panose="02070409020205090404" pitchFamily="49" charset="0"/>
-              <a:cs typeface="Courier New" panose="02070409020205090404" pitchFamily="49" charset="0"/>
+              <a:latin typeface="Courier New" panose="02070309020205020404" pitchFamily="49" charset="0"/>
+              <a:cs typeface="Courier New" panose="02070309020205020404" pitchFamily="49" charset="0"/>
             </a:endParaRPr>
           </a:p>
           <a:p>
@@ -38506,8 +38510,8 @@
                 <a:solidFill>
                   <a:srgbClr val="0432FF"/>
                 </a:solidFill>
-                <a:latin typeface="Courier New" panose="02070409020205090404" pitchFamily="49" charset="0"/>
-                <a:cs typeface="Courier New" panose="02070409020205090404" pitchFamily="49" charset="0"/>
+                <a:latin typeface="Courier New" panose="02070309020205020404" pitchFamily="49" charset="0"/>
+                <a:cs typeface="Courier New" panose="02070309020205020404" pitchFamily="49" charset="0"/>
               </a:rPr>
               <a:t>}</a:t>
             </a:r>
@@ -38515,8 +38519,8 @@
               <a:solidFill>
                 <a:srgbClr val="0432FF"/>
               </a:solidFill>
-              <a:latin typeface="Courier New" panose="02070409020205090404" pitchFamily="49" charset="0"/>
-              <a:cs typeface="Courier New" panose="02070409020205090404" pitchFamily="49" charset="0"/>
+              <a:latin typeface="Courier New" panose="02070309020205020404" pitchFamily="49" charset="0"/>
+              <a:cs typeface="Courier New" panose="02070309020205020404" pitchFamily="49" charset="0"/>
             </a:endParaRPr>
           </a:p>
         </p:txBody>
@@ -38762,8 +38766,8 @@
                 <a:solidFill>
                   <a:srgbClr val="0432FF"/>
                 </a:solidFill>
-                <a:latin typeface="Courier New" panose="02070409020205090404" pitchFamily="49" charset="0"/>
-                <a:cs typeface="Courier New" panose="02070409020205090404" pitchFamily="49" charset="0"/>
+                <a:latin typeface="Courier New" panose="02070309020205020404" pitchFamily="49" charset="0"/>
+                <a:cs typeface="Courier New" panose="02070309020205020404" pitchFamily="49" charset="0"/>
               </a:rPr>
               <a:t>int</a:t>
             </a:r>
@@ -38772,8 +38776,8 @@
                 <a:solidFill>
                   <a:srgbClr val="0432FF"/>
                 </a:solidFill>
-                <a:latin typeface="Courier New" panose="02070409020205090404" pitchFamily="49" charset="0"/>
-                <a:cs typeface="Courier New" panose="02070409020205090404" pitchFamily="49" charset="0"/>
+                <a:latin typeface="Courier New" panose="02070309020205020404" pitchFamily="49" charset="0"/>
+                <a:cs typeface="Courier New" panose="02070309020205020404" pitchFamily="49" charset="0"/>
               </a:rPr>
               <a:t> power3_new(</a:t>
             </a:r>
@@ -38782,8 +38786,8 @@
                 <a:solidFill>
                   <a:srgbClr val="0432FF"/>
                 </a:solidFill>
-                <a:latin typeface="Courier New" panose="02070409020205090404" pitchFamily="49" charset="0"/>
-                <a:cs typeface="Courier New" panose="02070409020205090404" pitchFamily="49" charset="0"/>
+                <a:latin typeface="Courier New" panose="02070309020205020404" pitchFamily="49" charset="0"/>
+                <a:cs typeface="Courier New" panose="02070309020205020404" pitchFamily="49" charset="0"/>
               </a:rPr>
               <a:t>int</a:t>
             </a:r>
@@ -38792,8 +38796,8 @@
                 <a:solidFill>
                   <a:srgbClr val="0432FF"/>
                 </a:solidFill>
-                <a:latin typeface="Courier New" panose="02070409020205090404" pitchFamily="49" charset="0"/>
-                <a:cs typeface="Courier New" panose="02070409020205090404" pitchFamily="49" charset="0"/>
+                <a:latin typeface="Courier New" panose="02070309020205020404" pitchFamily="49" charset="0"/>
+                <a:cs typeface="Courier New" panose="02070309020205020404" pitchFamily="49" charset="0"/>
               </a:rPr>
               <a:t> in){</a:t>
             </a:r>
@@ -38801,8 +38805,8 @@
               <a:solidFill>
                 <a:srgbClr val="0432FF"/>
               </a:solidFill>
-              <a:latin typeface="Courier New" panose="02070409020205090404" pitchFamily="49" charset="0"/>
-              <a:cs typeface="Courier New" panose="02070409020205090404" pitchFamily="49" charset="0"/>
+              <a:latin typeface="Courier New" panose="02070309020205020404" pitchFamily="49" charset="0"/>
+              <a:cs typeface="Courier New" panose="02070309020205020404" pitchFamily="49" charset="0"/>
             </a:endParaRPr>
           </a:p>
           <a:p>
@@ -38814,8 +38818,8 @@
                 <a:solidFill>
                   <a:srgbClr val="0432FF"/>
                 </a:solidFill>
-                <a:latin typeface="Courier New" panose="02070409020205090404" pitchFamily="49" charset="0"/>
-                <a:cs typeface="Courier New" panose="02070409020205090404" pitchFamily="49" charset="0"/>
+                <a:latin typeface="Courier New" panose="02070309020205020404" pitchFamily="49" charset="0"/>
+                <a:cs typeface="Courier New" panose="02070309020205020404" pitchFamily="49" charset="0"/>
               </a:rPr>
               <a:t>  </a:t>
             </a:r>
@@ -38824,8 +38828,8 @@
                 <a:solidFill>
                   <a:srgbClr val="0432FF"/>
                 </a:solidFill>
-                <a:latin typeface="Courier New" panose="02070409020205090404" pitchFamily="49" charset="0"/>
-                <a:cs typeface="Courier New" panose="02070409020205090404" pitchFamily="49" charset="0"/>
+                <a:latin typeface="Courier New" panose="02070309020205020404" pitchFamily="49" charset="0"/>
+                <a:cs typeface="Courier New" panose="02070309020205020404" pitchFamily="49" charset="0"/>
               </a:rPr>
               <a:t>int</a:t>
             </a:r>
@@ -38834,8 +38838,8 @@
                 <a:solidFill>
                   <a:srgbClr val="0432FF"/>
                 </a:solidFill>
-                <a:latin typeface="Courier New" panose="02070409020205090404" pitchFamily="49" charset="0"/>
-                <a:cs typeface="Courier New" panose="02070409020205090404" pitchFamily="49" charset="0"/>
+                <a:latin typeface="Courier New" panose="02070309020205020404" pitchFamily="49" charset="0"/>
+                <a:cs typeface="Courier New" panose="02070309020205020404" pitchFamily="49" charset="0"/>
               </a:rPr>
               <a:t> </a:t>
             </a:r>
@@ -38844,8 +38848,8 @@
                 <a:solidFill>
                   <a:srgbClr val="0432FF"/>
                 </a:solidFill>
-                <a:latin typeface="Courier New" panose="02070409020205090404" pitchFamily="49" charset="0"/>
-                <a:cs typeface="Courier New" panose="02070409020205090404" pitchFamily="49" charset="0"/>
+                <a:latin typeface="Courier New" panose="02070309020205020404" pitchFamily="49" charset="0"/>
+                <a:cs typeface="Courier New" panose="02070309020205020404" pitchFamily="49" charset="0"/>
               </a:rPr>
               <a:t>out_b</a:t>
             </a:r>
@@ -38854,8 +38858,8 @@
                 <a:solidFill>
                   <a:srgbClr val="0432FF"/>
                 </a:solidFill>
-                <a:latin typeface="Courier New" panose="02070409020205090404" pitchFamily="49" charset="0"/>
-                <a:cs typeface="Courier New" panose="02070409020205090404" pitchFamily="49" charset="0"/>
+                <a:latin typeface="Courier New" panose="02070309020205020404" pitchFamily="49" charset="0"/>
+                <a:cs typeface="Courier New" panose="02070309020205020404" pitchFamily="49" charset="0"/>
               </a:rPr>
               <a:t>;</a:t>
             </a:r>
@@ -38863,8 +38867,8 @@
               <a:solidFill>
                 <a:srgbClr val="0432FF"/>
               </a:solidFill>
-              <a:latin typeface="Courier New" panose="02070409020205090404" pitchFamily="49" charset="0"/>
-              <a:cs typeface="Courier New" panose="02070409020205090404" pitchFamily="49" charset="0"/>
+              <a:latin typeface="Courier New" panose="02070309020205020404" pitchFamily="49" charset="0"/>
+              <a:cs typeface="Courier New" panose="02070309020205020404" pitchFamily="49" charset="0"/>
             </a:endParaRPr>
           </a:p>
           <a:p>
@@ -38876,8 +38880,8 @@
                 <a:solidFill>
                   <a:srgbClr val="0432FF"/>
                 </a:solidFill>
-                <a:latin typeface="Courier New" panose="02070409020205090404" pitchFamily="49" charset="0"/>
-                <a:cs typeface="Courier New" panose="02070409020205090404" pitchFamily="49" charset="0"/>
+                <a:latin typeface="Courier New" panose="02070309020205020404" pitchFamily="49" charset="0"/>
+                <a:cs typeface="Courier New" panose="02070309020205020404" pitchFamily="49" charset="0"/>
               </a:rPr>
               <a:t>  </a:t>
             </a:r>
@@ -38886,8 +38890,8 @@
                 <a:solidFill>
                   <a:srgbClr val="0432FF"/>
                 </a:solidFill>
-                <a:latin typeface="Courier New" panose="02070409020205090404" pitchFamily="49" charset="0"/>
-                <a:cs typeface="Courier New" panose="02070409020205090404" pitchFamily="49" charset="0"/>
+                <a:latin typeface="Courier New" panose="02070309020205020404" pitchFamily="49" charset="0"/>
+                <a:cs typeface="Courier New" panose="02070309020205020404" pitchFamily="49" charset="0"/>
               </a:rPr>
               <a:t>out_b</a:t>
             </a:r>
@@ -38896,8 +38900,8 @@
                 <a:solidFill>
                   <a:srgbClr val="0432FF"/>
                 </a:solidFill>
-                <a:latin typeface="Courier New" panose="02070409020205090404" pitchFamily="49" charset="0"/>
-                <a:cs typeface="Courier New" panose="02070409020205090404" pitchFamily="49" charset="0"/>
+                <a:latin typeface="Courier New" panose="02070309020205020404" pitchFamily="49" charset="0"/>
+                <a:cs typeface="Courier New" panose="02070309020205020404" pitchFamily="49" charset="0"/>
               </a:rPr>
               <a:t> = (in*in)*in;</a:t>
             </a:r>
@@ -38905,8 +38909,8 @@
               <a:solidFill>
                 <a:srgbClr val="0432FF"/>
               </a:solidFill>
-              <a:latin typeface="Courier New" panose="02070409020205090404" pitchFamily="49" charset="0"/>
-              <a:cs typeface="Courier New" panose="02070409020205090404" pitchFamily="49" charset="0"/>
+              <a:latin typeface="Courier New" panose="02070309020205020404" pitchFamily="49" charset="0"/>
+              <a:cs typeface="Courier New" panose="02070309020205020404" pitchFamily="49" charset="0"/>
             </a:endParaRPr>
           </a:p>
           <a:p>
@@ -38918,8 +38922,8 @@
                 <a:solidFill>
                   <a:srgbClr val="0432FF"/>
                 </a:solidFill>
-                <a:latin typeface="Courier New" panose="02070409020205090404" pitchFamily="49" charset="0"/>
-                <a:cs typeface="Courier New" panose="02070409020205090404" pitchFamily="49" charset="0"/>
+                <a:latin typeface="Courier New" panose="02070309020205020404" pitchFamily="49" charset="0"/>
+                <a:cs typeface="Courier New" panose="02070309020205020404" pitchFamily="49" charset="0"/>
               </a:rPr>
               <a:t>  return </a:t>
             </a:r>
@@ -38928,8 +38932,8 @@
                 <a:solidFill>
                   <a:srgbClr val="0432FF"/>
                 </a:solidFill>
-                <a:latin typeface="Courier New" panose="02070409020205090404" pitchFamily="49" charset="0"/>
-                <a:cs typeface="Courier New" panose="02070409020205090404" pitchFamily="49" charset="0"/>
+                <a:latin typeface="Courier New" panose="02070309020205020404" pitchFamily="49" charset="0"/>
+                <a:cs typeface="Courier New" panose="02070309020205020404" pitchFamily="49" charset="0"/>
               </a:rPr>
               <a:t>out_b</a:t>
             </a:r>
@@ -38938,8 +38942,8 @@
                 <a:solidFill>
                   <a:srgbClr val="0432FF"/>
                 </a:solidFill>
-                <a:latin typeface="Courier New" panose="02070409020205090404" pitchFamily="49" charset="0"/>
-                <a:cs typeface="Courier New" panose="02070409020205090404" pitchFamily="49" charset="0"/>
+                <a:latin typeface="Courier New" panose="02070309020205020404" pitchFamily="49" charset="0"/>
+                <a:cs typeface="Courier New" panose="02070309020205020404" pitchFamily="49" charset="0"/>
               </a:rPr>
               <a:t>;</a:t>
             </a:r>
@@ -38947,8 +38951,8 @@
               <a:solidFill>
                 <a:srgbClr val="0432FF"/>
               </a:solidFill>
-              <a:latin typeface="Courier New" panose="02070409020205090404" pitchFamily="49" charset="0"/>
-              <a:cs typeface="Courier New" panose="02070409020205090404" pitchFamily="49" charset="0"/>
+              <a:latin typeface="Courier New" panose="02070309020205020404" pitchFamily="49" charset="0"/>
+              <a:cs typeface="Courier New" panose="02070309020205020404" pitchFamily="49" charset="0"/>
             </a:endParaRPr>
           </a:p>
           <a:p>
@@ -38960,8 +38964,8 @@
                 <a:solidFill>
                   <a:srgbClr val="0432FF"/>
                 </a:solidFill>
-                <a:latin typeface="Courier New" panose="02070409020205090404" pitchFamily="49" charset="0"/>
-                <a:cs typeface="Courier New" panose="02070409020205090404" pitchFamily="49" charset="0"/>
+                <a:latin typeface="Courier New" panose="02070309020205020404" pitchFamily="49" charset="0"/>
+                <a:cs typeface="Courier New" panose="02070309020205020404" pitchFamily="49" charset="0"/>
               </a:rPr>
               <a:t>}</a:t>
             </a:r>
@@ -38969,8 +38973,8 @@
               <a:solidFill>
                 <a:srgbClr val="0432FF"/>
               </a:solidFill>
-              <a:latin typeface="Courier New" panose="02070409020205090404" pitchFamily="49" charset="0"/>
-              <a:cs typeface="Courier New" panose="02070409020205090404" pitchFamily="49" charset="0"/>
+              <a:latin typeface="Courier New" panose="02070309020205020404" pitchFamily="49" charset="0"/>
+              <a:cs typeface="Courier New" panose="02070309020205020404" pitchFamily="49" charset="0"/>
             </a:endParaRPr>
           </a:p>
         </p:txBody>
@@ -39088,8 +39092,8 @@
                 <a:solidFill>
                   <a:srgbClr val="0432FF"/>
                 </a:solidFill>
-                <a:latin typeface="Courier New" panose="02070409020205090404" pitchFamily="49" charset="0"/>
-                <a:cs typeface="Courier New" panose="02070409020205090404" pitchFamily="49" charset="0"/>
+                <a:latin typeface="Courier New" panose="02070309020205020404" pitchFamily="49" charset="0"/>
+                <a:cs typeface="Courier New" panose="02070309020205020404" pitchFamily="49" charset="0"/>
               </a:rPr>
               <a:t>int</a:t>
             </a:r>
@@ -39098,8 +39102,8 @@
                 <a:solidFill>
                   <a:srgbClr val="0432FF"/>
                 </a:solidFill>
-                <a:latin typeface="Courier New" panose="02070409020205090404" pitchFamily="49" charset="0"/>
-                <a:cs typeface="Courier New" panose="02070409020205090404" pitchFamily="49" charset="0"/>
+                <a:latin typeface="Courier New" panose="02070309020205020404" pitchFamily="49" charset="0"/>
+                <a:cs typeface="Courier New" panose="02070309020205020404" pitchFamily="49" charset="0"/>
               </a:rPr>
               <a:t> power3(</a:t>
             </a:r>
@@ -39108,8 +39112,8 @@
                 <a:solidFill>
                   <a:srgbClr val="0432FF"/>
                 </a:solidFill>
-                <a:latin typeface="Courier New" panose="02070409020205090404" pitchFamily="49" charset="0"/>
-                <a:cs typeface="Courier New" panose="02070409020205090404" pitchFamily="49" charset="0"/>
+                <a:latin typeface="Courier New" panose="02070309020205020404" pitchFamily="49" charset="0"/>
+                <a:cs typeface="Courier New" panose="02070309020205020404" pitchFamily="49" charset="0"/>
               </a:rPr>
               <a:t>int</a:t>
             </a:r>
@@ -39118,8 +39122,8 @@
                 <a:solidFill>
                   <a:srgbClr val="0432FF"/>
                 </a:solidFill>
-                <a:latin typeface="Courier New" panose="02070409020205090404" pitchFamily="49" charset="0"/>
-                <a:cs typeface="Courier New" panose="02070409020205090404" pitchFamily="49" charset="0"/>
+                <a:latin typeface="Courier New" panose="02070309020205020404" pitchFamily="49" charset="0"/>
+                <a:cs typeface="Courier New" panose="02070309020205020404" pitchFamily="49" charset="0"/>
               </a:rPr>
               <a:t> in){</a:t>
             </a:r>
@@ -39127,8 +39131,8 @@
               <a:solidFill>
                 <a:srgbClr val="0432FF"/>
               </a:solidFill>
-              <a:latin typeface="Courier New" panose="02070409020205090404" pitchFamily="49" charset="0"/>
-              <a:cs typeface="Courier New" panose="02070409020205090404" pitchFamily="49" charset="0"/>
+              <a:latin typeface="Courier New" panose="02070309020205020404" pitchFamily="49" charset="0"/>
+              <a:cs typeface="Courier New" panose="02070309020205020404" pitchFamily="49" charset="0"/>
             </a:endParaRPr>
           </a:p>
           <a:p>
@@ -39140,8 +39144,8 @@
                 <a:solidFill>
                   <a:srgbClr val="0432FF"/>
                 </a:solidFill>
-                <a:latin typeface="Courier New" panose="02070409020205090404" pitchFamily="49" charset="0"/>
-                <a:cs typeface="Courier New" panose="02070409020205090404" pitchFamily="49" charset="0"/>
+                <a:latin typeface="Courier New" panose="02070309020205020404" pitchFamily="49" charset="0"/>
+                <a:cs typeface="Courier New" panose="02070309020205020404" pitchFamily="49" charset="0"/>
               </a:rPr>
               <a:t>  </a:t>
             </a:r>
@@ -39150,8 +39154,8 @@
                 <a:solidFill>
                   <a:srgbClr val="0432FF"/>
                 </a:solidFill>
-                <a:latin typeface="Courier New" panose="02070409020205090404" pitchFamily="49" charset="0"/>
-                <a:cs typeface="Courier New" panose="02070409020205090404" pitchFamily="49" charset="0"/>
+                <a:latin typeface="Courier New" panose="02070309020205020404" pitchFamily="49" charset="0"/>
+                <a:cs typeface="Courier New" panose="02070309020205020404" pitchFamily="49" charset="0"/>
               </a:rPr>
               <a:t>int</a:t>
             </a:r>
@@ -39160,8 +39164,8 @@
                 <a:solidFill>
                   <a:srgbClr val="0432FF"/>
                 </a:solidFill>
-                <a:latin typeface="Courier New" panose="02070409020205090404" pitchFamily="49" charset="0"/>
-                <a:cs typeface="Courier New" panose="02070409020205090404" pitchFamily="49" charset="0"/>
+                <a:latin typeface="Courier New" panose="02070309020205020404" pitchFamily="49" charset="0"/>
+                <a:cs typeface="Courier New" panose="02070309020205020404" pitchFamily="49" charset="0"/>
               </a:rPr>
               <a:t> </a:t>
             </a:r>
@@ -39170,8 +39174,8 @@
                 <a:solidFill>
                   <a:srgbClr val="0432FF"/>
                 </a:solidFill>
-                <a:latin typeface="Courier New" panose="02070409020205090404" pitchFamily="49" charset="0"/>
-                <a:cs typeface="Courier New" panose="02070409020205090404" pitchFamily="49" charset="0"/>
+                <a:latin typeface="Courier New" panose="02070309020205020404" pitchFamily="49" charset="0"/>
+                <a:cs typeface="Courier New" panose="02070309020205020404" pitchFamily="49" charset="0"/>
               </a:rPr>
               <a:t>i</a:t>
             </a:r>
@@ -39180,8 +39184,8 @@
                 <a:solidFill>
                   <a:srgbClr val="0432FF"/>
                 </a:solidFill>
-                <a:latin typeface="Courier New" panose="02070409020205090404" pitchFamily="49" charset="0"/>
-                <a:cs typeface="Courier New" panose="02070409020205090404" pitchFamily="49" charset="0"/>
+                <a:latin typeface="Courier New" panose="02070309020205020404" pitchFamily="49" charset="0"/>
+                <a:cs typeface="Courier New" panose="02070309020205020404" pitchFamily="49" charset="0"/>
               </a:rPr>
               <a:t>, </a:t>
             </a:r>
@@ -39190,8 +39194,8 @@
                 <a:solidFill>
                   <a:srgbClr val="0432FF"/>
                 </a:solidFill>
-                <a:latin typeface="Courier New" panose="02070409020205090404" pitchFamily="49" charset="0"/>
-                <a:cs typeface="Courier New" panose="02070409020205090404" pitchFamily="49" charset="0"/>
+                <a:latin typeface="Courier New" panose="02070309020205020404" pitchFamily="49" charset="0"/>
+                <a:cs typeface="Courier New" panose="02070309020205020404" pitchFamily="49" charset="0"/>
               </a:rPr>
               <a:t>out_a</a:t>
             </a:r>
@@ -39200,8 +39204,8 @@
                 <a:solidFill>
                   <a:srgbClr val="0432FF"/>
                 </a:solidFill>
-                <a:latin typeface="Courier New" panose="02070409020205090404" pitchFamily="49" charset="0"/>
-                <a:cs typeface="Courier New" panose="02070409020205090404" pitchFamily="49" charset="0"/>
+                <a:latin typeface="Courier New" panose="02070309020205020404" pitchFamily="49" charset="0"/>
+                <a:cs typeface="Courier New" panose="02070309020205020404" pitchFamily="49" charset="0"/>
               </a:rPr>
               <a:t>;</a:t>
             </a:r>
@@ -39209,8 +39213,8 @@
               <a:solidFill>
                 <a:srgbClr val="0432FF"/>
               </a:solidFill>
-              <a:latin typeface="Courier New" panose="02070409020205090404" pitchFamily="49" charset="0"/>
-              <a:cs typeface="Courier New" panose="02070409020205090404" pitchFamily="49" charset="0"/>
+              <a:latin typeface="Courier New" panose="02070309020205020404" pitchFamily="49" charset="0"/>
+              <a:cs typeface="Courier New" panose="02070309020205020404" pitchFamily="49" charset="0"/>
             </a:endParaRPr>
           </a:p>
           <a:p>
@@ -39222,8 +39226,8 @@
                 <a:solidFill>
                   <a:srgbClr val="0432FF"/>
                 </a:solidFill>
-                <a:latin typeface="Courier New" panose="02070409020205090404" pitchFamily="49" charset="0"/>
-                <a:cs typeface="Courier New" panose="02070409020205090404" pitchFamily="49" charset="0"/>
+                <a:latin typeface="Courier New" panose="02070309020205020404" pitchFamily="49" charset="0"/>
+                <a:cs typeface="Courier New" panose="02070309020205020404" pitchFamily="49" charset="0"/>
               </a:rPr>
               <a:t>  out_a_0 = in;</a:t>
             </a:r>
@@ -39231,8 +39235,8 @@
               <a:solidFill>
                 <a:srgbClr val="0432FF"/>
               </a:solidFill>
-              <a:latin typeface="Courier New" panose="02070409020205090404" pitchFamily="49" charset="0"/>
-              <a:cs typeface="Courier New" panose="02070409020205090404" pitchFamily="49" charset="0"/>
+              <a:latin typeface="Courier New" panose="02070309020205020404" pitchFamily="49" charset="0"/>
+              <a:cs typeface="Courier New" panose="02070309020205020404" pitchFamily="49" charset="0"/>
             </a:endParaRPr>
           </a:p>
           <a:p>
@@ -39241,28 +39245,28 @@
             </a:pPr>
             <a:r>
               <a:rPr lang="en-US" altLang="zh-CN" sz="2000" b="1" dirty="0">
-                <a:latin typeface="Courier New" panose="02070409020205090404" pitchFamily="49" charset="0"/>
-                <a:cs typeface="Courier New" panose="02070409020205090404" pitchFamily="49" charset="0"/>
+                <a:latin typeface="Courier New" panose="02070309020205020404" pitchFamily="49" charset="0"/>
+                <a:cs typeface="Courier New" panose="02070309020205020404" pitchFamily="49" charset="0"/>
               </a:rPr>
               <a:t>  // loop </a:t>
             </a:r>
             <a:r>
               <a:rPr lang="en-US" altLang="zh-CN" sz="2000" b="1" dirty="0" err="1">
-                <a:latin typeface="Courier New" panose="02070409020205090404" pitchFamily="49" charset="0"/>
-                <a:cs typeface="Courier New" panose="02070409020205090404" pitchFamily="49" charset="0"/>
+                <a:latin typeface="Courier New" panose="02070309020205020404" pitchFamily="49" charset="0"/>
+                <a:cs typeface="Courier New" panose="02070309020205020404" pitchFamily="49" charset="0"/>
               </a:rPr>
               <a:t>unrool</a:t>
             </a:r>
             <a:r>
               <a:rPr lang="en-US" altLang="zh-CN" sz="2000" b="1" dirty="0">
-                <a:latin typeface="Courier New" panose="02070409020205090404" pitchFamily="49" charset="0"/>
-                <a:cs typeface="Courier New" panose="02070409020205090404" pitchFamily="49" charset="0"/>
+                <a:latin typeface="Courier New" panose="02070309020205020404" pitchFamily="49" charset="0"/>
+                <a:cs typeface="Courier New" panose="02070309020205020404" pitchFamily="49" charset="0"/>
               </a:rPr>
               <a:t> and SSA</a:t>
             </a:r>
             <a:endParaRPr lang="en-US" altLang="zh-CN" sz="2000" b="1" dirty="0">
-              <a:latin typeface="Courier New" panose="02070409020205090404" pitchFamily="49" charset="0"/>
-              <a:cs typeface="Courier New" panose="02070409020205090404" pitchFamily="49" charset="0"/>
+              <a:latin typeface="Courier New" panose="02070309020205020404" pitchFamily="49" charset="0"/>
+              <a:cs typeface="Courier New" panose="02070309020205020404" pitchFamily="49" charset="0"/>
             </a:endParaRPr>
           </a:p>
           <a:p>
@@ -39274,8 +39278,8 @@
                 <a:solidFill>
                   <a:srgbClr val="0432FF"/>
                 </a:solidFill>
-                <a:latin typeface="Courier New" panose="02070409020205090404" pitchFamily="49" charset="0"/>
-                <a:cs typeface="Courier New" panose="02070409020205090404" pitchFamily="49" charset="0"/>
+                <a:latin typeface="Courier New" panose="02070309020205020404" pitchFamily="49" charset="0"/>
+                <a:cs typeface="Courier New" panose="02070309020205020404" pitchFamily="49" charset="0"/>
               </a:rPr>
               <a:t>  out_a_1 = out_a_0 * in;</a:t>
             </a:r>
@@ -39283,8 +39287,8 @@
               <a:solidFill>
                 <a:srgbClr val="0432FF"/>
               </a:solidFill>
-              <a:latin typeface="Courier New" panose="02070409020205090404" pitchFamily="49" charset="0"/>
-              <a:cs typeface="Courier New" panose="02070409020205090404" pitchFamily="49" charset="0"/>
+              <a:latin typeface="Courier New" panose="02070309020205020404" pitchFamily="49" charset="0"/>
+              <a:cs typeface="Courier New" panose="02070309020205020404" pitchFamily="49" charset="0"/>
             </a:endParaRPr>
           </a:p>
           <a:p>
@@ -39296,8 +39300,8 @@
                 <a:solidFill>
                   <a:srgbClr val="0432FF"/>
                 </a:solidFill>
-                <a:latin typeface="Courier New" panose="02070409020205090404" pitchFamily="49" charset="0"/>
-                <a:cs typeface="Courier New" panose="02070409020205090404" pitchFamily="49" charset="0"/>
+                <a:latin typeface="Courier New" panose="02070309020205020404" pitchFamily="49" charset="0"/>
+                <a:cs typeface="Courier New" panose="02070309020205020404" pitchFamily="49" charset="0"/>
               </a:rPr>
               <a:t>  out_a_2 = out_a_1 * in;</a:t>
             </a:r>
@@ -39305,8 +39309,8 @@
               <a:solidFill>
                 <a:srgbClr val="0432FF"/>
               </a:solidFill>
-              <a:latin typeface="Courier New" panose="02070409020205090404" pitchFamily="49" charset="0"/>
-              <a:cs typeface="Courier New" panose="02070409020205090404" pitchFamily="49" charset="0"/>
+              <a:latin typeface="Courier New" panose="02070309020205020404" pitchFamily="49" charset="0"/>
+              <a:cs typeface="Courier New" panose="02070309020205020404" pitchFamily="49" charset="0"/>
             </a:endParaRPr>
           </a:p>
           <a:p>
@@ -39318,8 +39322,8 @@
                 <a:solidFill>
                   <a:srgbClr val="0432FF"/>
                 </a:solidFill>
-                <a:latin typeface="Courier New" panose="02070409020205090404" pitchFamily="49" charset="0"/>
-                <a:cs typeface="Courier New" panose="02070409020205090404" pitchFamily="49" charset="0"/>
+                <a:latin typeface="Courier New" panose="02070309020205020404" pitchFamily="49" charset="0"/>
+                <a:cs typeface="Courier New" panose="02070309020205020404" pitchFamily="49" charset="0"/>
               </a:rPr>
               <a:t>  return out_a_2;</a:t>
             </a:r>
@@ -39327,8 +39331,8 @@
               <a:solidFill>
                 <a:srgbClr val="0432FF"/>
               </a:solidFill>
-              <a:latin typeface="Courier New" panose="02070409020205090404" pitchFamily="49" charset="0"/>
-              <a:cs typeface="Courier New" panose="02070409020205090404" pitchFamily="49" charset="0"/>
+              <a:latin typeface="Courier New" panose="02070309020205020404" pitchFamily="49" charset="0"/>
+              <a:cs typeface="Courier New" panose="02070309020205020404" pitchFamily="49" charset="0"/>
             </a:endParaRPr>
           </a:p>
           <a:p>
@@ -39340,8 +39344,8 @@
                 <a:solidFill>
                   <a:srgbClr val="0432FF"/>
                 </a:solidFill>
-                <a:latin typeface="Courier New" panose="02070409020205090404" pitchFamily="49" charset="0"/>
-                <a:cs typeface="Courier New" panose="02070409020205090404" pitchFamily="49" charset="0"/>
+                <a:latin typeface="Courier New" panose="02070309020205020404" pitchFamily="49" charset="0"/>
+                <a:cs typeface="Courier New" panose="02070309020205020404" pitchFamily="49" charset="0"/>
               </a:rPr>
               <a:t>}</a:t>
             </a:r>
@@ -39349,8 +39353,8 @@
               <a:solidFill>
                 <a:srgbClr val="0432FF"/>
               </a:solidFill>
-              <a:latin typeface="Courier New" panose="02070409020205090404" pitchFamily="49" charset="0"/>
-              <a:cs typeface="Courier New" panose="02070409020205090404" pitchFamily="49" charset="0"/>
+              <a:latin typeface="Courier New" panose="02070309020205020404" pitchFamily="49" charset="0"/>
+              <a:cs typeface="Courier New" panose="02070309020205020404" pitchFamily="49" charset="0"/>
             </a:endParaRPr>
           </a:p>
         </p:txBody>
@@ -39596,8 +39600,8 @@
                 <a:solidFill>
                   <a:srgbClr val="0432FF"/>
                 </a:solidFill>
-                <a:latin typeface="Courier New" panose="02070409020205090404" pitchFamily="49" charset="0"/>
-                <a:cs typeface="Courier New" panose="02070409020205090404" pitchFamily="49" charset="0"/>
+                <a:latin typeface="Courier New" panose="02070309020205020404" pitchFamily="49" charset="0"/>
+                <a:cs typeface="Courier New" panose="02070309020205020404" pitchFamily="49" charset="0"/>
               </a:rPr>
               <a:t>int</a:t>
             </a:r>
@@ -39606,8 +39610,8 @@
                 <a:solidFill>
                   <a:srgbClr val="0432FF"/>
                 </a:solidFill>
-                <a:latin typeface="Courier New" panose="02070409020205090404" pitchFamily="49" charset="0"/>
-                <a:cs typeface="Courier New" panose="02070409020205090404" pitchFamily="49" charset="0"/>
+                <a:latin typeface="Courier New" panose="02070309020205020404" pitchFamily="49" charset="0"/>
+                <a:cs typeface="Courier New" panose="02070309020205020404" pitchFamily="49" charset="0"/>
               </a:rPr>
               <a:t> power3_new(</a:t>
             </a:r>
@@ -39616,8 +39620,8 @@
                 <a:solidFill>
                   <a:srgbClr val="0432FF"/>
                 </a:solidFill>
-                <a:latin typeface="Courier New" panose="02070409020205090404" pitchFamily="49" charset="0"/>
-                <a:cs typeface="Courier New" panose="02070409020205090404" pitchFamily="49" charset="0"/>
+                <a:latin typeface="Courier New" panose="02070309020205020404" pitchFamily="49" charset="0"/>
+                <a:cs typeface="Courier New" panose="02070309020205020404" pitchFamily="49" charset="0"/>
               </a:rPr>
               <a:t>int</a:t>
             </a:r>
@@ -39626,8 +39630,8 @@
                 <a:solidFill>
                   <a:srgbClr val="0432FF"/>
                 </a:solidFill>
-                <a:latin typeface="Courier New" panose="02070409020205090404" pitchFamily="49" charset="0"/>
-                <a:cs typeface="Courier New" panose="02070409020205090404" pitchFamily="49" charset="0"/>
+                <a:latin typeface="Courier New" panose="02070309020205020404" pitchFamily="49" charset="0"/>
+                <a:cs typeface="Courier New" panose="02070309020205020404" pitchFamily="49" charset="0"/>
               </a:rPr>
               <a:t> in){</a:t>
             </a:r>
@@ -39635,8 +39639,8 @@
               <a:solidFill>
                 <a:srgbClr val="0432FF"/>
               </a:solidFill>
-              <a:latin typeface="Courier New" panose="02070409020205090404" pitchFamily="49" charset="0"/>
-              <a:cs typeface="Courier New" panose="02070409020205090404" pitchFamily="49" charset="0"/>
+              <a:latin typeface="Courier New" panose="02070309020205020404" pitchFamily="49" charset="0"/>
+              <a:cs typeface="Courier New" panose="02070309020205020404" pitchFamily="49" charset="0"/>
             </a:endParaRPr>
           </a:p>
           <a:p>
@@ -39648,8 +39652,8 @@
                 <a:solidFill>
                   <a:srgbClr val="0432FF"/>
                 </a:solidFill>
-                <a:latin typeface="Courier New" panose="02070409020205090404" pitchFamily="49" charset="0"/>
-                <a:cs typeface="Courier New" panose="02070409020205090404" pitchFamily="49" charset="0"/>
+                <a:latin typeface="Courier New" panose="02070309020205020404" pitchFamily="49" charset="0"/>
+                <a:cs typeface="Courier New" panose="02070309020205020404" pitchFamily="49" charset="0"/>
               </a:rPr>
               <a:t>  </a:t>
             </a:r>
@@ -39658,8 +39662,8 @@
                 <a:solidFill>
                   <a:srgbClr val="0432FF"/>
                 </a:solidFill>
-                <a:latin typeface="Courier New" panose="02070409020205090404" pitchFamily="49" charset="0"/>
-                <a:cs typeface="Courier New" panose="02070409020205090404" pitchFamily="49" charset="0"/>
+                <a:latin typeface="Courier New" panose="02070309020205020404" pitchFamily="49" charset="0"/>
+                <a:cs typeface="Courier New" panose="02070309020205020404" pitchFamily="49" charset="0"/>
               </a:rPr>
               <a:t>int</a:t>
             </a:r>
@@ -39668,8 +39672,8 @@
                 <a:solidFill>
                   <a:srgbClr val="0432FF"/>
                 </a:solidFill>
-                <a:latin typeface="Courier New" panose="02070409020205090404" pitchFamily="49" charset="0"/>
-                <a:cs typeface="Courier New" panose="02070409020205090404" pitchFamily="49" charset="0"/>
+                <a:latin typeface="Courier New" panose="02070309020205020404" pitchFamily="49" charset="0"/>
+                <a:cs typeface="Courier New" panose="02070309020205020404" pitchFamily="49" charset="0"/>
               </a:rPr>
               <a:t> </a:t>
             </a:r>
@@ -39678,8 +39682,8 @@
                 <a:solidFill>
                   <a:srgbClr val="0432FF"/>
                 </a:solidFill>
-                <a:latin typeface="Courier New" panose="02070409020205090404" pitchFamily="49" charset="0"/>
-                <a:cs typeface="Courier New" panose="02070409020205090404" pitchFamily="49" charset="0"/>
+                <a:latin typeface="Courier New" panose="02070309020205020404" pitchFamily="49" charset="0"/>
+                <a:cs typeface="Courier New" panose="02070309020205020404" pitchFamily="49" charset="0"/>
               </a:rPr>
               <a:t>out_b</a:t>
             </a:r>
@@ -39688,8 +39692,8 @@
                 <a:solidFill>
                   <a:srgbClr val="0432FF"/>
                 </a:solidFill>
-                <a:latin typeface="Courier New" panose="02070409020205090404" pitchFamily="49" charset="0"/>
-                <a:cs typeface="Courier New" panose="02070409020205090404" pitchFamily="49" charset="0"/>
+                <a:latin typeface="Courier New" panose="02070309020205020404" pitchFamily="49" charset="0"/>
+                <a:cs typeface="Courier New" panose="02070309020205020404" pitchFamily="49" charset="0"/>
               </a:rPr>
               <a:t>;</a:t>
             </a:r>
@@ -39697,8 +39701,8 @@
               <a:solidFill>
                 <a:srgbClr val="0432FF"/>
               </a:solidFill>
-              <a:latin typeface="Courier New" panose="02070409020205090404" pitchFamily="49" charset="0"/>
-              <a:cs typeface="Courier New" panose="02070409020205090404" pitchFamily="49" charset="0"/>
+              <a:latin typeface="Courier New" panose="02070309020205020404" pitchFamily="49" charset="0"/>
+              <a:cs typeface="Courier New" panose="02070309020205020404" pitchFamily="49" charset="0"/>
             </a:endParaRPr>
           </a:p>
           <a:p>
@@ -39710,8 +39714,8 @@
                 <a:solidFill>
                   <a:srgbClr val="0432FF"/>
                 </a:solidFill>
-                <a:latin typeface="Courier New" panose="02070409020205090404" pitchFamily="49" charset="0"/>
-                <a:cs typeface="Courier New" panose="02070409020205090404" pitchFamily="49" charset="0"/>
+                <a:latin typeface="Courier New" panose="02070309020205020404" pitchFamily="49" charset="0"/>
+                <a:cs typeface="Courier New" panose="02070309020205020404" pitchFamily="49" charset="0"/>
               </a:rPr>
               <a:t>  </a:t>
             </a:r>
@@ -39720,8 +39724,8 @@
                 <a:solidFill>
                   <a:srgbClr val="0432FF"/>
                 </a:solidFill>
-                <a:latin typeface="Courier New" panose="02070409020205090404" pitchFamily="49" charset="0"/>
-                <a:cs typeface="Courier New" panose="02070409020205090404" pitchFamily="49" charset="0"/>
+                <a:latin typeface="Courier New" panose="02070309020205020404" pitchFamily="49" charset="0"/>
+                <a:cs typeface="Courier New" panose="02070309020205020404" pitchFamily="49" charset="0"/>
               </a:rPr>
               <a:t>out_b</a:t>
             </a:r>
@@ -39730,8 +39734,8 @@
                 <a:solidFill>
                   <a:srgbClr val="0432FF"/>
                 </a:solidFill>
-                <a:latin typeface="Courier New" panose="02070409020205090404" pitchFamily="49" charset="0"/>
-                <a:cs typeface="Courier New" panose="02070409020205090404" pitchFamily="49" charset="0"/>
+                <a:latin typeface="Courier New" panose="02070309020205020404" pitchFamily="49" charset="0"/>
+                <a:cs typeface="Courier New" panose="02070309020205020404" pitchFamily="49" charset="0"/>
               </a:rPr>
               <a:t> = (in*in)*in;</a:t>
             </a:r>
@@ -39739,8 +39743,8 @@
               <a:solidFill>
                 <a:srgbClr val="0432FF"/>
               </a:solidFill>
-              <a:latin typeface="Courier New" panose="02070409020205090404" pitchFamily="49" charset="0"/>
-              <a:cs typeface="Courier New" panose="02070409020205090404" pitchFamily="49" charset="0"/>
+              <a:latin typeface="Courier New" panose="02070309020205020404" pitchFamily="49" charset="0"/>
+              <a:cs typeface="Courier New" panose="02070309020205020404" pitchFamily="49" charset="0"/>
             </a:endParaRPr>
           </a:p>
           <a:p>
@@ -39752,8 +39756,8 @@
                 <a:solidFill>
                   <a:srgbClr val="0432FF"/>
                 </a:solidFill>
-                <a:latin typeface="Courier New" panose="02070409020205090404" pitchFamily="49" charset="0"/>
-                <a:cs typeface="Courier New" panose="02070409020205090404" pitchFamily="49" charset="0"/>
+                <a:latin typeface="Courier New" panose="02070309020205020404" pitchFamily="49" charset="0"/>
+                <a:cs typeface="Courier New" panose="02070309020205020404" pitchFamily="49" charset="0"/>
               </a:rPr>
               <a:t>  return </a:t>
             </a:r>
@@ -39762,8 +39766,8 @@
                 <a:solidFill>
                   <a:srgbClr val="0432FF"/>
                 </a:solidFill>
-                <a:latin typeface="Courier New" panose="02070409020205090404" pitchFamily="49" charset="0"/>
-                <a:cs typeface="Courier New" panose="02070409020205090404" pitchFamily="49" charset="0"/>
+                <a:latin typeface="Courier New" panose="02070309020205020404" pitchFamily="49" charset="0"/>
+                <a:cs typeface="Courier New" panose="02070309020205020404" pitchFamily="49" charset="0"/>
               </a:rPr>
               <a:t>out_b</a:t>
             </a:r>
@@ -39772,8 +39776,8 @@
                 <a:solidFill>
                   <a:srgbClr val="0432FF"/>
                 </a:solidFill>
-                <a:latin typeface="Courier New" panose="02070409020205090404" pitchFamily="49" charset="0"/>
-                <a:cs typeface="Courier New" panose="02070409020205090404" pitchFamily="49" charset="0"/>
+                <a:latin typeface="Courier New" panose="02070309020205020404" pitchFamily="49" charset="0"/>
+                <a:cs typeface="Courier New" panose="02070309020205020404" pitchFamily="49" charset="0"/>
               </a:rPr>
               <a:t>;</a:t>
             </a:r>
@@ -39781,8 +39785,8 @@
               <a:solidFill>
                 <a:srgbClr val="0432FF"/>
               </a:solidFill>
-              <a:latin typeface="Courier New" panose="02070409020205090404" pitchFamily="49" charset="0"/>
-              <a:cs typeface="Courier New" panose="02070409020205090404" pitchFamily="49" charset="0"/>
+              <a:latin typeface="Courier New" panose="02070309020205020404" pitchFamily="49" charset="0"/>
+              <a:cs typeface="Courier New" panose="02070309020205020404" pitchFamily="49" charset="0"/>
             </a:endParaRPr>
           </a:p>
           <a:p>
@@ -39794,8 +39798,8 @@
                 <a:solidFill>
                   <a:srgbClr val="0432FF"/>
                 </a:solidFill>
-                <a:latin typeface="Courier New" panose="02070409020205090404" pitchFamily="49" charset="0"/>
-                <a:cs typeface="Courier New" panose="02070409020205090404" pitchFamily="49" charset="0"/>
+                <a:latin typeface="Courier New" panose="02070309020205020404" pitchFamily="49" charset="0"/>
+                <a:cs typeface="Courier New" panose="02070309020205020404" pitchFamily="49" charset="0"/>
               </a:rPr>
               <a:t>}</a:t>
             </a:r>
@@ -39803,8 +39807,8 @@
               <a:solidFill>
                 <a:srgbClr val="0432FF"/>
               </a:solidFill>
-              <a:latin typeface="Courier New" panose="02070409020205090404" pitchFamily="49" charset="0"/>
-              <a:cs typeface="Courier New" panose="02070409020205090404" pitchFamily="49" charset="0"/>
+              <a:latin typeface="Courier New" panose="02070309020205020404" pitchFamily="49" charset="0"/>
+              <a:cs typeface="Courier New" panose="02070309020205020404" pitchFamily="49" charset="0"/>
             </a:endParaRPr>
           </a:p>
         </p:txBody>
@@ -39835,8 +39839,8 @@
               <a:p>
                 <a:r>
                   <a:rPr lang="en-US" altLang="zh-CN" b="1" dirty="0">
-                    <a:latin typeface="Courier New" panose="02070409020205090404" pitchFamily="49" charset="0"/>
-                    <a:cs typeface="Courier New" panose="02070409020205090404" pitchFamily="49" charset="0"/>
+                    <a:latin typeface="Courier New" panose="02070309020205020404" pitchFamily="49" charset="0"/>
+                    <a:cs typeface="Courier New" panose="02070309020205020404" pitchFamily="49" charset="0"/>
                   </a:rPr>
                   <a:t>P1 </a:t>
                 </a:r>
@@ -39846,7 +39850,7 @@
                       <a:rPr lang="en-US" altLang="zh-CN" b="1" i="1" dirty="0">
                         <a:latin typeface="Cambria Math" panose="02040503050406030204" pitchFamily="18" charset="0"/>
                         <a:ea typeface="Cambria Math" panose="02040503050406030204" pitchFamily="18" charset="0"/>
-                        <a:cs typeface="Courier New" panose="02070409020205090404" pitchFamily="49" charset="0"/>
+                        <a:cs typeface="Courier New" panose="02070309020205020404" pitchFamily="49" charset="0"/>
                       </a:rPr>
                       <m:t>≜</m:t>
                     </m:r>
@@ -39854,34 +39858,34 @@
                 </a14:m>
                 <a:r>
                   <a:rPr lang="en-US" altLang="zh-CN" b="1" dirty="0">
-                    <a:latin typeface="Courier New" panose="02070409020205090404" pitchFamily="49" charset="0"/>
-                    <a:cs typeface="Courier New" panose="02070409020205090404" pitchFamily="49" charset="0"/>
+                    <a:latin typeface="Courier New" panose="02070309020205020404" pitchFamily="49" charset="0"/>
+                    <a:cs typeface="Courier New" panose="02070309020205020404" pitchFamily="49" charset="0"/>
                   </a:rPr>
                   <a:t> out_a_0 = in /\</a:t>
                 </a:r>
                 <a:endParaRPr lang="en-US" altLang="zh-CN" b="1" dirty="0">
-                  <a:latin typeface="Courier New" panose="02070409020205090404" pitchFamily="49" charset="0"/>
-                  <a:cs typeface="Courier New" panose="02070409020205090404" pitchFamily="49" charset="0"/>
+                  <a:latin typeface="Courier New" panose="02070309020205020404" pitchFamily="49" charset="0"/>
+                  <a:cs typeface="Courier New" panose="02070309020205020404" pitchFamily="49" charset="0"/>
                 </a:endParaRPr>
               </a:p>
               <a:p>
                 <a:r>
                   <a:rPr lang="en-US" altLang="zh-CN" b="1" dirty="0">
-                    <a:latin typeface="Courier New" panose="02070409020205090404" pitchFamily="49" charset="0"/>
-                    <a:cs typeface="Courier New" panose="02070409020205090404" pitchFamily="49" charset="0"/>
+                    <a:latin typeface="Courier New" panose="02070309020205020404" pitchFamily="49" charset="0"/>
+                    <a:cs typeface="Courier New" panose="02070309020205020404" pitchFamily="49" charset="0"/>
                   </a:rPr>
                   <a:t>     out_a_1 = f(out_a_0, in) /\</a:t>
                 </a:r>
                 <a:endParaRPr lang="en-US" altLang="zh-CN" b="1" dirty="0">
-                  <a:latin typeface="Courier New" panose="02070409020205090404" pitchFamily="49" charset="0"/>
-                  <a:cs typeface="Courier New" panose="02070409020205090404" pitchFamily="49" charset="0"/>
+                  <a:latin typeface="Courier New" panose="02070309020205020404" pitchFamily="49" charset="0"/>
+                  <a:cs typeface="Courier New" panose="02070309020205020404" pitchFamily="49" charset="0"/>
                 </a:endParaRPr>
               </a:p>
               <a:p>
                 <a:r>
                   <a:rPr lang="en-US" altLang="zh-CN" b="1" dirty="0">
-                    <a:latin typeface="Courier New" panose="02070409020205090404" pitchFamily="49" charset="0"/>
-                    <a:cs typeface="Courier New" panose="02070409020205090404" pitchFamily="49" charset="0"/>
+                    <a:latin typeface="Courier New" panose="02070309020205020404" pitchFamily="49" charset="0"/>
+                    <a:cs typeface="Courier New" panose="02070309020205020404" pitchFamily="49" charset="0"/>
                   </a:rPr>
                   <a:t>     out_a_2 = f(out_a_1, in)</a:t>
                 </a:r>
@@ -39922,7 +39926,7 @@
                   <a:rPr lang="zh-CN" altLang="en-US">
                     <a:noFill/>
                   </a:rPr>
-                  <a:t> </a:t>
+                  <a:t> </a:t>
                 </a:r>
               </a:p>
             </p:txBody>
@@ -39955,8 +39959,8 @@
               <a:p>
                 <a:r>
                   <a:rPr lang="en-US" altLang="zh-CN" b="1" dirty="0">
-                    <a:latin typeface="Courier New" panose="02070409020205090404" pitchFamily="49" charset="0"/>
-                    <a:cs typeface="Courier New" panose="02070409020205090404" pitchFamily="49" charset="0"/>
+                    <a:latin typeface="Courier New" panose="02070309020205020404" pitchFamily="49" charset="0"/>
+                    <a:cs typeface="Courier New" panose="02070309020205020404" pitchFamily="49" charset="0"/>
                   </a:rPr>
                   <a:t>P2 </a:t>
                 </a:r>
@@ -39966,7 +39970,7 @@
                       <a:rPr lang="en-US" altLang="zh-CN" b="1" i="1" dirty="0">
                         <a:latin typeface="Cambria Math" panose="02040503050406030204" pitchFamily="18" charset="0"/>
                         <a:ea typeface="Cambria Math" panose="02040503050406030204" pitchFamily="18" charset="0"/>
-                        <a:cs typeface="Courier New" panose="02070409020205090404" pitchFamily="49" charset="0"/>
+                        <a:cs typeface="Courier New" panose="02070309020205020404" pitchFamily="49" charset="0"/>
                       </a:rPr>
                       <m:t>≜</m:t>
                     </m:r>
@@ -39974,22 +39978,22 @@
                 </a14:m>
                 <a:r>
                   <a:rPr lang="en-US" altLang="zh-CN" b="1" dirty="0">
-                    <a:latin typeface="Courier New" panose="02070409020205090404" pitchFamily="49" charset="0"/>
-                    <a:cs typeface="Courier New" panose="02070409020205090404" pitchFamily="49" charset="0"/>
+                    <a:latin typeface="Courier New" panose="02070309020205020404" pitchFamily="49" charset="0"/>
+                    <a:cs typeface="Courier New" panose="02070309020205020404" pitchFamily="49" charset="0"/>
                   </a:rPr>
                   <a:t> </a:t>
                 </a:r>
                 <a:r>
                   <a:rPr lang="en-US" altLang="zh-CN" b="1" dirty="0" err="1">
-                    <a:latin typeface="Courier New" panose="02070409020205090404" pitchFamily="49" charset="0"/>
-                    <a:cs typeface="Courier New" panose="02070409020205090404" pitchFamily="49" charset="0"/>
+                    <a:latin typeface="Courier New" panose="02070309020205020404" pitchFamily="49" charset="0"/>
+                    <a:cs typeface="Courier New" panose="02070309020205020404" pitchFamily="49" charset="0"/>
                   </a:rPr>
                   <a:t>out_b</a:t>
                 </a:r>
                 <a:r>
                   <a:rPr lang="en-US" altLang="zh-CN" b="1" dirty="0">
-                    <a:latin typeface="Courier New" panose="02070409020205090404" pitchFamily="49" charset="0"/>
-                    <a:cs typeface="Courier New" panose="02070409020205090404" pitchFamily="49" charset="0"/>
+                    <a:latin typeface="Courier New" panose="02070309020205020404" pitchFamily="49" charset="0"/>
+                    <a:cs typeface="Courier New" panose="02070309020205020404" pitchFamily="49" charset="0"/>
                   </a:rPr>
                   <a:t> = f(f(in, in), in)</a:t>
                 </a:r>
@@ -40030,7 +40034,7 @@
                   <a:rPr lang="zh-CN" altLang="en-US">
                     <a:noFill/>
                   </a:rPr>
-                  <a:t> </a:t>
+                  <a:t> </a:t>
                 </a:r>
               </a:p>
             </p:txBody>
@@ -40061,15 +40065,15 @@
           <a:p>
             <a:r>
               <a:rPr lang="en-US" altLang="zh-CN" b="1" dirty="0">
-                <a:latin typeface="Courier New" panose="02070409020205090404" pitchFamily="49" charset="0"/>
-                <a:cs typeface="Courier New" panose="02070409020205090404" pitchFamily="49" charset="0"/>
+                <a:latin typeface="Courier New" panose="02070309020205020404" pitchFamily="49" charset="0"/>
+                <a:cs typeface="Courier New" panose="02070309020205020404" pitchFamily="49" charset="0"/>
               </a:rPr>
               <a:t>P1/\ P2 -&gt; out_a_2=</a:t>
             </a:r>
             <a:r>
               <a:rPr lang="en-US" altLang="zh-CN" b="1" dirty="0" err="1">
-                <a:latin typeface="Courier New" panose="02070409020205090404" pitchFamily="49" charset="0"/>
-                <a:cs typeface="Courier New" panose="02070409020205090404" pitchFamily="49" charset="0"/>
+                <a:latin typeface="Courier New" panose="02070309020205020404" pitchFamily="49" charset="0"/>
+                <a:cs typeface="Courier New" panose="02070309020205020404" pitchFamily="49" charset="0"/>
               </a:rPr>
               <a:t>out_b</a:t>
             </a:r>
@@ -40348,14 +40352,14 @@
             </a:pPr>
             <a:r>
               <a:rPr lang="en-US" altLang="zh-CN" sz="2000" b="1" dirty="0">
-                <a:latin typeface="Courier New" panose="02070409020205090404" pitchFamily="49" charset="0"/>
-                <a:cs typeface="Courier New" panose="02070409020205090404" pitchFamily="49" charset="0"/>
+                <a:latin typeface="Courier New" panose="02070309020205020404" pitchFamily="49" charset="0"/>
+                <a:cs typeface="Courier New" panose="02070309020205020404" pitchFamily="49" charset="0"/>
               </a:rPr>
               <a:t>// source code:</a:t>
             </a:r>
             <a:endParaRPr lang="en-US" altLang="zh-CN" sz="2000" b="1" dirty="0">
-              <a:latin typeface="Courier New" panose="02070409020205090404" pitchFamily="49" charset="0"/>
-              <a:cs typeface="Courier New" panose="02070409020205090404" pitchFamily="49" charset="0"/>
+              <a:latin typeface="Courier New" panose="02070309020205020404" pitchFamily="49" charset="0"/>
+              <a:cs typeface="Courier New" panose="02070309020205020404" pitchFamily="49" charset="0"/>
             </a:endParaRPr>
           </a:p>
           <a:p>
@@ -40367,8 +40371,8 @@
                 <a:solidFill>
                   <a:srgbClr val="0432FF"/>
                 </a:solidFill>
-                <a:latin typeface="Courier New" panose="02070409020205090404" pitchFamily="49" charset="0"/>
-                <a:cs typeface="Courier New" panose="02070409020205090404" pitchFamily="49" charset="0"/>
+                <a:latin typeface="Courier New" panose="02070309020205020404" pitchFamily="49" charset="0"/>
+                <a:cs typeface="Courier New" panose="02070309020205020404" pitchFamily="49" charset="0"/>
               </a:rPr>
               <a:t>z = (x1 + y1)*(x2 + y2);</a:t>
             </a:r>
@@ -40376,8 +40380,8 @@
               <a:solidFill>
                 <a:srgbClr val="0432FF"/>
               </a:solidFill>
-              <a:latin typeface="Courier New" panose="02070409020205090404" pitchFamily="49" charset="0"/>
-              <a:cs typeface="Courier New" panose="02070409020205090404" pitchFamily="49" charset="0"/>
+              <a:latin typeface="Courier New" panose="02070309020205020404" pitchFamily="49" charset="0"/>
+              <a:cs typeface="Courier New" panose="02070309020205020404" pitchFamily="49" charset="0"/>
             </a:endParaRPr>
           </a:p>
         </p:txBody>
@@ -40620,14 +40624,14 @@
             </a:pPr>
             <a:r>
               <a:rPr lang="en-US" altLang="zh-CN" sz="2000" b="1" dirty="0">
-                <a:latin typeface="Courier New" panose="02070409020205090404" pitchFamily="49" charset="0"/>
-                <a:cs typeface="Courier New" panose="02070409020205090404" pitchFamily="49" charset="0"/>
+                <a:latin typeface="Courier New" panose="02070309020205020404" pitchFamily="49" charset="0"/>
+                <a:cs typeface="Courier New" panose="02070309020205020404" pitchFamily="49" charset="0"/>
               </a:rPr>
               <a:t>// generated 3-address </a:t>
             </a:r>
             <a:endParaRPr lang="en-US" altLang="zh-CN" sz="2000" b="1" dirty="0">
-              <a:latin typeface="Courier New" panose="02070409020205090404" pitchFamily="49" charset="0"/>
-              <a:cs typeface="Courier New" panose="02070409020205090404" pitchFamily="49" charset="0"/>
+              <a:latin typeface="Courier New" panose="02070309020205020404" pitchFamily="49" charset="0"/>
+              <a:cs typeface="Courier New" panose="02070309020205020404" pitchFamily="49" charset="0"/>
             </a:endParaRPr>
           </a:p>
           <a:p>
@@ -40636,14 +40640,14 @@
             </a:pPr>
             <a:r>
               <a:rPr lang="en-US" altLang="zh-CN" sz="2000" b="1" dirty="0">
-                <a:latin typeface="Courier New" panose="02070409020205090404" pitchFamily="49" charset="0"/>
-                <a:cs typeface="Courier New" panose="02070409020205090404" pitchFamily="49" charset="0"/>
+                <a:latin typeface="Courier New" panose="02070309020205020404" pitchFamily="49" charset="0"/>
+                <a:cs typeface="Courier New" panose="02070309020205020404" pitchFamily="49" charset="0"/>
               </a:rPr>
               <a:t>// code:</a:t>
             </a:r>
             <a:endParaRPr lang="en-US" altLang="zh-CN" sz="2000" b="1" dirty="0">
-              <a:latin typeface="Courier New" panose="02070409020205090404" pitchFamily="49" charset="0"/>
-              <a:cs typeface="Courier New" panose="02070409020205090404" pitchFamily="49" charset="0"/>
+              <a:latin typeface="Courier New" panose="02070309020205020404" pitchFamily="49" charset="0"/>
+              <a:cs typeface="Courier New" panose="02070309020205020404" pitchFamily="49" charset="0"/>
             </a:endParaRPr>
           </a:p>
           <a:p>
@@ -40655,8 +40659,8 @@
                 <a:solidFill>
                   <a:srgbClr val="0432FF"/>
                 </a:solidFill>
-                <a:latin typeface="Courier New" panose="02070409020205090404" pitchFamily="49" charset="0"/>
-                <a:cs typeface="Courier New" panose="02070409020205090404" pitchFamily="49" charset="0"/>
+                <a:latin typeface="Courier New" panose="02070309020205020404" pitchFamily="49" charset="0"/>
+                <a:cs typeface="Courier New" panose="02070309020205020404" pitchFamily="49" charset="0"/>
               </a:rPr>
               <a:t>t1 = x1 + y1;</a:t>
             </a:r>
@@ -40664,8 +40668,8 @@
               <a:solidFill>
                 <a:srgbClr val="0432FF"/>
               </a:solidFill>
-              <a:latin typeface="Courier New" panose="02070409020205090404" pitchFamily="49" charset="0"/>
-              <a:cs typeface="Courier New" panose="02070409020205090404" pitchFamily="49" charset="0"/>
+              <a:latin typeface="Courier New" panose="02070309020205020404" pitchFamily="49" charset="0"/>
+              <a:cs typeface="Courier New" panose="02070309020205020404" pitchFamily="49" charset="0"/>
             </a:endParaRPr>
           </a:p>
           <a:p>
@@ -40677,8 +40681,8 @@
                 <a:solidFill>
                   <a:srgbClr val="0432FF"/>
                 </a:solidFill>
-                <a:latin typeface="Courier New" panose="02070409020205090404" pitchFamily="49" charset="0"/>
-                <a:cs typeface="Courier New" panose="02070409020205090404" pitchFamily="49" charset="0"/>
+                <a:latin typeface="Courier New" panose="02070309020205020404" pitchFamily="49" charset="0"/>
+                <a:cs typeface="Courier New" panose="02070309020205020404" pitchFamily="49" charset="0"/>
               </a:rPr>
               <a:t>t2 = x2 + y2;</a:t>
             </a:r>
@@ -40686,8 +40690,8 @@
               <a:solidFill>
                 <a:srgbClr val="0432FF"/>
               </a:solidFill>
-              <a:latin typeface="Courier New" panose="02070409020205090404" pitchFamily="49" charset="0"/>
-              <a:cs typeface="Courier New" panose="02070409020205090404" pitchFamily="49" charset="0"/>
+              <a:latin typeface="Courier New" panose="02070309020205020404" pitchFamily="49" charset="0"/>
+              <a:cs typeface="Courier New" panose="02070309020205020404" pitchFamily="49" charset="0"/>
             </a:endParaRPr>
           </a:p>
           <a:p>
@@ -40699,8 +40703,8 @@
                 <a:solidFill>
                   <a:srgbClr val="0432FF"/>
                 </a:solidFill>
-                <a:latin typeface="Courier New" panose="02070409020205090404" pitchFamily="49" charset="0"/>
-                <a:cs typeface="Courier New" panose="02070409020205090404" pitchFamily="49" charset="0"/>
+                <a:latin typeface="Courier New" panose="02070309020205020404" pitchFamily="49" charset="0"/>
+                <a:cs typeface="Courier New" panose="02070309020205020404" pitchFamily="49" charset="0"/>
               </a:rPr>
               <a:t>z </a:t>
             </a:r>
@@ -40709,8 +40713,8 @@
                 <a:solidFill>
                   <a:srgbClr val="0432FF"/>
                 </a:solidFill>
-                <a:latin typeface="Courier New" panose="02070409020205090404" pitchFamily="49" charset="0"/>
-                <a:cs typeface="Courier New" panose="02070409020205090404" pitchFamily="49" charset="0"/>
+                <a:latin typeface="Courier New" panose="02070309020205020404" pitchFamily="49" charset="0"/>
+                <a:cs typeface="Courier New" panose="02070309020205020404" pitchFamily="49" charset="0"/>
               </a:rPr>
               <a:t>= t1 * t2;</a:t>
             </a:r>
@@ -40718,8 +40722,8 @@
               <a:solidFill>
                 <a:srgbClr val="0432FF"/>
               </a:solidFill>
-              <a:latin typeface="Courier New" panose="02070409020205090404" pitchFamily="49" charset="0"/>
-              <a:cs typeface="Courier New" panose="02070409020205090404" pitchFamily="49" charset="0"/>
+              <a:latin typeface="Courier New" panose="02070309020205020404" pitchFamily="49" charset="0"/>
+              <a:cs typeface="Courier New" panose="02070309020205020404" pitchFamily="49" charset="0"/>
             </a:endParaRPr>
           </a:p>
         </p:txBody>
@@ -40750,8 +40754,8 @@
               <a:p>
                 <a:r>
                   <a:rPr lang="en-US" altLang="zh-CN" b="1" dirty="0">
-                    <a:latin typeface="Courier New" panose="02070409020205090404" pitchFamily="49" charset="0"/>
-                    <a:cs typeface="Courier New" panose="02070409020205090404" pitchFamily="49" charset="0"/>
+                    <a:latin typeface="Courier New" panose="02070309020205020404" pitchFamily="49" charset="0"/>
+                    <a:cs typeface="Courier New" panose="02070309020205020404" pitchFamily="49" charset="0"/>
                   </a:rPr>
                   <a:t>P1 </a:t>
                 </a:r>
@@ -40761,7 +40765,7 @@
                       <a:rPr lang="en-US" altLang="zh-CN" b="1" i="1" dirty="0" smtClean="0">
                         <a:latin typeface="Cambria Math" panose="02040503050406030204" pitchFamily="18" charset="0"/>
                         <a:ea typeface="Cambria Math" panose="02040503050406030204" pitchFamily="18" charset="0"/>
-                        <a:cs typeface="Courier New" panose="02070409020205090404" pitchFamily="49" charset="0"/>
+                        <a:cs typeface="Courier New" panose="02070309020205020404" pitchFamily="49" charset="0"/>
                       </a:rPr>
                       <m:t>≜</m:t>
                     </m:r>
@@ -40769,21 +40773,21 @@
                 </a14:m>
                 <a:r>
                   <a:rPr lang="en-US" altLang="zh-CN" b="1" dirty="0">
-                    <a:latin typeface="Courier New" panose="02070409020205090404" pitchFamily="49" charset="0"/>
-                    <a:cs typeface="Courier New" panose="02070409020205090404" pitchFamily="49" charset="0"/>
+                    <a:latin typeface="Courier New" panose="02070309020205020404" pitchFamily="49" charset="0"/>
+                    <a:cs typeface="Courier New" panose="02070309020205020404" pitchFamily="49" charset="0"/>
                   </a:rPr>
                   <a:t> z = g(f(x1, y1),</a:t>
                 </a:r>
                 <a:endParaRPr lang="en-US" altLang="zh-CN" b="1" dirty="0">
-                  <a:latin typeface="Courier New" panose="02070409020205090404" pitchFamily="49" charset="0"/>
-                  <a:cs typeface="Courier New" panose="02070409020205090404" pitchFamily="49" charset="0"/>
+                  <a:latin typeface="Courier New" panose="02070309020205020404" pitchFamily="49" charset="0"/>
+                  <a:cs typeface="Courier New" panose="02070309020205020404" pitchFamily="49" charset="0"/>
                 </a:endParaRPr>
               </a:p>
               <a:p>
                 <a:r>
                   <a:rPr kumimoji="1" lang="en-US" altLang="zh-CN" b="1" dirty="0">
-                    <a:latin typeface="Courier New" panose="02070409020205090404" pitchFamily="49" charset="0"/>
-                    <a:cs typeface="Courier New" panose="02070409020205090404" pitchFamily="49" charset="0"/>
+                    <a:latin typeface="Courier New" panose="02070309020205020404" pitchFamily="49" charset="0"/>
+                    <a:cs typeface="Courier New" panose="02070309020205020404" pitchFamily="49" charset="0"/>
                   </a:rPr>
                   <a:t>           f(x2, y2))</a:t>
                 </a:r>
@@ -40824,7 +40828,7 @@
                   <a:rPr lang="zh-CN" altLang="en-US">
                     <a:noFill/>
                   </a:rPr>
-                  <a:t> </a:t>
+                  <a:t> </a:t>
                 </a:r>
               </a:p>
             </p:txBody>
@@ -40857,8 +40861,8 @@
               <a:p>
                 <a:r>
                   <a:rPr lang="en-US" altLang="zh-CN" b="1" dirty="0">
-                    <a:latin typeface="Courier New" panose="02070409020205090404" pitchFamily="49" charset="0"/>
-                    <a:cs typeface="Courier New" panose="02070409020205090404" pitchFamily="49" charset="0"/>
+                    <a:latin typeface="Courier New" panose="02070309020205020404" pitchFamily="49" charset="0"/>
+                    <a:cs typeface="Courier New" panose="02070309020205020404" pitchFamily="49" charset="0"/>
                   </a:rPr>
                   <a:t>P2 </a:t>
                 </a:r>
@@ -40868,7 +40872,7 @@
                       <a:rPr lang="en-US" altLang="zh-CN" b="1" i="1" dirty="0">
                         <a:latin typeface="Cambria Math" panose="02040503050406030204" pitchFamily="18" charset="0"/>
                         <a:ea typeface="Cambria Math" panose="02040503050406030204" pitchFamily="18" charset="0"/>
-                        <a:cs typeface="Courier New" panose="02070409020205090404" pitchFamily="49" charset="0"/>
+                        <a:cs typeface="Courier New" panose="02070309020205020404" pitchFamily="49" charset="0"/>
                       </a:rPr>
                       <m:t>≜</m:t>
                     </m:r>
@@ -40876,34 +40880,34 @@
                 </a14:m>
                 <a:r>
                   <a:rPr lang="en-US" altLang="zh-CN" b="1" dirty="0">
-                    <a:latin typeface="Courier New" panose="02070409020205090404" pitchFamily="49" charset="0"/>
-                    <a:cs typeface="Courier New" panose="02070409020205090404" pitchFamily="49" charset="0"/>
+                    <a:latin typeface="Courier New" panose="02070309020205020404" pitchFamily="49" charset="0"/>
+                    <a:cs typeface="Courier New" panose="02070309020205020404" pitchFamily="49" charset="0"/>
                   </a:rPr>
                   <a:t> t1 = f(x1, y1) /\</a:t>
                 </a:r>
                 <a:endParaRPr lang="en-US" altLang="zh-CN" b="1" dirty="0">
-                  <a:latin typeface="Courier New" panose="02070409020205090404" pitchFamily="49" charset="0"/>
-                  <a:cs typeface="Courier New" panose="02070409020205090404" pitchFamily="49" charset="0"/>
+                  <a:latin typeface="Courier New" panose="02070309020205020404" pitchFamily="49" charset="0"/>
+                  <a:cs typeface="Courier New" panose="02070309020205020404" pitchFamily="49" charset="0"/>
                 </a:endParaRPr>
               </a:p>
               <a:p>
                 <a:r>
                   <a:rPr kumimoji="1" lang="en-US" altLang="zh-CN" b="1" dirty="0">
-                    <a:latin typeface="Courier New" panose="02070409020205090404" pitchFamily="49" charset="0"/>
-                    <a:cs typeface="Courier New" panose="02070409020205090404" pitchFamily="49" charset="0"/>
+                    <a:latin typeface="Courier New" panose="02070309020205020404" pitchFamily="49" charset="0"/>
+                    <a:cs typeface="Courier New" panose="02070309020205020404" pitchFamily="49" charset="0"/>
                   </a:rPr>
                   <a:t>     t2 = f(x2, y2) /\</a:t>
                 </a:r>
                 <a:endParaRPr kumimoji="1" lang="en-US" altLang="zh-CN" b="1" dirty="0">
-                  <a:latin typeface="Courier New" panose="02070409020205090404" pitchFamily="49" charset="0"/>
-                  <a:cs typeface="Courier New" panose="02070409020205090404" pitchFamily="49" charset="0"/>
+                  <a:latin typeface="Courier New" panose="02070309020205020404" pitchFamily="49" charset="0"/>
+                  <a:cs typeface="Courier New" panose="02070309020205020404" pitchFamily="49" charset="0"/>
                 </a:endParaRPr>
               </a:p>
               <a:p>
                 <a:r>
                   <a:rPr kumimoji="1" lang="en-US" altLang="zh-CN" b="1" dirty="0">
-                    <a:latin typeface="Courier New" panose="02070409020205090404" pitchFamily="49" charset="0"/>
-                    <a:cs typeface="Courier New" panose="02070409020205090404" pitchFamily="49" charset="0"/>
+                    <a:latin typeface="Courier New" panose="02070309020205020404" pitchFamily="49" charset="0"/>
+                    <a:cs typeface="Courier New" panose="02070309020205020404" pitchFamily="49" charset="0"/>
                   </a:rPr>
                   <a:t>     z2 = g(t1, t2)</a:t>
                 </a:r>
@@ -40944,7 +40948,7 @@
                   <a:rPr lang="zh-CN" altLang="en-US">
                     <a:noFill/>
                   </a:rPr>
-                  <a:t> </a:t>
+                  <a:t> </a:t>
                 </a:r>
               </a:p>
             </p:txBody>
@@ -40975,8 +40979,8 @@
           <a:p>
             <a:r>
               <a:rPr lang="en-US" altLang="zh-CN" b="1" dirty="0">
-                <a:latin typeface="Courier New" panose="02070409020205090404" pitchFamily="49" charset="0"/>
-                <a:cs typeface="Courier New" panose="02070409020205090404" pitchFamily="49" charset="0"/>
+                <a:latin typeface="Courier New" panose="02070309020205020404" pitchFamily="49" charset="0"/>
+                <a:cs typeface="Courier New" panose="02070309020205020404" pitchFamily="49" charset="0"/>
               </a:rPr>
               <a:t>P1/\ P2 -&gt; z=z2</a:t>
             </a:r>
@@ -41573,7 +41577,7 @@
                 <a:solidFill>
                   <a:srgbClr val="CC3300"/>
                 </a:solidFill>
-                <a:ea typeface="SimHei" panose="02010609060101010101" pitchFamily="49" charset="-122"/>
+                <a:ea typeface="黑体" panose="02010609060101010101" pitchFamily="49" charset="-122"/>
               </a:rPr>
               <a:t>集合论</a:t>
             </a:r>
@@ -41581,7 +41585,7 @@
               <a:solidFill>
                 <a:srgbClr val="CC3300"/>
               </a:solidFill>
-              <a:ea typeface="SimHei" panose="02010609060101010101" pitchFamily="49" charset="-122"/>
+              <a:ea typeface="黑体" panose="02010609060101010101" pitchFamily="49" charset="-122"/>
             </a:endParaRPr>
           </a:p>
         </p:txBody>
@@ -41638,7 +41642,7 @@
                 <a:solidFill>
                   <a:srgbClr val="CC3300"/>
                 </a:solidFill>
-                <a:ea typeface="SimHei" panose="02010609060101010101" pitchFamily="49" charset="-122"/>
+                <a:ea typeface="黑体" panose="02010609060101010101" pitchFamily="49" charset="-122"/>
               </a:rPr>
               <a:t>计算复杂性理论</a:t>
             </a:r>
@@ -41646,7 +41650,7 @@
               <a:solidFill>
                 <a:srgbClr val="CC3300"/>
               </a:solidFill>
-              <a:ea typeface="SimHei" panose="02010609060101010101" pitchFamily="49" charset="-122"/>
+              <a:ea typeface="黑体" panose="02010609060101010101" pitchFamily="49" charset="-122"/>
             </a:endParaRPr>
           </a:p>
         </p:txBody>
@@ -41703,7 +41707,7 @@
                 <a:solidFill>
                   <a:srgbClr val="CC3300"/>
                 </a:solidFill>
-                <a:ea typeface="SimHei" panose="02010609060101010101" pitchFamily="49" charset="-122"/>
+                <a:ea typeface="黑体" panose="02010609060101010101" pitchFamily="49" charset="-122"/>
               </a:rPr>
               <a:t>形式文法</a:t>
             </a:r>
@@ -41711,7 +41715,7 @@
               <a:solidFill>
                 <a:srgbClr val="CC3300"/>
               </a:solidFill>
-              <a:ea typeface="SimHei" panose="02010609060101010101" pitchFamily="49" charset="-122"/>
+              <a:ea typeface="黑体" panose="02010609060101010101" pitchFamily="49" charset="-122"/>
             </a:endParaRPr>
           </a:p>
         </p:txBody>
@@ -41768,7 +41772,7 @@
                 <a:solidFill>
                   <a:srgbClr val="CC3300"/>
                 </a:solidFill>
-                <a:ea typeface="SimHei" panose="02010609060101010101" pitchFamily="49" charset="-122"/>
+                <a:ea typeface="黑体" panose="02010609060101010101" pitchFamily="49" charset="-122"/>
               </a:rPr>
               <a:t>结构化归纳法</a:t>
             </a:r>
@@ -41776,7 +41780,7 @@
               <a:solidFill>
                 <a:srgbClr val="CC3300"/>
               </a:solidFill>
-              <a:ea typeface="SimHei" panose="02010609060101010101" pitchFamily="49" charset="-122"/>
+              <a:ea typeface="黑体" panose="02010609060101010101" pitchFamily="49" charset="-122"/>
             </a:endParaRPr>
           </a:p>
         </p:txBody>
@@ -41939,7 +41943,7 @@
                 <a:solidFill>
                   <a:srgbClr val="CC3300"/>
                 </a:solidFill>
-                <a:ea typeface="SimHei" panose="02010609060101010101" pitchFamily="49" charset="-122"/>
+                <a:ea typeface="黑体" panose="02010609060101010101" pitchFamily="49" charset="-122"/>
               </a:rPr>
               <a:t>命题逻辑（符号系统、证明系统、推导规则）</a:t>
             </a:r>
@@ -41947,7 +41951,7 @@
               <a:solidFill>
                 <a:srgbClr val="CC3300"/>
               </a:solidFill>
-              <a:ea typeface="SimHei" panose="02010609060101010101" pitchFamily="49" charset="-122"/>
+              <a:ea typeface="黑体" panose="02010609060101010101" pitchFamily="49" charset="-122"/>
             </a:endParaRPr>
           </a:p>
         </p:txBody>
@@ -42004,7 +42008,7 @@
                 <a:solidFill>
                   <a:srgbClr val="CC3300"/>
                 </a:solidFill>
-                <a:ea typeface="SimHei" panose="02010609060101010101" pitchFamily="49" charset="-122"/>
+                <a:ea typeface="黑体" panose="02010609060101010101" pitchFamily="49" charset="-122"/>
               </a:rPr>
               <a:t>构造逻辑</a:t>
             </a:r>
@@ -42012,7 +42016,7 @@
               <a:solidFill>
                 <a:srgbClr val="CC3300"/>
               </a:solidFill>
-              <a:ea typeface="SimHei" panose="02010609060101010101" pitchFamily="49" charset="-122"/>
+              <a:ea typeface="黑体" panose="02010609060101010101" pitchFamily="49" charset="-122"/>
             </a:endParaRPr>
           </a:p>
         </p:txBody>
@@ -42069,7 +42073,7 @@
                 <a:solidFill>
                   <a:srgbClr val="CC3300"/>
                 </a:solidFill>
-                <a:ea typeface="SimHei" panose="02010609060101010101" pitchFamily="49" charset="-122"/>
+                <a:ea typeface="黑体" panose="02010609060101010101" pitchFamily="49" charset="-122"/>
               </a:rPr>
               <a:t>谓词逻辑</a:t>
             </a:r>
@@ -42077,7 +42081,7 @@
               <a:solidFill>
                 <a:srgbClr val="CC3300"/>
               </a:solidFill>
-              <a:ea typeface="SimHei" panose="02010609060101010101" pitchFamily="49" charset="-122"/>
+              <a:ea typeface="黑体" panose="02010609060101010101" pitchFamily="49" charset="-122"/>
             </a:endParaRPr>
           </a:p>
         </p:txBody>
@@ -42180,7 +42184,7 @@
                 <a:solidFill>
                   <a:schemeClr val="bg1"/>
                 </a:solidFill>
-                <a:ea typeface="SimHei" panose="02010609060101010101" pitchFamily="49" charset="-122"/>
+                <a:ea typeface="黑体" panose="02010609060101010101" pitchFamily="49" charset="-122"/>
               </a:rPr>
               <a:t>霍尔逻辑</a:t>
             </a:r>
@@ -42188,7 +42192,7 @@
               <a:solidFill>
                 <a:schemeClr val="bg1"/>
               </a:solidFill>
-              <a:ea typeface="SimHei" panose="02010609060101010101" pitchFamily="49" charset="-122"/>
+              <a:ea typeface="黑体" panose="02010609060101010101" pitchFamily="49" charset="-122"/>
             </a:endParaRPr>
           </a:p>
         </p:txBody>
@@ -42305,7 +42309,7 @@
                 <a:solidFill>
                   <a:srgbClr val="CC3300"/>
                 </a:solidFill>
-                <a:ea typeface="SimHei" panose="02010609060101010101" pitchFamily="49" charset="-122"/>
+                <a:ea typeface="黑体" panose="02010609060101010101" pitchFamily="49" charset="-122"/>
               </a:rPr>
               <a:t>SAT</a:t>
             </a:r>
@@ -42313,7 +42317,7 @@
               <a:solidFill>
                 <a:srgbClr val="CC3300"/>
               </a:solidFill>
-              <a:ea typeface="SimHei" panose="02010609060101010101" pitchFamily="49" charset="-122"/>
+              <a:ea typeface="黑体" panose="02010609060101010101" pitchFamily="49" charset="-122"/>
             </a:endParaRPr>
           </a:p>
         </p:txBody>
@@ -42372,7 +42376,7 @@
                     <a:lumMod val="65000"/>
                   </a:schemeClr>
                 </a:solidFill>
-                <a:ea typeface="SimHei" panose="02010609060101010101" pitchFamily="49" charset="-122"/>
+                <a:ea typeface="黑体" panose="02010609060101010101" pitchFamily="49" charset="-122"/>
               </a:rPr>
               <a:t>Theory</a:t>
             </a:r>
@@ -42382,7 +42386,7 @@
                   <a:lumMod val="65000"/>
                 </a:schemeClr>
               </a:solidFill>
-              <a:ea typeface="SimHei" panose="02010609060101010101" pitchFamily="49" charset="-122"/>
+              <a:ea typeface="黑体" panose="02010609060101010101" pitchFamily="49" charset="-122"/>
             </a:endParaRPr>
           </a:p>
           <a:p>
@@ -42394,7 +42398,7 @@
                   <a:lumOff val="5000"/>
                 </a:schemeClr>
               </a:solidFill>
-              <a:ea typeface="SimHei" panose="02010609060101010101" pitchFamily="49" charset="-122"/>
+              <a:ea typeface="黑体" panose="02010609060101010101" pitchFamily="49" charset="-122"/>
             </a:endParaRPr>
           </a:p>
           <a:p>
@@ -42406,7 +42410,7 @@
                   <a:lumOff val="5000"/>
                 </a:schemeClr>
               </a:solidFill>
-              <a:ea typeface="SimHei" panose="02010609060101010101" pitchFamily="49" charset="-122"/>
+              <a:ea typeface="黑体" panose="02010609060101010101" pitchFamily="49" charset="-122"/>
             </a:endParaRPr>
           </a:p>
         </p:txBody>
@@ -42519,7 +42523,7 @@
                 <a:solidFill>
                   <a:srgbClr val="CC3300"/>
                 </a:solidFill>
-                <a:ea typeface="SimHei" panose="02010609060101010101" pitchFamily="49" charset="-122"/>
+                <a:ea typeface="黑体" panose="02010609060101010101" pitchFamily="49" charset="-122"/>
               </a:rPr>
               <a:t>EUF</a:t>
             </a:r>
@@ -42527,7 +42531,7 @@
               <a:solidFill>
                 <a:srgbClr val="CC3300"/>
               </a:solidFill>
-              <a:ea typeface="SimHei" panose="02010609060101010101" pitchFamily="49" charset="-122"/>
+              <a:ea typeface="黑体" panose="02010609060101010101" pitchFamily="49" charset="-122"/>
             </a:endParaRPr>
           </a:p>
         </p:txBody>
@@ -42583,7 +42587,7 @@
                 <a:solidFill>
                   <a:schemeClr val="bg1"/>
                 </a:solidFill>
-                <a:ea typeface="SimHei" panose="02010609060101010101" pitchFamily="49" charset="-122"/>
+                <a:ea typeface="黑体" panose="02010609060101010101" pitchFamily="49" charset="-122"/>
               </a:rPr>
               <a:t>LA</a:t>
             </a:r>
@@ -42591,7 +42595,7 @@
               <a:solidFill>
                 <a:schemeClr val="bg1"/>
               </a:solidFill>
-              <a:ea typeface="SimHei" panose="02010609060101010101" pitchFamily="49" charset="-122"/>
+              <a:ea typeface="黑体" panose="02010609060101010101" pitchFamily="49" charset="-122"/>
             </a:endParaRPr>
           </a:p>
         </p:txBody>
@@ -42649,7 +42653,7 @@
                     <a:lumMod val="95000"/>
                   </a:schemeClr>
                 </a:solidFill>
-                <a:ea typeface="SimHei" panose="02010609060101010101" pitchFamily="49" charset="-122"/>
+                <a:ea typeface="黑体" panose="02010609060101010101" pitchFamily="49" charset="-122"/>
               </a:rPr>
               <a:t>Bit Vector</a:t>
             </a:r>
@@ -42659,7 +42663,7 @@
                   <a:lumMod val="95000"/>
                 </a:schemeClr>
               </a:solidFill>
-              <a:ea typeface="SimHei" panose="02010609060101010101" pitchFamily="49" charset="-122"/>
+              <a:ea typeface="黑体" panose="02010609060101010101" pitchFamily="49" charset="-122"/>
             </a:endParaRPr>
           </a:p>
         </p:txBody>
@@ -42717,7 +42721,7 @@
                     <a:lumMod val="95000"/>
                   </a:schemeClr>
                 </a:solidFill>
-                <a:ea typeface="SimHei" panose="02010609060101010101" pitchFamily="49" charset="-122"/>
+                <a:ea typeface="黑体" panose="02010609060101010101" pitchFamily="49" charset="-122"/>
               </a:rPr>
               <a:t>Arrays</a:t>
             </a:r>
@@ -42727,7 +42731,7 @@
                   <a:lumMod val="95000"/>
                 </a:schemeClr>
               </a:solidFill>
-              <a:ea typeface="SimHei" panose="02010609060101010101" pitchFamily="49" charset="-122"/>
+              <a:ea typeface="黑体" panose="02010609060101010101" pitchFamily="49" charset="-122"/>
             </a:endParaRPr>
           </a:p>
         </p:txBody>
@@ -42785,7 +42789,7 @@
                     <a:lumMod val="95000"/>
                   </a:schemeClr>
                 </a:solidFill>
-                <a:ea typeface="SimHei" panose="02010609060101010101" pitchFamily="49" charset="-122"/>
+                <a:ea typeface="黑体" panose="02010609060101010101" pitchFamily="49" charset="-122"/>
               </a:rPr>
               <a:t>Pointer</a:t>
             </a:r>
@@ -42795,7 +42799,7 @@
                   <a:lumMod val="95000"/>
                 </a:schemeClr>
               </a:solidFill>
-              <a:ea typeface="SimHei" panose="02010609060101010101" pitchFamily="49" charset="-122"/>
+              <a:ea typeface="黑体" panose="02010609060101010101" pitchFamily="49" charset="-122"/>
             </a:endParaRPr>
           </a:p>
         </p:txBody>
@@ -42856,7 +42860,7 @@
                   <a:lumMod val="95000"/>
                 </a:schemeClr>
               </a:solidFill>
-              <a:ea typeface="SimHei" panose="02010609060101010101" pitchFamily="49" charset="-122"/>
+              <a:ea typeface="黑体" panose="02010609060101010101" pitchFamily="49" charset="-122"/>
             </a:endParaRPr>
           </a:p>
         </p:txBody>
@@ -42976,7 +42980,7 @@
                     <a:lumOff val="5000"/>
                   </a:schemeClr>
                 </a:solidFill>
-                <a:ea typeface="SimHei" panose="02010609060101010101" pitchFamily="49" charset="-122"/>
+                <a:ea typeface="黑体" panose="02010609060101010101" pitchFamily="49" charset="-122"/>
               </a:rPr>
               <a:t>符号执行</a:t>
             </a:r>
@@ -42988,7 +42992,7 @@
                     <a:lumOff val="5000"/>
                   </a:schemeClr>
                 </a:solidFill>
-                <a:ea typeface="SimHei" panose="02010609060101010101" pitchFamily="49" charset="-122"/>
+                <a:ea typeface="黑体" panose="02010609060101010101" pitchFamily="49" charset="-122"/>
               </a:rPr>
               <a:t>/</a:t>
             </a:r>
@@ -43000,7 +43004,7 @@
                     <a:lumOff val="5000"/>
                   </a:schemeClr>
                 </a:solidFill>
-                <a:ea typeface="SimHei" panose="02010609060101010101" pitchFamily="49" charset="-122"/>
+                <a:ea typeface="黑体" panose="02010609060101010101" pitchFamily="49" charset="-122"/>
               </a:rPr>
               <a:t>混合执行</a:t>
             </a:r>
@@ -43011,7 +43015,7 @@
                   <a:lumOff val="5000"/>
                 </a:schemeClr>
               </a:solidFill>
-              <a:ea typeface="SimHei" panose="02010609060101010101" pitchFamily="49" charset="-122"/>
+              <a:ea typeface="黑体" panose="02010609060101010101" pitchFamily="49" charset="-122"/>
             </a:endParaRPr>
           </a:p>
         </p:txBody>
@@ -43117,7 +43121,7 @@
                     <a:lumOff val="5000"/>
                   </a:schemeClr>
                 </a:solidFill>
-                <a:ea typeface="SimHei" panose="02010609060101010101" pitchFamily="49" charset="-122"/>
+                <a:ea typeface="黑体" panose="02010609060101010101" pitchFamily="49" charset="-122"/>
               </a:rPr>
               <a:t>程序验证</a:t>
             </a:r>
@@ -43128,7 +43132,7 @@
                   <a:lumOff val="5000"/>
                 </a:schemeClr>
               </a:solidFill>
-              <a:ea typeface="SimHei" panose="02010609060101010101" pitchFamily="49" charset="-122"/>
+              <a:ea typeface="黑体" panose="02010609060101010101" pitchFamily="49" charset="-122"/>
             </a:endParaRPr>
           </a:p>
         </p:txBody>
@@ -43188,7 +43192,7 @@
                     <a:lumOff val="5000"/>
                   </a:schemeClr>
                 </a:solidFill>
-                <a:ea typeface="SimHei" panose="02010609060101010101" pitchFamily="49" charset="-122"/>
+                <a:ea typeface="黑体" panose="02010609060101010101" pitchFamily="49" charset="-122"/>
               </a:rPr>
               <a:t>程序分析</a:t>
             </a:r>
@@ -43199,7 +43203,7 @@
                   <a:lumOff val="5000"/>
                 </a:schemeClr>
               </a:solidFill>
-              <a:ea typeface="SimHei" panose="02010609060101010101" pitchFamily="49" charset="-122"/>
+              <a:ea typeface="黑体" panose="02010609060101010101" pitchFamily="49" charset="-122"/>
             </a:endParaRPr>
           </a:p>
         </p:txBody>
@@ -43259,7 +43263,7 @@
                     <a:lumOff val="5000"/>
                   </a:schemeClr>
                 </a:solidFill>
-                <a:ea typeface="SimHei" panose="02010609060101010101" pitchFamily="49" charset="-122"/>
+                <a:ea typeface="黑体" panose="02010609060101010101" pitchFamily="49" charset="-122"/>
               </a:rPr>
               <a:t>程序合成</a:t>
             </a:r>
@@ -43270,7 +43274,7 @@
                   <a:lumOff val="5000"/>
                 </a:schemeClr>
               </a:solidFill>
-              <a:ea typeface="SimHei" panose="02010609060101010101" pitchFamily="49" charset="-122"/>
+              <a:ea typeface="黑体" panose="02010609060101010101" pitchFamily="49" charset="-122"/>
             </a:endParaRPr>
           </a:p>
         </p:txBody>
